--- a/presentation1.pptx
+++ b/presentation1.pptx
@@ -5,7 +5,7 @@
     <p:sldMasterId id="2147483648" r:id="rId1"/>
   </p:sldMasterIdLst>
   <p:notesMasterIdLst>
-    <p:notesMasterId r:id="rId56"/>
+    <p:notesMasterId r:id="rId57"/>
   </p:notesMasterIdLst>
   <p:sldIdLst>
     <p:sldId id="262" r:id="rId2"/>
@@ -35,33 +35,34 @@
     <p:sldId id="277" r:id="rId26"/>
     <p:sldId id="297" r:id="rId27"/>
     <p:sldId id="278" r:id="rId28"/>
-    <p:sldId id="298" r:id="rId29"/>
-    <p:sldId id="300" r:id="rId30"/>
-    <p:sldId id="299" r:id="rId31"/>
-    <p:sldId id="301" r:id="rId32"/>
-    <p:sldId id="312" r:id="rId33"/>
-    <p:sldId id="283" r:id="rId34"/>
-    <p:sldId id="302" r:id="rId35"/>
-    <p:sldId id="303" r:id="rId36"/>
-    <p:sldId id="315" r:id="rId37"/>
-    <p:sldId id="304" r:id="rId38"/>
-    <p:sldId id="316" r:id="rId39"/>
-    <p:sldId id="280" r:id="rId40"/>
-    <p:sldId id="305" r:id="rId41"/>
-    <p:sldId id="318" r:id="rId42"/>
-    <p:sldId id="284" r:id="rId43"/>
-    <p:sldId id="309" r:id="rId44"/>
-    <p:sldId id="285" r:id="rId45"/>
-    <p:sldId id="286" r:id="rId46"/>
-    <p:sldId id="287" r:id="rId47"/>
-    <p:sldId id="317" r:id="rId48"/>
-    <p:sldId id="256" r:id="rId49"/>
-    <p:sldId id="257" r:id="rId50"/>
-    <p:sldId id="260" r:id="rId51"/>
-    <p:sldId id="258" r:id="rId52"/>
-    <p:sldId id="259" r:id="rId53"/>
-    <p:sldId id="313" r:id="rId54"/>
-    <p:sldId id="314" r:id="rId55"/>
+    <p:sldId id="319" r:id="rId29"/>
+    <p:sldId id="298" r:id="rId30"/>
+    <p:sldId id="300" r:id="rId31"/>
+    <p:sldId id="299" r:id="rId32"/>
+    <p:sldId id="301" r:id="rId33"/>
+    <p:sldId id="312" r:id="rId34"/>
+    <p:sldId id="283" r:id="rId35"/>
+    <p:sldId id="302" r:id="rId36"/>
+    <p:sldId id="303" r:id="rId37"/>
+    <p:sldId id="315" r:id="rId38"/>
+    <p:sldId id="304" r:id="rId39"/>
+    <p:sldId id="316" r:id="rId40"/>
+    <p:sldId id="280" r:id="rId41"/>
+    <p:sldId id="305" r:id="rId42"/>
+    <p:sldId id="318" r:id="rId43"/>
+    <p:sldId id="284" r:id="rId44"/>
+    <p:sldId id="309" r:id="rId45"/>
+    <p:sldId id="285" r:id="rId46"/>
+    <p:sldId id="286" r:id="rId47"/>
+    <p:sldId id="287" r:id="rId48"/>
+    <p:sldId id="317" r:id="rId49"/>
+    <p:sldId id="256" r:id="rId50"/>
+    <p:sldId id="257" r:id="rId51"/>
+    <p:sldId id="260" r:id="rId52"/>
+    <p:sldId id="258" r:id="rId53"/>
+    <p:sldId id="259" r:id="rId54"/>
+    <p:sldId id="313" r:id="rId55"/>
+    <p:sldId id="314" r:id="rId56"/>
   </p:sldIdLst>
   <p:sldSz cx="12192000" cy="6858000"/>
   <p:notesSz cx="6858000" cy="9144000"/>
@@ -248,7 +249,7 @@
       <inkml:brushProperty name="color" value="#F6630D"/>
     </inkml:brush>
   </inkml:definitions>
-  <inkml:trace contextRef="#ctx0" brushRef="#br0">2919 4517 24575,'-12'10'0,"-24"-2"0,3-8 0,-42 0 0,16 0 0,-41 0 0,18 0 0,-31 0 0,-4 0 0,43 0 0,-4 0 0,-15 0 0,-3 0 0,-7 0 0,2 0-542,27 0 0,1 0 542,-27 0 0,7 0 0,20 0-157,-3-6 1,-1-1 156,-18 4 0,-21-38 0,12 10 0,27-15 0,1-5 0,-27-15 0,35 13 0,2-2 0,-14-16 0,20 3 0,1-9 0,10 12 0,0-12 1067,6-12-1067,4 12 330,6-23-330,3-3 0,12-4 0,5-27 0,12 6 0,2-10 0,-1 21 0,0-2-473,-1-30 0,2 1 473,5 34 0,5 9 0,19-57 0,-2 69 0,5 0 0,2-3 0,1 4-356,34-65 356,7-8 0,2 27 0,10-1 0,-41 69 0,4 1-387,8-3 1,2 1 386,-5 4 0,2 4 0,7 3 0,2 2 0,-9 4 0,1 4 0,4 8 0,1 4 0,2-2 0,-2 0 0,56-35 0,5 27 0,-9-9 0,2 36 0,10-21 0,-13 39 0,1-11 0,-45 13 0,-1 2 0,29-1 0,-9 0 0,-2 0 0,-7 0-109,-12-1 1,1 2 108,20 13 0,2 14 0,9 28 0,-23 1 0,8 24 0,-15-12 0,8 15 881,-18-3-881,8 15 354,-16 1-354,16 2 816,-14 10-816,30 40 0,-37-43 0,27 51 241,-42-67-241,8 17 0,-1-16 0,-14 10 0,12-9 0,-13 11 0,0 1 0,-2-1 0,-8-14 0,1 27 0,-2-37 0,-5 37 0,-4-27 0,-6 14 0,0 0 0,0 0 0,0-1 0,0-13 0,0 11 0,-7-11 0,-9 0 0,-8-4 0,-6-26 0,-21 31 0,16-26 0,-23 8 0,27-18 0,-5-20 0,8 10 0,0-11 0,0-2 0,-8-8 0,6 8 0,-14-5 0,14 6 0,-14-9 0,6 0 0,-8 0 0,0 1 0,0-1 0,0 1 0,1 0 0,-1 0 0,0-1 0,0 1 0,-9 0 0,7 0 0,-8 1 0,10-2 0,1 1 0,-1 0 0,0 0 0,8-2 0,-6-9 0,14 6 0,-6-16 0,8 16 0,0-7 0,7 0 0,1-3 0,1 1 0,4-8 0,-4 16 0,7-16 0,5 6 0,2-8 0</inkml:trace>
+  <inkml:trace contextRef="#ctx0" brushRef="#br0">3218 4980 24575,'-13'11'0,"-27"-2"0,4-9 0,-47 0 0,18 0 0,-45 0 0,19 0 0,-33 0 0,-5 0 0,47 0 0,-4 0 0,-16 0 0,-4 0 0,-8 0 0,3 0-542,29 0 0,2 0 542,-30 0 0,7 0 0,23 0-157,-4-7 1,-1 0 156,-20 3 0,-23-41 0,14 11 0,29-17 0,1-5 0,-30-17 0,39 15 0,3-3 0,-17-17 0,23 3 0,1-10 0,11 13 0,0-12 1067,7-15-1067,4 14 330,6-25-330,4-3 0,13-5 0,6-30 0,13 7 0,2-11 0,-1 23 0,0-3-473,-1-32 0,2 1 473,6 37 0,5 11 0,21-64 0,-2 76 0,5 1 0,3-4 0,0 5-356,39-72 356,7-9 0,2 29 0,11 0 0,-45 76 0,4 1-387,9-3 1,3 0 386,-7 5 0,3 5 0,8 3 0,2 2 0,-10 4 0,1 5 0,5 9 0,1 4 0,1-2 0,-1 0 0,62-39 0,4 30 0,-9-10 0,3 40 0,10-23 0,-14 43 0,1-13 0,-50 15 0,-1 2 0,33-1 0,-11 0 0,-2 0 0,-7 0-109,-14-1 1,1 2 108,22 15 0,3 14 0,9 32 0,-25 1 0,9 26 0,-16-13 0,8 17 881,-20-4-881,9 17 354,-17 1-354,17 2 816,-15 11-816,33 45 0,-41-48 0,30 56 241,-47-74-241,9 19 0,0-18 0,-17 12 0,14-11 0,-14 13 0,0 0 0,-3 0 0,-8-16 0,1 30 0,-3-41 0,-5 41 0,-4-30 0,-7 15 0,0 1 0,0 0 0,0-2 0,0-14 0,0 12 0,-8-11 0,-10-1 0,-8-5 0,-7-28 0,-23 35 0,17-30 0,-25 10 0,30-21 0,-6-21 0,9 10 0,0-11 0,1-3 0,-10-9 0,7 9 0,-16-5 0,16 6 0,-15-9 0,6-1 0,-9 0 0,0 2 0,1-2 0,-1 2 0,1-1 0,0 1 0,-1-2 0,0 1 0,-9 1 0,7-1 0,-9 2 0,11-3 0,2 2 0,-2-1 0,0 1 0,9-3 0,-6-10 0,15 7 0,-7-18 0,9 18 0,0-7 0,8-1 0,1-3 0,1 1 0,4-9 0,-3 18 0,6-18 0,7 7 0,1-9 0</inkml:trace>
 </inkml:ink>
 </file>
 
@@ -276,7 +277,7 @@
       <inkml:brushProperty name="color" value="#F6630D"/>
     </inkml:brush>
   </inkml:definitions>
-  <inkml:trace contextRef="#ctx0" brushRef="#br0">1837 951 24575,'-23'0'0,"-4"0"0,-41 0 0,-7 0 0,15 0 0,-1 0 0,-36 0 0,43 0 0,0 0 0,-35 0 0,7 0 0,1 0 0,13 0 0,0 0 0,15 0 0,-13 0 0,31 0 0,-12 0 0,20 0 0,-5 0 0,8 0 0,-25 0 0,25 0 0,-21 0 0,33-4 0,-4 3 0,5-4 0,0 5 0,0-5 0,0 4 0,0-9 0,0 8 0,-7-8 0,6 4 0,-6-6 0,1 5 0,4-3 0,-4 9 0,6-9 0,0 9 0,-1-9 0,-10-2 0,8 4 0,-8-7 0,10 9 0,1-1 0,0-3 0,0 9 0,-1-9 0,1 4 0,0-5 0,0 5 0,0 1 0,0 0 0,-25-26 0,14 9 0,-10-15 0,12 21 0,17-1 0,-12 5 0,14-4 0,-4 5 0,5-1 0,0 1 0,0 1 0,0-1 0,0 0 0,0 0 0,0 0 0,0 0 0,0 1 0,0-1 0,0 0 0,0 1 0,0-1 0,0 0 0,0 0 0,5 0 0,-4 0 0,9 0 0,16-35 0,-15 26 0,18-26 0,-23 35 0,10 0 0,-9 0 0,8 5 0,-9-4 0,5 8 0,0-8 0,0 9 0,0-9 0,0 4 0,6-1 0,-4-3 0,10 4 0,-4-6 0,-1 5 0,12-5 0,-9 5 0,17-6 0,6-6 0,10-1 0,0 5 0,-9-2 0,-7 16 0,-12-10 0,13 9 0,-6-3 0,1 5 0,4 0 0,-11 0 0,11 0 0,-12 0 0,13 0 0,-13-6 0,66 2 0,13 0 0,-14-3 0,-23 4 0,9 1 0,-11 0 0,12 2 0,1-6 0,-14 5 0,2-5 0,-34 6 0,6 0 0,-6 0 0,0 0 0,6 0 0,-6 0 0,1 0 0,-3 0 0,1 0 0,-6 0 0,6 0 0,-14 0 0,5 0 0,1 0 0,12 0 0,-3 0 0,-4 0 0,-6 0 0,-4 0 0,5 0 0,-5 0 0,4 0 0,-10 0 0,10 0 0,-11 0 0,11 0 0,-10 0 0,4 5 0,28 20 0,-30-9 0,24 14 0,-39-19 0,0 0 0,0 0 0,0 0 0,0 0 0,0-1 0,0 1 0,0 1 0,0-1 0,0 0 0,0 0 0,0 0 0,0 0 0,0 0 0,0 0 0,-5 4 0,4-3 0,-4 4 0,5-5 0,-5 0 0,4 0 0,-4 0 0,5 0 0,0 0 0,0 6 0,0-4 0,-5 4 0,4-6 0,-4 0 0,5 0 0,-20 24 0,15-18 0,-19 18 0,18-24 0,-5 0 0,5 0 0,-4 0 0,4 0 0,-1 0 0,-2 0 0,2 0 0,-4 0 0,0 0 0,0 0 0,-1 0 0,1 0 0,0 1 0,0-1 0,-1 0 0,0 6 0,1-5 0,-6 10 0,5-4 0,-5-1 0,6-1 0,0-5 0,0-5 0,4 4 0,-3-9 0,4 9 0,-5-9 0,5 9 0,-4-3 0,3-1 0,1 4 0,-4-9 0,-47 24 0,33-20 0,-44 20 0,45-24 0,4 4 0,-3 0 0,10-3 0,1 2 0,0-4 0,0 0 0,-1 0 0,1 0 0,0 0 0,0 0 0,5 5 0,2-4 0,4 4 0</inkml:trace>
+  <inkml:trace contextRef="#ctx0" brushRef="#br0">2934 1520 24575,'-37'0'0,"-6"0"0,-66 0 0,-11 0 0,25 0 0,-3 0 0,-56 0 0,67 0 0,2 0 0,-59 0 0,13 0 0,2 0 0,21 0 0,-1 0 0,24 0 0,-20 0 0,48 0 0,-18 0 0,33 0 0,-9 0 0,12 0 0,-38 0 0,38 0 0,-33 0 0,53-8 0,-6 6 0,7-5 0,1 7 0,-1-8 0,0 6 0,0-14 0,0 14 0,-9-15 0,6 7 0,-6-9 0,-1 9 0,8-6 0,-8 14 0,10-14 0,0 14 0,0-14 0,-17-3 0,12 7 0,-12-13 0,17 15 0,0 0 0,0-6 0,0 14 0,0-14 0,0 7 0,0-9 0,1 9 0,-1 1 0,0 0 0,-39-42 0,21 15 0,-15-24 0,19 33 0,28 0 0,-20 6 0,22-6 0,-6 8 0,8 0 0,0 1 0,0-1 0,0 1 0,0-1 0,0 1 0,0 0 0,0 0 0,0 0 0,0-1 0,0 1 0,0 0 0,0 0 0,0 0 0,0-1 0,8 1 0,-6-1 0,14 0 0,25-55 0,-24 41 0,30-41 0,-37 55 0,15 0 0,-13 0 0,11 9 0,-13-7 0,7 14 0,1-14 0,0 14 0,0-14 0,-1 6 0,11 0 0,-8-6 0,16 5 0,-6-8 0,0 8 0,18-8 0,-16 8 0,30-10 0,9-9 0,15-3 0,0 10 0,-15-4 0,-10 24 0,-19-14 0,20 15 0,-9-7 0,0 9 0,9 0 0,-20 0 0,20 0 0,-20 0 0,19 0 0,-19-9 0,105 2 0,21 1 0,-23-5 0,-37 6 0,15 1 0,-17 2 0,19 2 0,1-10 0,-22 8 0,2-8 0,-53 10 0,9 0 0,-9 0 0,0 0 0,9 0 0,-9 0 0,0 0 0,-2 0 0,-1 0 0,-8 0 0,9 0 0,-22 0 0,8 0 0,1 0 0,20 0 0,-6 0 0,-5 0 0,-10 0 0,-8 0 0,11 0 0,-11 0 0,8 0 0,-17 0 0,17 0 0,-17 0 0,17 0 0,-17 0 0,7 8 0,46 33 0,-50-15 0,40 22 0,-63-31 0,0 0 0,0 0 0,0 1 0,0-1 0,0 1 0,0-1 0,0 1 0,0 0 0,0-1 0,0 1 0,0 0 0,0-1 0,0 1 0,0-1 0,-8 8 0,6-6 0,-5 6 0,7-8 0,-8 1 0,6 0 0,-6-1 0,8 1 0,0 0 0,0 9 0,0-7 0,-8 8 0,6-11 0,-6 1 0,8 0 0,-32 38 0,24-29 0,-31 29 0,29-38 0,-7-2 0,8 2 0,-7-1 0,6 1 0,0 0 0,-6-1 0,6 1 0,-8 0 0,0 0 0,0-1 0,0 1 0,0 0 0,0-1 0,0 1 0,0 0 0,0 9 0,-1-7 0,-8 15 0,7-7 0,-6 0 0,8-3 0,0-7 0,0-8 0,8 6 0,-6-14 0,6 13 0,-8-13 0,8 14 0,-5-6 0,5 0 0,0 5 0,-6-13 0,-76 39 0,54-33 0,-70 32 0,71-38 0,6 6 0,-4 0 0,17-6 0,0 6 0,0-8 0,0 0 0,0 0 0,0 0 0,0 0 0,1 0 0,7 7 0,3-5 0,7 5 0</inkml:trace>
 </inkml:ink>
 </file>
 
@@ -933,7 +934,7 @@
           <a:p>
             <a:r>
               <a:rPr lang="en-US" dirty="0"/>
-              <a:t>And lastly a short-term conversation history consists of utterances of the user and the chatbot. We are using 8 turns history in our implementation.</a:t>
+              <a:t>And lastly a short-term conversation history consists of past 8 utterances of the conversation, this it to provide short-term context-relevant response</a:t>
             </a:r>
           </a:p>
           <a:p>
@@ -1046,7 +1047,7 @@
             </a:pPr>
             <a:r>
               <a:rPr lang="en-US" dirty="0"/>
-              <a:t>Here I will show the process of optimizing knowledge extraction. We start from summarization.</a:t>
+              <a:t>Here I will show the process of how we optimize the knowledge extraction. We start from summarization.</a:t>
             </a:r>
           </a:p>
           <a:p>
@@ -1500,7 +1501,7 @@
             </a:pPr>
             <a:r>
               <a:rPr lang="en-US" dirty="0"/>
-              <a:t>One solution we explored is to augment the training dataset, so that in training set’s summaries, there are fewer pronouns.</a:t>
+              <a:t>One solution we explored is to augment the training dataset, to have fewer pronouns.</a:t>
             </a:r>
           </a:p>
           <a:p>
@@ -1543,7 +1544,7 @@
             </a:pPr>
             <a:r>
               <a:rPr lang="en-US" dirty="0"/>
-              <a:t>This can make each sentence fully-understandable by their own, make each sentence self-contained.</a:t>
+              <a:t>We rewrite each sentence so they becomes fully-understandable by their own, make each sentence self-contained.</a:t>
             </a:r>
           </a:p>
         </p:txBody>
@@ -1630,7 +1631,7 @@
           <a:p>
             <a:r>
               <a:rPr lang="en-US" dirty="0"/>
-              <a:t>We utilize gpt-3.5-turbo model for data augmentation. We give the model a prompt message for it to do the rewrite task.</a:t>
+              <a:t>We utilize gpt-3.5-turbo model for data augmentation. </a:t>
             </a:r>
           </a:p>
           <a:p>
@@ -1639,7 +1640,7 @@
           <a:p>
             <a:r>
               <a:rPr lang="en-US" dirty="0"/>
-              <a:t>Initially, we tried simple prompt like this, it works well in most of the cases. But for some complex summary it doesn't perform well</a:t>
+              <a:t>Initially, we tried simple prompt like this, it works well in most of the cases. But for some complex summary it doesn't understand pronouns correctly</a:t>
             </a:r>
           </a:p>
           <a:p>
@@ -2071,7 +2072,7 @@
                 <a:effectLst/>
                 <a:latin typeface="SFRM1095"/>
               </a:rPr>
-              <a:t>As the emotional support chatbots need to accompany users for a long time, they will have long-term multi-session conversation.</a:t>
+              <a:t>As the chatbots are expected to accompany users for a long time, they will have long-term multi-session conversation.</a:t>
             </a:r>
           </a:p>
           <a:p>
@@ -2564,6 +2565,35 @@
               <a:t>I found that there is no relevant model or dataset that are for this task.</a:t>
             </a:r>
           </a:p>
+          <a:p>
+            <a:endParaRPr lang="en-US" dirty="0"/>
+          </a:p>
+          <a:p>
+            <a:pPr marL="0" marR="0" lvl="0" indent="0" algn="l" defTabSz="914400" rtl="0" eaLnBrk="1" fontAlgn="auto" latinLnBrk="0" hangingPunct="1">
+              <a:lnSpc>
+                <a:spcPct val="100000"/>
+              </a:lnSpc>
+              <a:spcBef>
+                <a:spcPts val="0"/>
+              </a:spcBef>
+              <a:spcAft>
+                <a:spcPts val="0"/>
+              </a:spcAft>
+              <a:buClrTx/>
+              <a:buSzTx/>
+              <a:buFontTx/>
+              <a:buNone/>
+              <a:tabLst/>
+              <a:defRPr/>
+            </a:pPr>
+            <a:r>
+              <a:rPr lang="en-US" sz="1200" dirty="0"/>
+              <a:t>We created the dataset from the old summarization dataset, by concatenating different summary together to produce a new summary that has multiple topics.</a:t>
+            </a:r>
+          </a:p>
+          <a:p>
+            <a:endParaRPr lang="en-US" dirty="0"/>
+          </a:p>
         </p:txBody>
       </p:sp>
       <p:sp>
@@ -2831,33 +2861,7 @@
           <a:p>
             <a:r>
               <a:rPr lang="en-US" dirty="0"/>
-              <a:t>Although we have a high accuracy.</a:t>
-            </a:r>
-          </a:p>
-          <a:p>
-            <a:endParaRPr lang="en-US" dirty="0"/>
-          </a:p>
-          <a:p>
-            <a:endParaRPr lang="en-US" dirty="0"/>
-          </a:p>
-          <a:p>
-            <a:endParaRPr lang="en-US" dirty="0"/>
-          </a:p>
-          <a:p>
-            <a:endParaRPr lang="en-US" dirty="0"/>
-          </a:p>
-          <a:p>
-            <a:r>
-              <a:rPr lang="en-US" dirty="0"/>
-              <a:t>We suggest the model takes the advantages of difference in person named </a:t>
-            </a:r>
-            <a:r>
-              <a:rPr lang="en-US" dirty="0" err="1"/>
-              <a:t>entitiies</a:t>
-            </a:r>
-            <a:r>
-              <a:rPr lang="en-US" dirty="0"/>
-              <a:t>.</a:t>
+              <a:t> </a:t>
             </a:r>
           </a:p>
         </p:txBody>
@@ -2888,7 +2892,7 @@
     </p:spTree>
     <p:extLst>
       <p:ext uri="{BB962C8B-B14F-4D97-AF65-F5344CB8AC3E}">
-        <p14:creationId xmlns:p14="http://schemas.microsoft.com/office/powerpoint/2010/main" val="3254636820"/>
+        <p14:creationId xmlns:p14="http://schemas.microsoft.com/office/powerpoint/2010/main" val="1036366359"/>
       </p:ext>
     </p:extLst>
   </p:cSld>
@@ -2944,16 +2948,33 @@
           <a:p>
             <a:r>
               <a:rPr lang="en-US" dirty="0"/>
-              <a:t>We change the main person of each summary to be the same.</a:t>
+              <a:t>Although we have a high accuracy.</a:t>
             </a:r>
           </a:p>
           <a:p>
             <a:endParaRPr lang="en-US" dirty="0"/>
           </a:p>
           <a:p>
-            <a:r>
-              <a:rPr lang="en-US" dirty="0"/>
-              <a:t>So the model can't learn this bias from training data.</a:t>
+            <a:endParaRPr lang="en-US" dirty="0"/>
+          </a:p>
+          <a:p>
+            <a:endParaRPr lang="en-US" dirty="0"/>
+          </a:p>
+          <a:p>
+            <a:endParaRPr lang="en-US" dirty="0"/>
+          </a:p>
+          <a:p>
+            <a:r>
+              <a:rPr lang="en-US" dirty="0"/>
+              <a:t>We suggest the model takes the advantages of difference in person named </a:t>
+            </a:r>
+            <a:r>
+              <a:rPr lang="en-US" dirty="0" err="1"/>
+              <a:t>entitiies</a:t>
+            </a:r>
+            <a:r>
+              <a:rPr lang="en-US" dirty="0"/>
+              <a:t> of different sentences.</a:t>
             </a:r>
           </a:p>
         </p:txBody>
@@ -2984,7 +3005,7 @@
     </p:spTree>
     <p:extLst>
       <p:ext uri="{BB962C8B-B14F-4D97-AF65-F5344CB8AC3E}">
-        <p14:creationId xmlns:p14="http://schemas.microsoft.com/office/powerpoint/2010/main" val="1743439367"/>
+        <p14:creationId xmlns:p14="http://schemas.microsoft.com/office/powerpoint/2010/main" val="3254636820"/>
       </p:ext>
     </p:extLst>
   </p:cSld>
@@ -3038,7 +3059,10 @@
           <a:bodyPr/>
           <a:lstStyle/>
           <a:p>
-            <a:endParaRPr lang="en-US" dirty="0"/>
+            <a:r>
+              <a:rPr lang="en-US" dirty="0"/>
+              <a:t>we remove the bias from training data.</a:t>
+            </a:r>
           </a:p>
         </p:txBody>
       </p:sp>
@@ -3068,7 +3092,7 @@
     </p:spTree>
     <p:extLst>
       <p:ext uri="{BB962C8B-B14F-4D97-AF65-F5344CB8AC3E}">
-        <p14:creationId xmlns:p14="http://schemas.microsoft.com/office/powerpoint/2010/main" val="3485368784"/>
+        <p14:creationId xmlns:p14="http://schemas.microsoft.com/office/powerpoint/2010/main" val="1743439367"/>
       </p:ext>
     </p:extLst>
   </p:cSld>
@@ -3122,10 +3146,7 @@
           <a:bodyPr/>
           <a:lstStyle/>
           <a:p>
-            <a:r>
-              <a:rPr lang="en-US" dirty="0"/>
-              <a:t>this implies the original segmenter is indeed utilizing the bias in the dataset.</a:t>
-            </a:r>
+            <a:endParaRPr lang="en-US" dirty="0"/>
           </a:p>
         </p:txBody>
       </p:sp>
@@ -3155,7 +3176,7 @@
     </p:spTree>
     <p:extLst>
       <p:ext uri="{BB962C8B-B14F-4D97-AF65-F5344CB8AC3E}">
-        <p14:creationId xmlns:p14="http://schemas.microsoft.com/office/powerpoint/2010/main" val="2791667358"/>
+        <p14:creationId xmlns:p14="http://schemas.microsoft.com/office/powerpoint/2010/main" val="3485368784"/>
       </p:ext>
     </p:extLst>
   </p:cSld>
@@ -3298,25 +3319,7 @@
           <a:p>
             <a:r>
               <a:rPr lang="en-US" dirty="0"/>
-              <a:t>For emotional support, the emotional information about users is important to know</a:t>
-            </a:r>
-          </a:p>
-          <a:p>
-            <a:endParaRPr lang="en-US" dirty="0"/>
-          </a:p>
-          <a:p>
-            <a:r>
-              <a:rPr lang="en-US" dirty="0"/>
-              <a:t>After we got knowledge segments from a conversation.</a:t>
-            </a:r>
-          </a:p>
-          <a:p>
-            <a:endParaRPr lang="en-US" dirty="0"/>
-          </a:p>
-          <a:p>
-            <a:r>
-              <a:rPr lang="en-US" dirty="0"/>
-              <a:t>We are assigning an emotion intensity value to each segment,</a:t>
+              <a:t>this implies the original segmenter is indeed utilizing the bias in the dataset.</a:t>
             </a:r>
           </a:p>
         </p:txBody>
@@ -3338,7 +3341,7 @@
           <a:p>
             <a:fld id="{A790FF02-3613-A348-BBF8-5DD737A36D09}" type="slidenum">
               <a:rPr lang="en-US" smtClean="0"/>
-              <a:t>33</a:t>
+              <a:t>32</a:t>
             </a:fld>
             <a:endParaRPr lang="en-US"/>
           </a:p>
@@ -3347,7 +3350,7 @@
     </p:spTree>
     <p:extLst>
       <p:ext uri="{BB962C8B-B14F-4D97-AF65-F5344CB8AC3E}">
-        <p14:creationId xmlns:p14="http://schemas.microsoft.com/office/powerpoint/2010/main" val="427850986"/>
+        <p14:creationId xmlns:p14="http://schemas.microsoft.com/office/powerpoint/2010/main" val="2791667358"/>
       </p:ext>
     </p:extLst>
   </p:cSld>
@@ -3403,66 +3406,26 @@
           <a:p>
             <a:r>
               <a:rPr lang="en-US" dirty="0"/>
-              <a:t>There is no a standard task of emotion intensity, we approximate this by sentiment analysis.</a:t>
+              <a:t>For emotional support, the emotional information about users is important to know</a:t>
             </a:r>
           </a:p>
           <a:p>
             <a:endParaRPr lang="en-US" dirty="0"/>
           </a:p>
           <a:p>
+            <a:r>
+              <a:rPr lang="en-US" dirty="0"/>
+              <a:t>After we got knowledge segments from a conversation.</a:t>
+            </a:r>
+          </a:p>
+          <a:p>
             <a:endParaRPr lang="en-US" dirty="0"/>
           </a:p>
           <a:p>
-            <a:pPr marL="0" indent="0">
-              <a:buNone/>
-            </a:pPr>
-            <a:r>
-              <a:rPr lang="en-GB" sz="1200" dirty="0">
-                <a:effectLst/>
-                <a:latin typeface="SFTT1095"/>
-              </a:rPr>
-              <a:t>Different sources for emotion </a:t>
-            </a:r>
-            <a:r>
-              <a:rPr lang="en-GB" sz="1200" dirty="0">
-                <a:latin typeface="SFTT1095"/>
-              </a:rPr>
-              <a:t>intensity:</a:t>
-            </a:r>
-          </a:p>
-          <a:p>
-            <a:pPr marL="0" indent="0">
-              <a:buNone/>
-            </a:pPr>
-            <a:r>
-              <a:rPr lang="en-GB" sz="1200" dirty="0">
-                <a:latin typeface="SFTT1095"/>
-              </a:rPr>
-              <a:t>Knowledge expression</a:t>
-            </a:r>
-          </a:p>
-          <a:p>
-            <a:pPr marL="0" indent="0">
-              <a:buNone/>
-            </a:pPr>
-            <a:endParaRPr lang="en-GB" sz="1200" dirty="0">
-              <a:latin typeface="SFTT1095"/>
-            </a:endParaRPr>
-          </a:p>
-          <a:p>
-            <a:pPr marL="0" indent="0">
-              <a:buNone/>
-            </a:pPr>
-            <a:r>
-              <a:rPr lang="en-GB" sz="1200" dirty="0">
-                <a:latin typeface="SFTT1095"/>
-              </a:rPr>
-              <a:t>Conversation utterances</a:t>
-            </a:r>
-            <a:endParaRPr lang="en-GB" dirty="0"/>
-          </a:p>
-          <a:p>
-            <a:endParaRPr lang="en-US" dirty="0"/>
+            <a:r>
+              <a:rPr lang="en-US" dirty="0"/>
+              <a:t>We are assigning an emotion intensity value to each segment,</a:t>
+            </a:r>
           </a:p>
         </p:txBody>
       </p:sp>
@@ -3492,7 +3455,7 @@
     </p:spTree>
     <p:extLst>
       <p:ext uri="{BB962C8B-B14F-4D97-AF65-F5344CB8AC3E}">
-        <p14:creationId xmlns:p14="http://schemas.microsoft.com/office/powerpoint/2010/main" val="3562930527"/>
+        <p14:creationId xmlns:p14="http://schemas.microsoft.com/office/powerpoint/2010/main" val="427850986"/>
       </p:ext>
     </p:extLst>
   </p:cSld>
@@ -3546,6 +3509,21 @@
           <a:bodyPr/>
           <a:lstStyle/>
           <a:p>
+            <a:r>
+              <a:rPr lang="en-US" dirty="0"/>
+              <a:t>There is no a standard task of emotion intensity, we approximate this by sentiment analysis.</a:t>
+            </a:r>
+          </a:p>
+          <a:p>
+            <a:endParaRPr lang="en-US" dirty="0"/>
+          </a:p>
+          <a:p>
+            <a:r>
+              <a:rPr lang="en-US" dirty="0"/>
+              <a:t>We apply analysis on user’s utterances and knowledge expression itself to get the emotion intensity value.</a:t>
+            </a:r>
+          </a:p>
+          <a:p>
             <a:endParaRPr lang="en-US" dirty="0"/>
           </a:p>
         </p:txBody>
@@ -3576,7 +3554,7 @@
     </p:spTree>
     <p:extLst>
       <p:ext uri="{BB962C8B-B14F-4D97-AF65-F5344CB8AC3E}">
-        <p14:creationId xmlns:p14="http://schemas.microsoft.com/office/powerpoint/2010/main" val="1757524265"/>
+        <p14:creationId xmlns:p14="http://schemas.microsoft.com/office/powerpoint/2010/main" val="3562930527"/>
       </p:ext>
     </p:extLst>
   </p:cSld>
@@ -3651,7 +3629,7 @@
           <a:p>
             <a:fld id="{A790FF02-3613-A348-BBF8-5DD737A36D09}" type="slidenum">
               <a:rPr lang="en-US" smtClean="0"/>
-              <a:t>37</a:t>
+              <a:t>36</a:t>
             </a:fld>
             <a:endParaRPr lang="en-US"/>
           </a:p>
@@ -3660,7 +3638,7 @@
     </p:spTree>
     <p:extLst>
       <p:ext uri="{BB962C8B-B14F-4D97-AF65-F5344CB8AC3E}">
-        <p14:creationId xmlns:p14="http://schemas.microsoft.com/office/powerpoint/2010/main" val="3214093551"/>
+        <p14:creationId xmlns:p14="http://schemas.microsoft.com/office/powerpoint/2010/main" val="1757524265"/>
       </p:ext>
     </p:extLst>
   </p:cSld>
@@ -3714,27 +3692,6 @@
           <a:bodyPr/>
           <a:lstStyle/>
           <a:p>
-            <a:r>
-              <a:rPr lang="en-US" dirty="0"/>
-              <a:t>We proposed a mechanism based on the Forgetting Curve to help the memory to get most important knowledge</a:t>
-            </a:r>
-          </a:p>
-          <a:p>
-            <a:endParaRPr lang="en-US" dirty="0"/>
-          </a:p>
-          <a:p>
-            <a:r>
-              <a:rPr lang="en-US" dirty="0"/>
-              <a:t>The forgetting curve, indicates how the knowledge retention decays after we learn a new knowledge.</a:t>
-            </a:r>
-          </a:p>
-          <a:p>
-            <a:r>
-              <a:rPr lang="en-US" dirty="0"/>
-              <a:t>And we can enhance the knowledge by revisit it or relearn it.</a:t>
-            </a:r>
-          </a:p>
-          <a:p>
             <a:endParaRPr lang="en-US" dirty="0"/>
           </a:p>
         </p:txBody>
@@ -3765,7 +3722,7 @@
     </p:spTree>
     <p:extLst>
       <p:ext uri="{BB962C8B-B14F-4D97-AF65-F5344CB8AC3E}">
-        <p14:creationId xmlns:p14="http://schemas.microsoft.com/office/powerpoint/2010/main" val="3846278366"/>
+        <p14:creationId xmlns:p14="http://schemas.microsoft.com/office/powerpoint/2010/main" val="3214093551"/>
       </p:ext>
     </p:extLst>
   </p:cSld>
@@ -3819,53 +3776,28 @@
           <a:bodyPr/>
           <a:lstStyle/>
           <a:p>
-            <a:pPr marL="0" marR="0" lvl="0" indent="0" algn="l" defTabSz="914400" rtl="0" eaLnBrk="1" fontAlgn="auto" latinLnBrk="0" hangingPunct="1">
-              <a:lnSpc>
-                <a:spcPct val="100000"/>
-              </a:lnSpc>
-              <a:spcBef>
-                <a:spcPts val="0"/>
-              </a:spcBef>
-              <a:spcAft>
-                <a:spcPts val="0"/>
-              </a:spcAft>
-              <a:buClrTx/>
-              <a:buSzTx/>
-              <a:buFontTx/>
-              <a:buNone/>
-              <a:tabLst/>
-              <a:defRPr/>
-            </a:pPr>
-            <a:r>
-              <a:rPr lang="en-US" dirty="0"/>
-              <a:t>As we know the stronger emotion user has to an event, the longer time the user will remember the event. We adapted a simple approximation to forgetting curve for it to consider emotion intensity.</a:t>
+            <a:r>
+              <a:rPr lang="en-US" dirty="0"/>
+              <a:t>We proposed a mechanism based on the Forgetting Curve to help the memory to get most important knowledge</a:t>
             </a:r>
           </a:p>
           <a:p>
             <a:endParaRPr lang="en-US" dirty="0"/>
           </a:p>
           <a:p>
-            <a:pPr marL="0" marR="0" lvl="0" indent="0" algn="l" defTabSz="914400" rtl="0" eaLnBrk="1" fontAlgn="auto" latinLnBrk="0" hangingPunct="1">
-              <a:lnSpc>
-                <a:spcPct val="100000"/>
-              </a:lnSpc>
-              <a:spcBef>
-                <a:spcPts val="0"/>
-              </a:spcBef>
-              <a:spcAft>
-                <a:spcPts val="0"/>
-              </a:spcAft>
-              <a:buClrTx/>
-              <a:buSzTx/>
-              <a:buFontTx/>
-              <a:buNone/>
-              <a:tabLst/>
-              <a:defRPr/>
-            </a:pPr>
-            <a:r>
-              <a:rPr lang="en-US" dirty="0"/>
-              <a:t>So the retention depends on the time elapsed since a knowledge is learnt, its decay rate depends on the knowledge's emotional intensity</a:t>
-            </a:r>
+            <a:r>
+              <a:rPr lang="en-US" dirty="0"/>
+              <a:t>The forgetting curve, indicates how the knowledge retention decays after we learn a new knowledge.</a:t>
+            </a:r>
+          </a:p>
+          <a:p>
+            <a:r>
+              <a:rPr lang="en-US" dirty="0"/>
+              <a:t>And we can enhance the knowledge by revisit it or relearn it.</a:t>
+            </a:r>
+          </a:p>
+          <a:p>
+            <a:endParaRPr lang="en-US" dirty="0"/>
           </a:p>
         </p:txBody>
       </p:sp>
@@ -3895,7 +3827,7 @@
     </p:spTree>
     <p:extLst>
       <p:ext uri="{BB962C8B-B14F-4D97-AF65-F5344CB8AC3E}">
-        <p14:creationId xmlns:p14="http://schemas.microsoft.com/office/powerpoint/2010/main" val="2441395337"/>
+        <p14:creationId xmlns:p14="http://schemas.microsoft.com/office/powerpoint/2010/main" val="3846278366"/>
       </p:ext>
     </p:extLst>
   </p:cSld>
@@ -3949,13 +3881,96 @@
           <a:bodyPr/>
           <a:lstStyle/>
           <a:p>
-            <a:r>
-              <a:rPr lang="en-US" dirty="0"/>
-              <a:t>This means the more frequent, more recent and more emotionally intense knowledge is more </a:t>
-            </a:r>
-          </a:p>
-          <a:p>
+            <a:pPr marL="0" marR="0" lvl="0" indent="0" algn="l" defTabSz="914400" rtl="0" eaLnBrk="1" fontAlgn="auto" latinLnBrk="0" hangingPunct="1">
+              <a:lnSpc>
+                <a:spcPct val="100000"/>
+              </a:lnSpc>
+              <a:spcBef>
+                <a:spcPts val="0"/>
+              </a:spcBef>
+              <a:spcAft>
+                <a:spcPts val="0"/>
+              </a:spcAft>
+              <a:buClrTx/>
+              <a:buSzTx/>
+              <a:buFontTx/>
+              <a:buNone/>
+              <a:tabLst/>
+              <a:defRPr/>
+            </a:pPr>
+            <a:r>
+              <a:rPr lang="en-US" dirty="0"/>
+              <a:t>As we know the stronger emotion user has to an event, the longer time the user will remember the event. And this event might be important understand the use.</a:t>
+            </a:r>
+          </a:p>
+          <a:p>
+            <a:pPr marL="0" marR="0" lvl="0" indent="0" algn="l" defTabSz="914400" rtl="0" eaLnBrk="1" fontAlgn="auto" latinLnBrk="0" hangingPunct="1">
+              <a:lnSpc>
+                <a:spcPct val="100000"/>
+              </a:lnSpc>
+              <a:spcBef>
+                <a:spcPts val="0"/>
+              </a:spcBef>
+              <a:spcAft>
+                <a:spcPts val="0"/>
+              </a:spcAft>
+              <a:buClrTx/>
+              <a:buSzTx/>
+              <a:buFontTx/>
+              <a:buNone/>
+              <a:tabLst/>
+              <a:defRPr/>
+            </a:pPr>
             <a:endParaRPr lang="en-US" dirty="0"/>
+          </a:p>
+          <a:p>
+            <a:pPr marL="0" marR="0" lvl="0" indent="0" algn="l" defTabSz="914400" rtl="0" eaLnBrk="1" fontAlgn="auto" latinLnBrk="0" hangingPunct="1">
+              <a:lnSpc>
+                <a:spcPct val="100000"/>
+              </a:lnSpc>
+              <a:spcBef>
+                <a:spcPts val="0"/>
+              </a:spcBef>
+              <a:spcAft>
+                <a:spcPts val="0"/>
+              </a:spcAft>
+              <a:buClrTx/>
+              <a:buSzTx/>
+              <a:buFontTx/>
+              <a:buNone/>
+              <a:tabLst/>
+              <a:defRPr/>
+            </a:pPr>
+            <a:r>
+              <a:rPr lang="en-US" dirty="0"/>
+              <a:t>We adapted an approximation to the forgetting curve for it to consider emotion intensity.</a:t>
+            </a:r>
+          </a:p>
+          <a:p>
+            <a:endParaRPr lang="en-US" dirty="0"/>
+          </a:p>
+          <a:p>
+            <a:pPr marL="0" marR="0" lvl="0" indent="0" algn="l" defTabSz="914400" rtl="0" eaLnBrk="1" fontAlgn="auto" latinLnBrk="0" hangingPunct="1">
+              <a:lnSpc>
+                <a:spcPct val="100000"/>
+              </a:lnSpc>
+              <a:spcBef>
+                <a:spcPts val="0"/>
+              </a:spcBef>
+              <a:spcAft>
+                <a:spcPts val="0"/>
+              </a:spcAft>
+              <a:buClrTx/>
+              <a:buSzTx/>
+              <a:buFontTx/>
+              <a:buNone/>
+              <a:tabLst/>
+              <a:defRPr/>
+            </a:pPr>
+            <a:r>
+              <a:rPr lang="en-US" dirty="0"/>
+              <a:t>So the retention depends on the time elapsed since a knowledge is learnt, its decay rate depends on the knowledge's emotional intensity</a:t>
+            </a:r>
           </a:p>
         </p:txBody>
       </p:sp>
@@ -3985,7 +4000,7 @@
     </p:spTree>
     <p:extLst>
       <p:ext uri="{BB962C8B-B14F-4D97-AF65-F5344CB8AC3E}">
-        <p14:creationId xmlns:p14="http://schemas.microsoft.com/office/powerpoint/2010/main" val="2716241571"/>
+        <p14:creationId xmlns:p14="http://schemas.microsoft.com/office/powerpoint/2010/main" val="2441395337"/>
       </p:ext>
     </p:extLst>
   </p:cSld>
@@ -4047,35 +4062,6 @@
           <a:p>
             <a:endParaRPr lang="en-US" dirty="0"/>
           </a:p>
-          <a:p>
-            <a:pPr marL="0" marR="0" lvl="0" indent="0" algn="l" defTabSz="914400" rtl="0" eaLnBrk="1" fontAlgn="auto" latinLnBrk="0" hangingPunct="1">
-              <a:lnSpc>
-                <a:spcPct val="100000"/>
-              </a:lnSpc>
-              <a:spcBef>
-                <a:spcPts val="0"/>
-              </a:spcBef>
-              <a:spcAft>
-                <a:spcPts val="0"/>
-              </a:spcAft>
-              <a:buClrTx/>
-              <a:buSzTx/>
-              <a:buFontTx/>
-              <a:buNone/>
-              <a:tabLst/>
-              <a:defRPr/>
-            </a:pPr>
-            <a:r>
-              <a:rPr lang="en-US" dirty="0"/>
-              <a:t>So that for retrieval, we not only consider similarity to current context but also consider how important a knowledge might be for the users</a:t>
-            </a:r>
-          </a:p>
-          <a:p>
-            <a:endParaRPr lang="en-US" dirty="0"/>
-          </a:p>
-          <a:p>
-            <a:endParaRPr lang="en-US" dirty="0"/>
-          </a:p>
         </p:txBody>
       </p:sp>
       <p:sp>
@@ -4104,7 +4090,7 @@
     </p:spTree>
     <p:extLst>
       <p:ext uri="{BB962C8B-B14F-4D97-AF65-F5344CB8AC3E}">
-        <p14:creationId xmlns:p14="http://schemas.microsoft.com/office/powerpoint/2010/main" val="428823917"/>
+        <p14:creationId xmlns:p14="http://schemas.microsoft.com/office/powerpoint/2010/main" val="2716241571"/>
       </p:ext>
     </p:extLst>
   </p:cSld>
@@ -4160,17 +4146,37 @@
           <a:p>
             <a:r>
               <a:rPr lang="en-US" dirty="0"/>
-              <a:t>Retention considers the importance of a knowledge, it is either frequently revisited topic or it associated with strong emotion</a:t>
+              <a:t>This means the more frequent, more recent and more emotionally intense knowledge is more </a:t>
             </a:r>
           </a:p>
           <a:p>
             <a:endParaRPr lang="en-US" dirty="0"/>
           </a:p>
           <a:p>
-            <a:r>
-              <a:rPr lang="en-US" dirty="0"/>
-              <a:t>Similarity considers the relevance of a knowledge</a:t>
-            </a:r>
+            <a:pPr marL="0" marR="0" lvl="0" indent="0" algn="l" defTabSz="914400" rtl="0" eaLnBrk="1" fontAlgn="auto" latinLnBrk="0" hangingPunct="1">
+              <a:lnSpc>
+                <a:spcPct val="100000"/>
+              </a:lnSpc>
+              <a:spcBef>
+                <a:spcPts val="0"/>
+              </a:spcBef>
+              <a:spcAft>
+                <a:spcPts val="0"/>
+              </a:spcAft>
+              <a:buClrTx/>
+              <a:buSzTx/>
+              <a:buFontTx/>
+              <a:buNone/>
+              <a:tabLst/>
+              <a:defRPr/>
+            </a:pPr>
+            <a:r>
+              <a:rPr lang="en-US" dirty="0"/>
+              <a:t>So that for retrieval, we not only consider similarity to current context but also consider how important a knowledge might be for the users</a:t>
+            </a:r>
+          </a:p>
+          <a:p>
+            <a:endParaRPr lang="en-US" dirty="0"/>
           </a:p>
           <a:p>
             <a:endParaRPr lang="en-US" dirty="0"/>
@@ -4194,7 +4200,7 @@
           <a:p>
             <a:fld id="{A790FF02-3613-A348-BBF8-5DD737A36D09}" type="slidenum">
               <a:rPr lang="en-US" smtClean="0"/>
-              <a:t>45</a:t>
+              <a:t>42</a:t>
             </a:fld>
             <a:endParaRPr lang="en-US"/>
           </a:p>
@@ -4203,7 +4209,7 @@
     </p:spTree>
     <p:extLst>
       <p:ext uri="{BB962C8B-B14F-4D97-AF65-F5344CB8AC3E}">
-        <p14:creationId xmlns:p14="http://schemas.microsoft.com/office/powerpoint/2010/main" val="1894706443"/>
+        <p14:creationId xmlns:p14="http://schemas.microsoft.com/office/powerpoint/2010/main" val="428823917"/>
       </p:ext>
     </p:extLst>
   </p:cSld>
@@ -4259,7 +4265,7 @@
           <a:p>
             <a:r>
               <a:rPr lang="en-US" dirty="0"/>
-              <a:t>Since interpersonal relationship issue is a main source of concerns in emotional support. We enhanced our memory system to be more sensitive to person names mentioned in the conversation.</a:t>
+              <a:t>Retention considers the importance of a knowledge, it is either frequently revisited topic or it associated with strong emotion</a:t>
             </a:r>
           </a:p>
           <a:p>
@@ -4268,7 +4274,7 @@
           <a:p>
             <a:r>
               <a:rPr lang="en-US" dirty="0"/>
-              <a:t>In retrieval process, we not only retrieve those knowledge that are semantic similar to the current utterance, but also retrieve those knowledge that are less similar in semantic but with mentioned of the user name.</a:t>
+              <a:t>Similarity considers the relevance of a knowledge</a:t>
             </a:r>
           </a:p>
           <a:p>
@@ -4302,7 +4308,7 @@
     </p:spTree>
     <p:extLst>
       <p:ext uri="{BB962C8B-B14F-4D97-AF65-F5344CB8AC3E}">
-        <p14:creationId xmlns:p14="http://schemas.microsoft.com/office/powerpoint/2010/main" val="2708103642"/>
+        <p14:creationId xmlns:p14="http://schemas.microsoft.com/office/powerpoint/2010/main" val="1894706443"/>
       </p:ext>
     </p:extLst>
   </p:cSld>
@@ -4375,7 +4381,7 @@
             </a:pPr>
             <a:r>
               <a:rPr lang="en-US" dirty="0"/>
-              <a:t>The chatbot is consists of a supportive memory system and response generation API. The memory </a:t>
+              <a:t>The chatbot is consists of a supportive memory system and response generation API. The memory system has three modules.</a:t>
             </a:r>
           </a:p>
           <a:p>
@@ -4416,12 +4422,6 @@
               <a:tabLst/>
               <a:defRPr/>
             </a:pPr>
-            <a:r>
-              <a:rPr lang="en-US" dirty="0"/>
-              <a:t>We have 3 main modules for our memory system.</a:t>
-            </a:r>
-          </a:p>
-          <a:p>
             <a:r>
               <a:rPr lang="en-US" dirty="0"/>
               <a:t>And we used gpt-3.5 as the response generation API </a:t>
@@ -4511,7 +4511,7 @@
           <a:p>
             <a:r>
               <a:rPr lang="en-US" dirty="0"/>
-              <a:t>We are setting an experiment to assess the performance of the memory system, we have the following setting</a:t>
+              <a:t>Since interpersonal relationship issue is a main source of concerns in emotional support. We enhanced our memory system to be more sensitive to person names mentioned in the conversation.</a:t>
             </a:r>
           </a:p>
           <a:p>
@@ -4520,51 +4520,11 @@
           <a:p>
             <a:r>
               <a:rPr lang="en-US" dirty="0"/>
-              <a:t>For Chatbot A, we give it past 8 turns utterances, is to provide short-term context to generated response</a:t>
+              <a:t>In retrieval process, we not only retrieve those knowledge that are semantic similar to the current utterance, but also retrieve those knowledge that are less similar in semantic, but with mentioned of the user name.</a:t>
             </a:r>
           </a:p>
           <a:p>
             <a:endParaRPr lang="en-US" dirty="0"/>
-          </a:p>
-          <a:p>
-            <a:r>
-              <a:rPr lang="en-US" dirty="0"/>
-              <a:t>But when users mention previous session’s information, the performance of the response depends on the performance the memory system, the knowledge prompt.</a:t>
-            </a:r>
-          </a:p>
-          <a:p>
-            <a:endParaRPr lang="en-US" dirty="0"/>
-          </a:p>
-          <a:p>
-            <a:r>
-              <a:rPr lang="en-US" dirty="0"/>
-              <a:t>And for Chatbot B, we give it all previous conversation history, it purely relies on the model itself to provide </a:t>
-            </a:r>
-            <a:r>
-              <a:rPr lang="en-US" dirty="0" err="1"/>
-              <a:t>lomg</a:t>
-            </a:r>
-            <a:r>
-              <a:rPr lang="en-US" dirty="0"/>
-              <a:t>-term context appropriate response.</a:t>
-            </a:r>
-          </a:p>
-          <a:p>
-            <a:endParaRPr lang="en-US" dirty="0"/>
-          </a:p>
-          <a:p>
-            <a:r>
-              <a:rPr lang="en-US" dirty="0"/>
-              <a:t>The limitation of </a:t>
-            </a:r>
-            <a:r>
-              <a:rPr lang="en-US" dirty="0" err="1"/>
-              <a:t>gpt</a:t>
-            </a:r>
-            <a:r>
-              <a:rPr lang="en-US" dirty="0"/>
-              <a:t>-turbo is 4000 tokens, we conduct the experiment where conversations are around 64 turns.</a:t>
-            </a:r>
           </a:p>
         </p:txBody>
       </p:sp>
@@ -4585,7 +4545,7 @@
           <a:p>
             <a:fld id="{A790FF02-3613-A348-BBF8-5DD737A36D09}" type="slidenum">
               <a:rPr lang="en-US" smtClean="0"/>
-              <a:t>49</a:t>
+              <a:t>47</a:t>
             </a:fld>
             <a:endParaRPr lang="en-US"/>
           </a:p>
@@ -4594,7 +4554,7 @@
     </p:spTree>
     <p:extLst>
       <p:ext uri="{BB962C8B-B14F-4D97-AF65-F5344CB8AC3E}">
-        <p14:creationId xmlns:p14="http://schemas.microsoft.com/office/powerpoint/2010/main" val="1371539282"/>
+        <p14:creationId xmlns:p14="http://schemas.microsoft.com/office/powerpoint/2010/main" val="2708103642"/>
       </p:ext>
     </p:extLst>
   </p:cSld>
@@ -4650,7 +4610,59 @@
           <a:p>
             <a:r>
               <a:rPr lang="en-US" dirty="0"/>
-              <a:t>They don't know which conversation is to the chatbot with memory system.</a:t>
+              <a:t>We are setting an experiment to assess the performance of the memory system, we have the following setting</a:t>
+            </a:r>
+          </a:p>
+          <a:p>
+            <a:endParaRPr lang="en-US" dirty="0"/>
+          </a:p>
+          <a:p>
+            <a:r>
+              <a:rPr lang="en-US" dirty="0"/>
+              <a:t>For Chatbot A, we give it past 8 turns utterances, is to provide short-term context to generated response</a:t>
+            </a:r>
+          </a:p>
+          <a:p>
+            <a:endParaRPr lang="en-US" dirty="0"/>
+          </a:p>
+          <a:p>
+            <a:r>
+              <a:rPr lang="en-US" dirty="0"/>
+              <a:t>But when users mention previous session’s information, the performance of the response depends on the performance the memory system, the knowledge prompt.</a:t>
+            </a:r>
+          </a:p>
+          <a:p>
+            <a:endParaRPr lang="en-US" dirty="0"/>
+          </a:p>
+          <a:p>
+            <a:r>
+              <a:rPr lang="en-US" dirty="0"/>
+              <a:t>And for Chatbot B, we give it all previous conversation history, it purely relies on the model itself to provide </a:t>
+            </a:r>
+            <a:r>
+              <a:rPr lang="en-US" dirty="0" err="1"/>
+              <a:t>lomg</a:t>
+            </a:r>
+            <a:r>
+              <a:rPr lang="en-US" dirty="0"/>
+              <a:t>-term context appropriate response.</a:t>
+            </a:r>
+          </a:p>
+          <a:p>
+            <a:endParaRPr lang="en-US" dirty="0"/>
+          </a:p>
+          <a:p>
+            <a:r>
+              <a:rPr lang="en-US" dirty="0"/>
+              <a:t>The limitation of </a:t>
+            </a:r>
+            <a:r>
+              <a:rPr lang="en-US" dirty="0" err="1"/>
+              <a:t>gpt</a:t>
+            </a:r>
+            <a:r>
+              <a:rPr lang="en-US" dirty="0"/>
+              <a:t>-turbo is 4000 tokens, we conduct the experiment where conversations are around 64 turns.</a:t>
             </a:r>
           </a:p>
         </p:txBody>
@@ -4672,7 +4684,94 @@
           <a:p>
             <a:fld id="{A790FF02-3613-A348-BBF8-5DD737A36D09}" type="slidenum">
               <a:rPr lang="en-US" smtClean="0"/>
-              <a:t>51</a:t>
+              <a:t>50</a:t>
+            </a:fld>
+            <a:endParaRPr lang="en-US"/>
+          </a:p>
+        </p:txBody>
+      </p:sp>
+    </p:spTree>
+    <p:extLst>
+      <p:ext uri="{BB962C8B-B14F-4D97-AF65-F5344CB8AC3E}">
+        <p14:creationId xmlns:p14="http://schemas.microsoft.com/office/powerpoint/2010/main" val="1371539282"/>
+      </p:ext>
+    </p:extLst>
+  </p:cSld>
+  <p:clrMapOvr>
+    <a:masterClrMapping/>
+  </p:clrMapOvr>
+</p:notes>
+</file>
+
+<file path=ppt/notesSlides/notesSlide42.xml><?xml version="1.0" encoding="utf-8"?>
+<p:notes xmlns:a="http://schemas.openxmlformats.org/drawingml/2006/main" xmlns:r="http://schemas.openxmlformats.org/officeDocument/2006/relationships" xmlns:p="http://schemas.openxmlformats.org/presentationml/2006/main">
+  <p:cSld>
+    <p:spTree>
+      <p:nvGrpSpPr>
+        <p:cNvPr id="1" name=""/>
+        <p:cNvGrpSpPr/>
+        <p:nvPr/>
+      </p:nvGrpSpPr>
+      <p:grpSpPr>
+        <a:xfrm>
+          <a:off x="0" y="0"/>
+          <a:ext cx="0" cy="0"/>
+          <a:chOff x="0" y="0"/>
+          <a:chExt cx="0" cy="0"/>
+        </a:xfrm>
+      </p:grpSpPr>
+      <p:sp>
+        <p:nvSpPr>
+          <p:cNvPr id="2" name="Slide Image Placeholder 1"/>
+          <p:cNvSpPr>
+            <a:spLocks noGrp="1" noRot="1" noChangeAspect="1"/>
+          </p:cNvSpPr>
+          <p:nvPr>
+            <p:ph type="sldImg"/>
+          </p:nvPr>
+        </p:nvSpPr>
+        <p:spPr/>
+      </p:sp>
+      <p:sp>
+        <p:nvSpPr>
+          <p:cNvPr id="3" name="Notes Placeholder 2"/>
+          <p:cNvSpPr>
+            <a:spLocks noGrp="1"/>
+          </p:cNvSpPr>
+          <p:nvPr>
+            <p:ph type="body" idx="1"/>
+          </p:nvPr>
+        </p:nvSpPr>
+        <p:spPr/>
+        <p:txBody>
+          <a:bodyPr/>
+          <a:lstStyle/>
+          <a:p>
+            <a:r>
+              <a:rPr lang="en-US" dirty="0"/>
+              <a:t>They don't know which conversation is to the chatbot with memory system.</a:t>
+            </a:r>
+          </a:p>
+        </p:txBody>
+      </p:sp>
+      <p:sp>
+        <p:nvSpPr>
+          <p:cNvPr id="4" name="Slide Number Placeholder 3"/>
+          <p:cNvSpPr>
+            <a:spLocks noGrp="1"/>
+          </p:cNvSpPr>
+          <p:nvPr>
+            <p:ph type="sldNum" sz="quarter" idx="5"/>
+          </p:nvPr>
+        </p:nvSpPr>
+        <p:spPr/>
+        <p:txBody>
+          <a:bodyPr/>
+          <a:lstStyle/>
+          <a:p>
+            <a:fld id="{A790FF02-3613-A348-BBF8-5DD737A36D09}" type="slidenum">
+              <a:rPr lang="en-US" smtClean="0"/>
+              <a:t>52</a:t>
             </a:fld>
             <a:endParaRPr lang="en-US"/>
           </a:p>
@@ -5022,16 +5121,7 @@
           <a:p>
             <a:r>
               <a:rPr lang="en-US" dirty="0"/>
-              <a:t>Here I show response generation parameters</a:t>
-            </a:r>
-          </a:p>
-          <a:p>
-            <a:endParaRPr lang="en-US" dirty="0"/>
-          </a:p>
-          <a:p>
-            <a:r>
-              <a:rPr lang="en-US" dirty="0"/>
-              <a:t>We are using gpt-3.5-turbo as our response generator, the API is expected to get a list of messages parameters</a:t>
+              <a:t>Here I show the parameters to give to gpt-3.5-turbo to generate response. the API is expected to get a list of messages parameters.</a:t>
             </a:r>
           </a:p>
           <a:p>
@@ -8537,19 +8627,17 @@
       </p:sp>
       <p:pic>
         <p:nvPicPr>
-          <p:cNvPr id="5" name="Content Placeholder 4" descr="A picture containing text, screenshot, font, number&#10;&#10;Description automatically generated">
-            <a:extLst>
-              <a:ext uri="{FF2B5EF4-FFF2-40B4-BE49-F238E27FC236}">
-                <a16:creationId xmlns:a16="http://schemas.microsoft.com/office/drawing/2014/main" id="{A2EFB746-8ED8-4C24-0F39-F63616B4C106}"/>
+          <p:cNvPr id="4" name="Content Placeholder 4" descr="A picture containing text, screenshot, font, number&#10;&#10;Description automatically generated">
+            <a:extLst>
+              <a:ext uri="{FF2B5EF4-FFF2-40B4-BE49-F238E27FC236}">
+                <a16:creationId xmlns:a16="http://schemas.microsoft.com/office/drawing/2014/main" id="{A69FB6A4-C106-F0DE-3871-48AE10C298A6}"/>
               </a:ext>
             </a:extLst>
           </p:cNvPr>
           <p:cNvPicPr>
-            <a:picLocks noGrp="1" noChangeAspect="1"/>
+            <a:picLocks noChangeAspect="1"/>
           </p:cNvPicPr>
-          <p:nvPr>
-            <p:ph idx="1"/>
-          </p:nvPr>
+          <p:nvPr/>
         </p:nvPicPr>
         <p:blipFill>
           <a:blip r:embed="rId3"/>
@@ -8559,13 +8647,16 @@
         </p:blipFill>
         <p:spPr>
           <a:xfrm>
-            <a:off x="2139827" y="1244733"/>
+            <a:off x="3799262" y="1258510"/>
             <a:ext cx="7196730" cy="4938446"/>
           </a:xfrm>
+          <a:prstGeom prst="rect">
+            <a:avLst/>
+          </a:prstGeom>
         </p:spPr>
       </p:pic>
-      <mc:AlternateContent xmlns:mc="http://schemas.openxmlformats.org/markup-compatibility/2006" xmlns:p14="http://schemas.microsoft.com/office/powerpoint/2010/main">
-        <mc:Choice Requires="p14">
+      <mc:AlternateContent xmlns:mc="http://schemas.openxmlformats.org/markup-compatibility/2006">
+        <mc:Choice xmlns:p14="http://schemas.microsoft.com/office/powerpoint/2010/main" Requires="p14">
           <p:contentPart p14:bwMode="auto" r:id="rId4">
             <p14:nvContentPartPr>
               <p14:cNvPr id="3" name="Ink 2">
@@ -8579,12 +8670,12 @@
               <p14:nvPr/>
             </p14:nvContentPartPr>
             <p14:xfrm>
-              <a:off x="2394621" y="3429000"/>
+              <a:off x="4068437" y="3448373"/>
               <a:ext cx="1164600" cy="798840"/>
             </p14:xfrm>
           </p:contentPart>
         </mc:Choice>
-        <mc:Fallback xmlns="">
+        <mc:Fallback>
           <p:pic>
             <p:nvPicPr>
               <p:cNvPr id="3" name="Ink 2">
@@ -8605,7 +8696,7 @@
             </p:blipFill>
             <p:spPr>
               <a:xfrm>
-                <a:off x="2385981" y="3420000"/>
+                <a:off x="4059437" y="3439373"/>
                 <a:ext cx="1182240" cy="816480"/>
               </a:xfrm>
               <a:prstGeom prst="rect">
@@ -8615,6 +8706,47 @@
           </p:pic>
         </mc:Fallback>
       </mc:AlternateContent>
+      <p:sp>
+        <p:nvSpPr>
+          <p:cNvPr id="8" name="TextBox 7">
+            <a:extLst>
+              <a:ext uri="{FF2B5EF4-FFF2-40B4-BE49-F238E27FC236}">
+                <a16:creationId xmlns:a16="http://schemas.microsoft.com/office/drawing/2014/main" id="{781931DD-48F0-DD8F-ED16-693F2A202653}"/>
+              </a:ext>
+            </a:extLst>
+          </p:cNvPr>
+          <p:cNvSpPr txBox="1"/>
+          <p:nvPr/>
+        </p:nvSpPr>
+        <p:spPr>
+          <a:xfrm>
+            <a:off x="480392" y="3539327"/>
+            <a:ext cx="3006336" cy="707886"/>
+          </a:xfrm>
+          <a:prstGeom prst="rect">
+            <a:avLst/>
+          </a:prstGeom>
+          <a:noFill/>
+        </p:spPr>
+        <p:txBody>
+          <a:bodyPr wrap="none" rtlCol="0">
+            <a:spAutoFit/>
+          </a:bodyPr>
+          <a:lstStyle/>
+          <a:p>
+            <a:r>
+              <a:rPr lang="en-US" sz="2000" dirty="0"/>
+              <a:t>Potential useful knowledge</a:t>
+            </a:r>
+          </a:p>
+          <a:p>
+            <a:r>
+              <a:rPr lang="en-US" sz="2000" dirty="0"/>
+              <a:t>provided by memory</a:t>
+            </a:r>
+          </a:p>
+        </p:txBody>
+      </p:sp>
     </p:spTree>
     <p:extLst>
       <p:ext uri="{BB962C8B-B14F-4D97-AF65-F5344CB8AC3E}">
@@ -8645,54 +8777,19 @@
           <a:chExt cx="0" cy="0"/>
         </a:xfrm>
       </p:grpSpPr>
-      <p:sp>
-        <p:nvSpPr>
-          <p:cNvPr id="2" name="Title 1">
-            <a:extLst>
-              <a:ext uri="{FF2B5EF4-FFF2-40B4-BE49-F238E27FC236}">
-                <a16:creationId xmlns:a16="http://schemas.microsoft.com/office/drawing/2014/main" id="{690EF25F-555F-893D-B149-487DE24B88EF}"/>
-              </a:ext>
-            </a:extLst>
-          </p:cNvPr>
-          <p:cNvSpPr>
-            <a:spLocks noGrp="1"/>
-          </p:cNvSpPr>
-          <p:nvPr>
-            <p:ph type="title"/>
-          </p:nvPr>
-        </p:nvSpPr>
-        <p:spPr>
-          <a:xfrm>
-            <a:off x="480392" y="278296"/>
-            <a:ext cx="10515600" cy="966437"/>
-          </a:xfrm>
-        </p:spPr>
-        <p:txBody>
-          <a:bodyPr/>
-          <a:lstStyle/>
-          <a:p>
-            <a:r>
-              <a:rPr lang="en-US" dirty="0"/>
-              <a:t>Response Generation</a:t>
-            </a:r>
-          </a:p>
-        </p:txBody>
-      </p:sp>
       <p:pic>
         <p:nvPicPr>
-          <p:cNvPr id="5" name="Content Placeholder 4" descr="A picture containing text, screenshot, font, number&#10;&#10;Description automatically generated">
-            <a:extLst>
-              <a:ext uri="{FF2B5EF4-FFF2-40B4-BE49-F238E27FC236}">
-                <a16:creationId xmlns:a16="http://schemas.microsoft.com/office/drawing/2014/main" id="{A2EFB746-8ED8-4C24-0F39-F63616B4C106}"/>
+          <p:cNvPr id="8" name="Content Placeholder 4" descr="A picture containing text, screenshot, font, number&#10;&#10;Description automatically generated">
+            <a:extLst>
+              <a:ext uri="{FF2B5EF4-FFF2-40B4-BE49-F238E27FC236}">
+                <a16:creationId xmlns:a16="http://schemas.microsoft.com/office/drawing/2014/main" id="{36AAACE0-463B-B1C7-F4AB-B25BB14D4D3C}"/>
               </a:ext>
             </a:extLst>
           </p:cNvPr>
           <p:cNvPicPr>
-            <a:picLocks noGrp="1" noChangeAspect="1"/>
+            <a:picLocks noChangeAspect="1"/>
           </p:cNvPicPr>
-          <p:nvPr>
-            <p:ph idx="1"/>
-          </p:nvPr>
+          <p:nvPr/>
         </p:nvPicPr>
         <p:blipFill>
           <a:blip r:embed="rId3"/>
@@ -8702,13 +8799,49 @@
         </p:blipFill>
         <p:spPr>
           <a:xfrm>
-            <a:off x="2139827" y="1244733"/>
+            <a:off x="3799262" y="1258510"/>
             <a:ext cx="7196730" cy="4938446"/>
           </a:xfrm>
+          <a:prstGeom prst="rect">
+            <a:avLst/>
+          </a:prstGeom>
         </p:spPr>
       </p:pic>
-      <mc:AlternateContent xmlns:mc="http://schemas.openxmlformats.org/markup-compatibility/2006" xmlns:p14="http://schemas.microsoft.com/office/powerpoint/2010/main">
-        <mc:Choice Requires="p14">
+      <p:sp>
+        <p:nvSpPr>
+          <p:cNvPr id="2" name="Title 1">
+            <a:extLst>
+              <a:ext uri="{FF2B5EF4-FFF2-40B4-BE49-F238E27FC236}">
+                <a16:creationId xmlns:a16="http://schemas.microsoft.com/office/drawing/2014/main" id="{690EF25F-555F-893D-B149-487DE24B88EF}"/>
+              </a:ext>
+            </a:extLst>
+          </p:cNvPr>
+          <p:cNvSpPr>
+            <a:spLocks noGrp="1"/>
+          </p:cNvSpPr>
+          <p:nvPr>
+            <p:ph type="title"/>
+          </p:nvPr>
+        </p:nvSpPr>
+        <p:spPr>
+          <a:xfrm>
+            <a:off x="480392" y="278296"/>
+            <a:ext cx="10515600" cy="966437"/>
+          </a:xfrm>
+        </p:spPr>
+        <p:txBody>
+          <a:bodyPr/>
+          <a:lstStyle/>
+          <a:p>
+            <a:r>
+              <a:rPr lang="en-US" dirty="0"/>
+              <a:t>Response Generation</a:t>
+            </a:r>
+          </a:p>
+        </p:txBody>
+      </p:sp>
+      <mc:AlternateContent xmlns:mc="http://schemas.openxmlformats.org/markup-compatibility/2006">
+        <mc:Choice xmlns:p14="http://schemas.microsoft.com/office/powerpoint/2010/main" Requires="p14">
           <p:contentPart p14:bwMode="auto" r:id="rId4">
             <p14:nvContentPartPr>
               <p14:cNvPr id="3" name="Ink 2">
@@ -8722,12 +8855,12 @@
               <p14:nvPr/>
             </p14:nvContentPartPr>
             <p14:xfrm>
-              <a:off x="2285601" y="4383155"/>
-              <a:ext cx="1544278" cy="1646583"/>
+              <a:off x="3799262" y="4381524"/>
+              <a:ext cx="1702636" cy="1815432"/>
             </p14:xfrm>
           </p:contentPart>
         </mc:Choice>
-        <mc:Fallback xmlns="">
+        <mc:Fallback>
           <p:pic>
             <p:nvPicPr>
               <p:cNvPr id="3" name="Ink 2">
@@ -8748,8 +8881,8 @@
             </p:blipFill>
             <p:spPr>
               <a:xfrm>
-                <a:off x="2276962" y="4374153"/>
-                <a:ext cx="1561917" cy="1664226"/>
+                <a:off x="3790261" y="4372522"/>
+                <a:ext cx="1720278" cy="1833075"/>
               </a:xfrm>
               <a:prstGeom prst="rect">
                 <a:avLst/>
@@ -8758,6 +8891,47 @@
           </p:pic>
         </mc:Fallback>
       </mc:AlternateContent>
+      <p:sp>
+        <p:nvSpPr>
+          <p:cNvPr id="11" name="TextBox 10">
+            <a:extLst>
+              <a:ext uri="{FF2B5EF4-FFF2-40B4-BE49-F238E27FC236}">
+                <a16:creationId xmlns:a16="http://schemas.microsoft.com/office/drawing/2014/main" id="{2DD80552-0FFD-B06F-1BFD-A3900D3C721B}"/>
+              </a:ext>
+            </a:extLst>
+          </p:cNvPr>
+          <p:cNvSpPr txBox="1"/>
+          <p:nvPr/>
+        </p:nvSpPr>
+        <p:spPr>
+          <a:xfrm>
+            <a:off x="1038386" y="4935297"/>
+            <a:ext cx="2156488" cy="707886"/>
+          </a:xfrm>
+          <a:prstGeom prst="rect">
+            <a:avLst/>
+          </a:prstGeom>
+          <a:noFill/>
+        </p:spPr>
+        <p:txBody>
+          <a:bodyPr wrap="none" rtlCol="0">
+            <a:spAutoFit/>
+          </a:bodyPr>
+          <a:lstStyle/>
+          <a:p>
+            <a:r>
+              <a:rPr lang="en-US" sz="2000" dirty="0"/>
+              <a:t>Provide short-term</a:t>
+            </a:r>
+          </a:p>
+          <a:p>
+            <a:r>
+              <a:rPr lang="en-US" sz="2000" dirty="0"/>
+              <a:t>Conversation</a:t>
+            </a:r>
+          </a:p>
+        </p:txBody>
+      </p:sp>
     </p:spTree>
     <p:extLst>
       <p:ext uri="{BB962C8B-B14F-4D97-AF65-F5344CB8AC3E}">
@@ -9011,25 +9185,26 @@
         </p:nvSpPr>
         <p:spPr>
           <a:xfrm>
-            <a:off x="1129748" y="2141537"/>
-            <a:ext cx="10515600" cy="773941"/>
+            <a:off x="983974" y="2297980"/>
+            <a:ext cx="10829778" cy="1113107"/>
           </a:xfrm>
         </p:spPr>
         <p:txBody>
-          <a:bodyPr/>
+          <a:bodyPr>
+            <a:noAutofit/>
+          </a:bodyPr>
           <a:lstStyle/>
           <a:p>
             <a:pPr marL="0" indent="0">
               <a:buNone/>
             </a:pPr>
             <a:r>
-              <a:rPr lang="en-GB" sz="1800" dirty="0">
+              <a:rPr lang="en-GB" sz="2400" dirty="0">
                 <a:effectLst/>
-                <a:latin typeface="SFRM1095"/>
               </a:rPr>
               <a:t>Alice’s friend Rachel has become distant and Alice feels hurt. Alice will talk to Rachel. Alice has a trip coming up next week and Alice is unsure how to plan her itinerary. </a:t>
             </a:r>
-            <a:endParaRPr lang="en-GB" dirty="0"/>
+            <a:endParaRPr lang="en-GB" sz="2400" dirty="0"/>
           </a:p>
         </p:txBody>
       </p:sp>
@@ -9047,8 +9222,8 @@
         </p:nvSpPr>
         <p:spPr>
           <a:xfrm>
-            <a:off x="983974" y="3573191"/>
-            <a:ext cx="8998227" cy="369332"/>
+            <a:off x="302048" y="4018379"/>
+            <a:ext cx="11511704" cy="461665"/>
           </a:xfrm>
           <a:prstGeom prst="rect">
             <a:avLst/>
@@ -9065,10 +9240,10 @@
               <a:buNone/>
             </a:pPr>
             <a:r>
-              <a:rPr lang="en-GB" sz="1800" dirty="0">
+              <a:rPr lang="en-GB" sz="2400" dirty="0">
                 <a:latin typeface="SFTT1095"/>
               </a:rPr>
-              <a:t>Maximize performance of semantic similarity search -&gt; store each sentence independently</a:t>
+              <a:t>Maximize performance of semantic similarity search  -&gt;  store each sentence independently</a:t>
             </a:r>
           </a:p>
         </p:txBody>
@@ -9140,10 +9315,10 @@
       </p:sp>
       <p:sp>
         <p:nvSpPr>
-          <p:cNvPr id="3" name="Content Placeholder 2">
-            <a:extLst>
-              <a:ext uri="{FF2B5EF4-FFF2-40B4-BE49-F238E27FC236}">
-                <a16:creationId xmlns:a16="http://schemas.microsoft.com/office/drawing/2014/main" id="{DC37E50F-7A21-9A71-DEC4-16A5F91F21C0}"/>
+          <p:cNvPr id="7" name="Content Placeholder 2">
+            <a:extLst>
+              <a:ext uri="{FF2B5EF4-FFF2-40B4-BE49-F238E27FC236}">
+                <a16:creationId xmlns:a16="http://schemas.microsoft.com/office/drawing/2014/main" id="{7A07EF53-8682-DF90-960D-07DF2874F427}"/>
               </a:ext>
             </a:extLst>
           </p:cNvPr>
@@ -9156,8 +9331,8 @@
         </p:nvSpPr>
         <p:spPr>
           <a:xfrm>
-            <a:off x="647131" y="1649116"/>
-            <a:ext cx="10515600" cy="4351338"/>
+            <a:off x="393991" y="1618119"/>
+            <a:ext cx="11798009" cy="4351338"/>
           </a:xfrm>
         </p:spPr>
         <p:txBody>
@@ -9170,9 +9345,7 @@
               <a:buNone/>
             </a:pPr>
             <a:r>
-              <a:rPr lang="en-GB" sz="1800" dirty="0">
-                <a:latin typeface="SFTT1095"/>
-              </a:rPr>
+              <a:rPr lang="en-GB" sz="2000" dirty="0"/>
               <a:t>Store sentence separately -&gt; there are pronouns</a:t>
             </a:r>
           </a:p>
@@ -9180,9 +9353,8 @@
             <a:pPr marL="0" indent="0">
               <a:buNone/>
             </a:pPr>
-            <a:endParaRPr lang="en-GB" sz="1800" dirty="0">
+            <a:endParaRPr lang="en-GB" sz="2000" dirty="0">
               <a:effectLst/>
-              <a:latin typeface="SFTT1095"/>
             </a:endParaRPr>
           </a:p>
           <a:p>
@@ -9190,37 +9362,32 @@
               <a:buNone/>
             </a:pPr>
             <a:r>
-              <a:rPr lang="en-GB" sz="1800" i="1" dirty="0">
+              <a:rPr lang="en-GB" sz="2000" i="1" dirty="0">
                 <a:effectLst/>
-                <a:latin typeface="SFTT1095"/>
               </a:rPr>
               <a:t>	Amy’s friend, Alex, has been distant lately. </a:t>
             </a:r>
             <a:r>
-              <a:rPr lang="en-GB" sz="1800" b="1" i="1" u="sng" dirty="0">
+              <a:rPr lang="en-GB" sz="2000" b="1" i="1" u="sng" dirty="0">
                 <a:effectLst/>
-                <a:latin typeface="SFTT1095"/>
               </a:rPr>
               <a:t>She</a:t>
             </a:r>
             <a:r>
-              <a:rPr lang="en-GB" sz="1800" i="1" dirty="0">
+              <a:rPr lang="en-GB" sz="2000" i="1" dirty="0">
                 <a:effectLst/>
-                <a:latin typeface="SFTT1095"/>
               </a:rPr>
               <a:t> will talk to Alex about </a:t>
             </a:r>
             <a:r>
-              <a:rPr lang="en-GB" sz="1800" b="1" i="1" u="sng" dirty="0">
+              <a:rPr lang="en-GB" sz="2000" b="1" i="1" u="sng" dirty="0">
                 <a:effectLst/>
-                <a:latin typeface="SFTT1095"/>
               </a:rPr>
               <a:t>it</a:t>
             </a:r>
             <a:r>
-              <a:rPr lang="en-GB" sz="1800" i="1" dirty="0">
+              <a:rPr lang="en-GB" sz="2000" i="1" dirty="0">
                 <a:effectLst/>
-                <a:latin typeface="SFTT1095"/>
               </a:rPr>
               <a:t>. </a:t>
             </a:r>
@@ -9229,25 +9396,19 @@
             <a:pPr marL="0" indent="0">
               <a:buNone/>
             </a:pPr>
-            <a:endParaRPr lang="en-GB" sz="1800" i="1" dirty="0">
-              <a:latin typeface="SFTT1095"/>
-            </a:endParaRPr>
+            <a:endParaRPr lang="en-GB" sz="2000" i="1" dirty="0"/>
           </a:p>
           <a:p>
             <a:pPr marL="0" indent="0">
               <a:buNone/>
             </a:pPr>
-            <a:endParaRPr lang="en-US" sz="1800" dirty="0">
-              <a:latin typeface="SFTT1095"/>
-            </a:endParaRPr>
+            <a:endParaRPr lang="en-US" sz="2000" dirty="0"/>
           </a:p>
           <a:p>
             <a:pPr marL="0" indent="0">
               <a:buNone/>
             </a:pPr>
-            <a:endParaRPr lang="en-US" sz="1800" dirty="0">
-              <a:latin typeface="SFTT1095"/>
-            </a:endParaRPr>
+            <a:endParaRPr lang="en-US" sz="2000" dirty="0"/>
           </a:p>
         </p:txBody>
       </p:sp>
@@ -9283,222 +9444,215 @@
       </p:grpSpPr>
       <p:sp>
         <p:nvSpPr>
-          <p:cNvPr id="2" name="Title 1">
-            <a:extLst>
-              <a:ext uri="{FF2B5EF4-FFF2-40B4-BE49-F238E27FC236}">
-                <a16:creationId xmlns:a16="http://schemas.microsoft.com/office/drawing/2014/main" id="{EF29F9DF-815C-3791-A8AD-5597CB88A429}"/>
-              </a:ext>
-            </a:extLst>
-          </p:cNvPr>
-          <p:cNvSpPr>
-            <a:spLocks noGrp="1"/>
-          </p:cNvSpPr>
-          <p:nvPr>
-            <p:ph type="title"/>
-          </p:nvPr>
+          <p:cNvPr id="3" name="Content Placeholder 2">
+            <a:extLst>
+              <a:ext uri="{FF2B5EF4-FFF2-40B4-BE49-F238E27FC236}">
+                <a16:creationId xmlns:a16="http://schemas.microsoft.com/office/drawing/2014/main" id="{DC37E50F-7A21-9A71-DEC4-16A5F91F21C0}"/>
+              </a:ext>
+            </a:extLst>
+          </p:cNvPr>
+          <p:cNvSpPr>
+            <a:spLocks noGrp="1"/>
+          </p:cNvSpPr>
+          <p:nvPr>
+            <p:ph idx="1"/>
+          </p:nvPr>
+        </p:nvSpPr>
+        <p:spPr>
+          <a:xfrm>
+            <a:off x="393991" y="1618119"/>
+            <a:ext cx="11798009" cy="4351338"/>
+          </a:xfrm>
+        </p:spPr>
+        <p:txBody>
+          <a:bodyPr>
+            <a:normAutofit/>
+          </a:bodyPr>
+          <a:lstStyle/>
+          <a:p>
+            <a:pPr marL="0" indent="0">
+              <a:buNone/>
+            </a:pPr>
+            <a:r>
+              <a:rPr lang="en-GB" sz="2000" dirty="0"/>
+              <a:t>Store sentence separately -&gt; there are pronouns</a:t>
+            </a:r>
+          </a:p>
+          <a:p>
+            <a:pPr marL="0" indent="0">
+              <a:buNone/>
+            </a:pPr>
+            <a:endParaRPr lang="en-GB" sz="2000" dirty="0">
+              <a:effectLst/>
+            </a:endParaRPr>
+          </a:p>
+          <a:p>
+            <a:pPr marL="0" indent="0">
+              <a:buNone/>
+            </a:pPr>
+            <a:r>
+              <a:rPr lang="en-GB" sz="2000" i="1" dirty="0">
+                <a:effectLst/>
+              </a:rPr>
+              <a:t>	Amy’s friend, Alex, has been distant lately. </a:t>
+            </a:r>
+            <a:r>
+              <a:rPr lang="en-GB" sz="2000" b="1" i="1" u="sng" dirty="0">
+                <a:effectLst/>
+              </a:rPr>
+              <a:t>She</a:t>
+            </a:r>
+            <a:r>
+              <a:rPr lang="en-GB" sz="2000" i="1" dirty="0">
+                <a:effectLst/>
+              </a:rPr>
+              <a:t> will talk to Alex about </a:t>
+            </a:r>
+            <a:r>
+              <a:rPr lang="en-GB" sz="2000" b="1" i="1" u="sng" dirty="0">
+                <a:effectLst/>
+              </a:rPr>
+              <a:t>it</a:t>
+            </a:r>
+            <a:r>
+              <a:rPr lang="en-GB" sz="2000" i="1" dirty="0">
+                <a:effectLst/>
+              </a:rPr>
+              <a:t>. </a:t>
+            </a:r>
+          </a:p>
+          <a:p>
+            <a:pPr marL="0" indent="0">
+              <a:buNone/>
+            </a:pPr>
+            <a:endParaRPr lang="en-GB" sz="2000" dirty="0"/>
+          </a:p>
+          <a:p>
+            <a:pPr marL="0" indent="0">
+              <a:buNone/>
+            </a:pPr>
+            <a:r>
+              <a:rPr lang="en-GB" sz="2000" dirty="0"/>
+              <a:t>Reduce pronouns by data augmentation -&gt; make each sentence self-contained.</a:t>
+            </a:r>
+          </a:p>
+          <a:p>
+            <a:pPr marL="0" indent="0">
+              <a:buNone/>
+            </a:pPr>
+            <a:endParaRPr lang="en-GB" sz="2000" dirty="0"/>
+          </a:p>
+          <a:p>
+            <a:pPr marL="0" indent="0">
+              <a:buNone/>
+            </a:pPr>
+            <a:r>
+              <a:rPr lang="en-GB" sz="2000" i="1" dirty="0">
+                <a:effectLst/>
+              </a:rPr>
+              <a:t>	Amy’s friend, Alex, has been distant lately. </a:t>
+            </a:r>
+            <a:r>
+              <a:rPr lang="en-GB" sz="2000" b="1" i="1" u="sng" dirty="0">
+                <a:effectLst/>
+              </a:rPr>
+              <a:t>Amy</a:t>
+            </a:r>
+            <a:r>
+              <a:rPr lang="en-GB" sz="2000" i="1" dirty="0">
+                <a:effectLst/>
+              </a:rPr>
+              <a:t> will talk to Alex about </a:t>
+            </a:r>
+            <a:r>
+              <a:rPr lang="en-GB" sz="2000" b="1" i="1" u="sng" dirty="0"/>
+              <a:t>Alex’s</a:t>
+            </a:r>
+            <a:r>
+              <a:rPr lang="en-GB" sz="2000" b="1" i="1" u="sng" dirty="0">
+                <a:effectLst/>
+              </a:rPr>
+              <a:t> recent distant behaviour</a:t>
+            </a:r>
+            <a:r>
+              <a:rPr lang="en-GB" sz="2000" i="1" dirty="0">
+                <a:effectLst/>
+              </a:rPr>
+              <a:t>. </a:t>
+            </a:r>
+          </a:p>
+          <a:p>
+            <a:pPr marL="0" indent="0">
+              <a:buNone/>
+            </a:pPr>
+            <a:endParaRPr lang="en-GB" sz="2000" i="1" dirty="0"/>
+          </a:p>
+          <a:p>
+            <a:pPr marL="0" indent="0">
+              <a:buNone/>
+            </a:pPr>
+            <a:endParaRPr lang="en-US" sz="2000" dirty="0"/>
+          </a:p>
+          <a:p>
+            <a:pPr marL="0" indent="0">
+              <a:buNone/>
+            </a:pPr>
+            <a:endParaRPr lang="en-US" sz="2000" dirty="0"/>
+          </a:p>
+        </p:txBody>
+      </p:sp>
+      <p:sp>
+        <p:nvSpPr>
+          <p:cNvPr id="7" name="Title 1">
+            <a:extLst>
+              <a:ext uri="{FF2B5EF4-FFF2-40B4-BE49-F238E27FC236}">
+                <a16:creationId xmlns:a16="http://schemas.microsoft.com/office/drawing/2014/main" id="{3F30AC7E-1084-1674-7D1A-73F3AD194D6C}"/>
+              </a:ext>
+            </a:extLst>
+          </p:cNvPr>
+          <p:cNvSpPr txBox="1">
+            <a:spLocks/>
+          </p:cNvSpPr>
+          <p:nvPr/>
         </p:nvSpPr>
         <p:spPr>
           <a:xfrm>
             <a:off x="292291" y="313899"/>
             <a:ext cx="10515600" cy="680754"/>
           </a:xfrm>
+          <a:prstGeom prst="rect">
+            <a:avLst/>
+          </a:prstGeom>
         </p:spPr>
         <p:txBody>
-          <a:bodyPr>
+          <a:bodyPr vert="horz" lIns="91440" tIns="45720" rIns="91440" bIns="45720" rtlCol="0" anchor="ctr">
             <a:normAutofit/>
           </a:bodyPr>
-          <a:lstStyle/>
-          <a:p>
-            <a:r>
-              <a:rPr lang="en-US" sz="2800" dirty="0"/>
+          <a:lstStyle>
+            <a:lvl1pPr algn="l" defTabSz="914400" rtl="0" eaLnBrk="1" latinLnBrk="0" hangingPunct="1">
+              <a:lnSpc>
+                <a:spcPct val="90000"/>
+              </a:lnSpc>
+              <a:spcBef>
+                <a:spcPct val="0"/>
+              </a:spcBef>
+              <a:buNone/>
+              <a:defRPr sz="4400" kern="1200">
+                <a:solidFill>
+                  <a:schemeClr val="tx1"/>
+                </a:solidFill>
+                <a:latin typeface="+mj-lt"/>
+                <a:ea typeface="+mj-ea"/>
+                <a:cs typeface="+mj-cs"/>
+              </a:defRPr>
+            </a:lvl1pPr>
+          </a:lstStyle>
+          <a:p>
+            <a:r>
+              <a:rPr lang="en-US" sz="2800"/>
               <a:t>Motivation for Augmented Summarization</a:t>
             </a:r>
-          </a:p>
-        </p:txBody>
-      </p:sp>
-      <p:sp>
-        <p:nvSpPr>
-          <p:cNvPr id="3" name="Content Placeholder 2">
-            <a:extLst>
-              <a:ext uri="{FF2B5EF4-FFF2-40B4-BE49-F238E27FC236}">
-                <a16:creationId xmlns:a16="http://schemas.microsoft.com/office/drawing/2014/main" id="{DC37E50F-7A21-9A71-DEC4-16A5F91F21C0}"/>
-              </a:ext>
-            </a:extLst>
-          </p:cNvPr>
-          <p:cNvSpPr>
-            <a:spLocks noGrp="1"/>
-          </p:cNvSpPr>
-          <p:nvPr>
-            <p:ph idx="1"/>
-          </p:nvPr>
-        </p:nvSpPr>
-        <p:spPr>
-          <a:xfrm>
-            <a:off x="647130" y="1649116"/>
-            <a:ext cx="11253321" cy="4351338"/>
-          </a:xfrm>
-        </p:spPr>
-        <p:txBody>
-          <a:bodyPr>
-            <a:normAutofit/>
-          </a:bodyPr>
-          <a:lstStyle/>
-          <a:p>
-            <a:pPr marL="0" indent="0">
-              <a:buNone/>
-            </a:pPr>
-            <a:r>
-              <a:rPr lang="en-GB" sz="1800" dirty="0">
-                <a:latin typeface="SFTT1095"/>
-              </a:rPr>
-              <a:t>Store sentence separately -&gt; there are pronouns</a:t>
-            </a:r>
-          </a:p>
-          <a:p>
-            <a:pPr marL="0" indent="0">
-              <a:buNone/>
-            </a:pPr>
-            <a:endParaRPr lang="en-GB" sz="1800" dirty="0">
-              <a:effectLst/>
-              <a:latin typeface="SFTT1095"/>
-            </a:endParaRPr>
-          </a:p>
-          <a:p>
-            <a:pPr marL="0" indent="0">
-              <a:buNone/>
-            </a:pPr>
-            <a:r>
-              <a:rPr lang="en-GB" sz="1800" i="1" dirty="0">
-                <a:effectLst/>
-                <a:latin typeface="SFTT1095"/>
-              </a:rPr>
-              <a:t>	Amy’s friend, Alex, has been distant lately. </a:t>
-            </a:r>
-            <a:r>
-              <a:rPr lang="en-GB" sz="1800" b="1" i="1" u="sng" dirty="0">
-                <a:effectLst/>
-                <a:latin typeface="SFTT1095"/>
-              </a:rPr>
-              <a:t>She</a:t>
-            </a:r>
-            <a:r>
-              <a:rPr lang="en-GB" sz="1800" i="1" dirty="0">
-                <a:effectLst/>
-                <a:latin typeface="SFTT1095"/>
-              </a:rPr>
-              <a:t> will talk to Alex about </a:t>
-            </a:r>
-            <a:r>
-              <a:rPr lang="en-GB" sz="1800" b="1" i="1" u="sng" dirty="0">
-                <a:effectLst/>
-                <a:latin typeface="SFTT1095"/>
-              </a:rPr>
-              <a:t>it</a:t>
-            </a:r>
-            <a:r>
-              <a:rPr lang="en-GB" sz="1800" i="1" dirty="0">
-                <a:effectLst/>
-                <a:latin typeface="SFTT1095"/>
-              </a:rPr>
-              <a:t>. </a:t>
-            </a:r>
-          </a:p>
-          <a:p>
-            <a:pPr marL="0" indent="0">
-              <a:buNone/>
-            </a:pPr>
-            <a:endParaRPr lang="en-GB" sz="1800" dirty="0">
-              <a:latin typeface="SFTT1095"/>
-            </a:endParaRPr>
-          </a:p>
-          <a:p>
-            <a:pPr marL="0" indent="0">
-              <a:buNone/>
-            </a:pPr>
-            <a:r>
-              <a:rPr lang="en-GB" sz="1800" dirty="0">
-                <a:latin typeface="SFTT1095"/>
-              </a:rPr>
-              <a:t>Reduce pronouns by data augmentation -&gt; make each sentence self-contained.</a:t>
-            </a:r>
-          </a:p>
-          <a:p>
-            <a:pPr marL="0" indent="0">
-              <a:buNone/>
-            </a:pPr>
-            <a:endParaRPr lang="en-GB" sz="1800" dirty="0">
-              <a:latin typeface="SFTT1095"/>
-            </a:endParaRPr>
-          </a:p>
-          <a:p>
-            <a:pPr marL="0" indent="0">
-              <a:buNone/>
-            </a:pPr>
-            <a:r>
-              <a:rPr lang="en-GB" sz="1800" i="1" dirty="0">
-                <a:effectLst/>
-                <a:latin typeface="SFTT1095"/>
-              </a:rPr>
-              <a:t>	Amy’s friend, Alex, has been distant lately. </a:t>
-            </a:r>
-            <a:r>
-              <a:rPr lang="en-GB" sz="1800" b="1" i="1" u="sng" dirty="0">
-                <a:effectLst/>
-                <a:latin typeface="SFTT1095"/>
-              </a:rPr>
-              <a:t>Amy</a:t>
-            </a:r>
-            <a:r>
-              <a:rPr lang="en-GB" sz="1800" i="1" dirty="0">
-                <a:effectLst/>
-                <a:latin typeface="SFTT1095"/>
-              </a:rPr>
-              <a:t> will talk to Alex about </a:t>
-            </a:r>
-            <a:r>
-              <a:rPr lang="en-GB" sz="1800" b="1" i="1" u="sng" dirty="0">
-                <a:latin typeface="SFTT1095"/>
-              </a:rPr>
-              <a:t>Alex’s</a:t>
-            </a:r>
-            <a:r>
-              <a:rPr lang="en-GB" sz="1800" b="1" i="1" u="sng" dirty="0">
-                <a:effectLst/>
-                <a:latin typeface="SFTT1095"/>
-              </a:rPr>
-              <a:t> recent distant behaviour</a:t>
-            </a:r>
-            <a:r>
-              <a:rPr lang="en-GB" sz="1800" i="1" dirty="0">
-                <a:effectLst/>
-                <a:latin typeface="SFTT1095"/>
-              </a:rPr>
-              <a:t>. </a:t>
-            </a:r>
-          </a:p>
-          <a:p>
-            <a:pPr marL="0" indent="0">
-              <a:buNone/>
-            </a:pPr>
-            <a:endParaRPr lang="en-GB" sz="1800" i="1" dirty="0">
-              <a:latin typeface="SFTT1095"/>
-            </a:endParaRPr>
-          </a:p>
-          <a:p>
-            <a:pPr marL="0" indent="0">
-              <a:buNone/>
-            </a:pPr>
-            <a:endParaRPr lang="en-US" sz="1800" dirty="0">
-              <a:latin typeface="SFTT1095"/>
-            </a:endParaRPr>
-          </a:p>
-          <a:p>
-            <a:pPr marL="0" indent="0">
-              <a:buNone/>
-            </a:pPr>
-            <a:endParaRPr lang="en-US" sz="1800" dirty="0">
-              <a:latin typeface="SFTT1095"/>
-            </a:endParaRPr>
+            <a:endParaRPr lang="en-US" sz="2800" dirty="0"/>
           </a:p>
         </p:txBody>
       </p:sp>
@@ -9604,15 +9758,12 @@
               <a:buNone/>
             </a:pPr>
             <a:r>
-              <a:rPr lang="en-GB" sz="1800" dirty="0">
+              <a:rPr lang="en-GB" sz="2000" dirty="0">
                 <a:effectLst/>
-                <a:latin typeface="SFTT1095"/>
               </a:rPr>
               <a:t>Rewrite the text, replace the pronouns by proper nouns.</a:t>
             </a:r>
-            <a:endParaRPr lang="en-US" sz="1800" dirty="0">
-              <a:latin typeface="SFTT1095"/>
-            </a:endParaRPr>
+            <a:endParaRPr lang="en-US" sz="2000" dirty="0"/>
           </a:p>
         </p:txBody>
       </p:sp>
@@ -9718,15 +9869,12 @@
               <a:buNone/>
             </a:pPr>
             <a:r>
-              <a:rPr lang="en-GB" sz="1800" dirty="0">
+              <a:rPr lang="en-GB" sz="2000" dirty="0">
                 <a:effectLst/>
-                <a:latin typeface="SFTT1095"/>
               </a:rPr>
               <a:t>Rewrite the text, replace the pronouns by proper nouns.</a:t>
             </a:r>
-            <a:endParaRPr lang="en-US" sz="1800" dirty="0">
-              <a:latin typeface="SFTT1095"/>
-            </a:endParaRPr>
+            <a:endParaRPr lang="en-US" sz="2000" dirty="0"/>
           </a:p>
         </p:txBody>
       </p:sp>
@@ -9994,15 +10142,12 @@
               <a:buNone/>
             </a:pPr>
             <a:r>
-              <a:rPr lang="en-GB" sz="1800" dirty="0">
+              <a:rPr lang="en-GB" sz="2000" dirty="0">
                 <a:effectLst/>
-                <a:latin typeface="SFTT1095"/>
               </a:rPr>
               <a:t>Rewrite the text, replace the pronouns by proper nouns.</a:t>
             </a:r>
-            <a:endParaRPr lang="en-US" sz="1800" dirty="0">
-              <a:latin typeface="SFTT1095"/>
-            </a:endParaRPr>
+            <a:endParaRPr lang="en-US" sz="2000" dirty="0"/>
           </a:p>
         </p:txBody>
       </p:sp>
@@ -10458,7 +10603,7 @@
         <p:spPr>
           <a:xfrm>
             <a:off x="416776" y="786158"/>
-            <a:ext cx="10941054" cy="2024474"/>
+            <a:ext cx="11592116" cy="4080310"/>
           </a:xfrm>
         </p:spPr>
         <p:txBody>
@@ -10480,71 +10625,61 @@
               <a:buNone/>
             </a:pPr>
             <a:r>
-              <a:rPr lang="en-GB" sz="1800" dirty="0">
+              <a:rPr lang="en-GB" sz="2000" dirty="0">
                 <a:effectLst/>
-                <a:latin typeface="SFTT1095"/>
               </a:rPr>
               <a:t>For each paragraph, your 3 tasks are:</a:t>
             </a:r>
             <a:br>
-              <a:rPr lang="en-GB" sz="1800" dirty="0">
+              <a:rPr lang="en-GB" sz="2000" dirty="0">
                 <a:effectLst/>
-                <a:latin typeface="SFTT1095"/>
               </a:rPr>
             </a:br>
             <a:r>
-              <a:rPr lang="en-GB" sz="1800" dirty="0">
+              <a:rPr lang="en-GB" sz="2000" dirty="0">
                 <a:effectLst/>
-                <a:latin typeface="SFTT1095"/>
               </a:rPr>
               <a:t>1. Write out all the pronouns in following paragraph in sequence. Exclude any proper nouns.</a:t>
             </a:r>
             <a:br>
-              <a:rPr lang="en-GB" sz="1800" dirty="0">
+              <a:rPr lang="en-GB" sz="2000" dirty="0">
                 <a:effectLst/>
-                <a:latin typeface="SFTT1095"/>
               </a:rPr>
             </a:br>
             <a:r>
-              <a:rPr lang="en-GB" sz="1800" dirty="0">
+              <a:rPr lang="en-GB" sz="2000" dirty="0">
                 <a:effectLst/>
-                <a:latin typeface="SFTT1095"/>
               </a:rPr>
               <a:t>2. Write out what does each of the pronouns means.</a:t>
             </a:r>
             <a:br>
-              <a:rPr lang="en-GB" sz="1800" dirty="0">
+              <a:rPr lang="en-GB" sz="2000" dirty="0">
                 <a:effectLst/>
-                <a:latin typeface="SFTT1095"/>
               </a:rPr>
             </a:br>
             <a:r>
-              <a:rPr lang="en-GB" sz="1800" dirty="0">
+              <a:rPr lang="en-GB" sz="2000" dirty="0">
                 <a:effectLst/>
-                <a:latin typeface="SFTT1095"/>
               </a:rPr>
               <a:t>3. Replace each of the pronouns by actual meaning.</a:t>
             </a:r>
             <a:br>
-              <a:rPr lang="en-GB" sz="1800" dirty="0">
+              <a:rPr lang="en-GB" sz="2000" dirty="0">
                 <a:effectLst/>
-                <a:latin typeface="SFTT1095"/>
               </a:rPr>
             </a:br>
             <a:r>
-              <a:rPr lang="en-GB" sz="1800" dirty="0">
+              <a:rPr lang="en-GB" sz="2000" dirty="0">
                 <a:effectLst/>
-                <a:latin typeface="SFTT1095"/>
               </a:rPr>
               <a:t>Just show me the result of task3. Don’t show me the result of task1 and task2.</a:t>
             </a:r>
             <a:br>
-              <a:rPr lang="en-GB" sz="1800" dirty="0">
+              <a:rPr lang="en-GB" sz="2000" dirty="0">
                 <a:effectLst/>
-                <a:latin typeface="SFTT1095"/>
               </a:rPr>
             </a:br>
-            <a:endParaRPr lang="en-GB" sz="1200" dirty="0"/>
+            <a:endParaRPr lang="en-GB" sz="2000" dirty="0"/>
           </a:p>
         </p:txBody>
       </p:sp>
@@ -10562,7 +10697,7 @@
         </p:nvSpPr>
         <p:spPr>
           <a:xfrm>
-            <a:off x="659073" y="2810632"/>
+            <a:off x="659073" y="3182591"/>
             <a:ext cx="9563669" cy="1015663"/>
           </a:xfrm>
           <a:prstGeom prst="rect">
@@ -10771,8 +10906,8 @@
         </p:nvSpPr>
         <p:spPr>
           <a:xfrm>
-            <a:off x="659073" y="4370109"/>
-            <a:ext cx="9215650" cy="923330"/>
+            <a:off x="659072" y="4738910"/>
+            <a:ext cx="9895273" cy="1015663"/>
           </a:xfrm>
           <a:prstGeom prst="rect">
             <a:avLst/>
@@ -10786,7 +10921,7 @@
           <a:lstStyle/>
           <a:p>
             <a:r>
-              <a:rPr lang="en-GB" sz="1800" dirty="0">
+              <a:rPr lang="en-GB" sz="2000" dirty="0">
                 <a:effectLst/>
                 <a:latin typeface="SFRM1095"/>
               </a:rPr>
@@ -10795,34 +10930,34 @@
           </a:p>
           <a:p>
             <a:r>
-              <a:rPr lang="en-GB" sz="1800" b="1" u="sng" dirty="0">
+              <a:rPr lang="en-GB" sz="2000" b="1" u="sng" dirty="0">
                 <a:effectLst/>
                 <a:latin typeface="SFRM1095"/>
               </a:rPr>
               <a:t>Allen </a:t>
             </a:r>
             <a:r>
-              <a:rPr lang="en-GB" sz="1800" dirty="0">
+              <a:rPr lang="en-GB" sz="2000" dirty="0">
                 <a:effectLst/>
                 <a:latin typeface="SFRM1095"/>
               </a:rPr>
               <a:t>is </a:t>
             </a:r>
             <a:r>
-              <a:rPr lang="en-GB" sz="1800" b="1" u="sng" dirty="0">
+              <a:rPr lang="en-GB" sz="2000" b="1" u="sng" dirty="0">
                 <a:effectLst/>
                 <a:latin typeface="SFRM1095"/>
               </a:rPr>
               <a:t>Big Adriano’s</a:t>
             </a:r>
             <a:r>
-              <a:rPr lang="en-GB" sz="1800" dirty="0">
+              <a:rPr lang="en-GB" sz="2000" dirty="0">
                 <a:effectLst/>
                 <a:latin typeface="SFRM1095"/>
               </a:rPr>
               <a:t> frequent client and Big Adriano’s pasta and calzone are good. Jaden will let Allen know how the dinner goes and Allen and Jaden will arrange their meeting. </a:t>
             </a:r>
-            <a:endParaRPr lang="en-GB" dirty="0"/>
+            <a:endParaRPr lang="en-GB" sz="2000" dirty="0"/>
           </a:p>
         </p:txBody>
       </p:sp>
@@ -10946,7 +11081,7 @@
         <p:spPr>
           <a:xfrm>
             <a:off x="838200" y="2374110"/>
-            <a:ext cx="10151049" cy="369332"/>
+            <a:ext cx="11247182" cy="400110"/>
           </a:xfrm>
           <a:prstGeom prst="rect">
             <a:avLst/>
@@ -10960,13 +11095,13 @@
           <a:lstStyle/>
           <a:p>
             <a:r>
-              <a:rPr lang="en-GB" sz="1800" dirty="0">
+              <a:rPr lang="en-GB" sz="2000" dirty="0">
                 <a:effectLst/>
                 <a:latin typeface="SFTT1095"/>
               </a:rPr>
               <a:t>Edward thinks Edward is in love with Bella. Rachel wants Edward to open Edward’s door. Rachel is outside. </a:t>
             </a:r>
-            <a:endParaRPr lang="en-US" sz="1800" dirty="0">
+            <a:endParaRPr lang="en-US" sz="2000" dirty="0">
               <a:effectLst/>
               <a:latin typeface="SFTT1095"/>
             </a:endParaRPr>
@@ -11088,7 +11223,7 @@
         <p:spPr>
           <a:xfrm>
             <a:off x="649356" y="2515430"/>
-            <a:ext cx="8182946" cy="369332"/>
+            <a:ext cx="9069149" cy="400110"/>
           </a:xfrm>
           <a:prstGeom prst="rect">
             <a:avLst/>
@@ -11102,13 +11237,13 @@
           <a:lstStyle/>
           <a:p>
             <a:r>
-              <a:rPr lang="en-GB" sz="1800" dirty="0">
+              <a:rPr lang="en-GB" sz="2000" dirty="0">
                 <a:effectLst/>
                 <a:latin typeface="SFTT1095"/>
               </a:rPr>
               <a:t>Fine-tuning on original dataset then on augmented dataset for a smaller learning rate</a:t>
             </a:r>
-            <a:endParaRPr lang="en-US" sz="1800" dirty="0">
+            <a:endParaRPr lang="en-US" sz="2000" dirty="0">
               <a:effectLst/>
               <a:latin typeface="SFTT1095"/>
             </a:endParaRPr>
@@ -11190,7 +11325,7 @@
         <p:spPr>
           <a:xfrm>
             <a:off x="649356" y="3862390"/>
-            <a:ext cx="4336765" cy="369332"/>
+            <a:ext cx="4729821" cy="400110"/>
           </a:xfrm>
           <a:prstGeom prst="rect">
             <a:avLst/>
@@ -11204,7 +11339,7 @@
           <a:lstStyle/>
           <a:p>
             <a:r>
-              <a:rPr lang="en-US" dirty="0"/>
+              <a:rPr lang="en-US" sz="2000" dirty="0"/>
               <a:t>Frequency of pronouns decreased by 67.6%</a:t>
             </a:r>
           </a:p>
@@ -11225,7 +11360,7 @@
         <p:spPr>
           <a:xfrm>
             <a:off x="649356" y="5548921"/>
-            <a:ext cx="3129639" cy="369332"/>
+            <a:ext cx="3451651" cy="400110"/>
           </a:xfrm>
           <a:prstGeom prst="rect">
             <a:avLst/>
@@ -11239,7 +11374,7 @@
           <a:lstStyle/>
           <a:p>
             <a:r>
-              <a:rPr lang="en-US" dirty="0"/>
+              <a:rPr lang="en-US" sz="2000" dirty="0"/>
               <a:t>Rouge score decreased by 2.1%</a:t>
             </a:r>
           </a:p>
@@ -11395,38 +11530,6 @@
       </p:sp>
       <p:sp>
         <p:nvSpPr>
-          <p:cNvPr id="3" name="Content Placeholder 2">
-            <a:extLst>
-              <a:ext uri="{FF2B5EF4-FFF2-40B4-BE49-F238E27FC236}">
-                <a16:creationId xmlns:a16="http://schemas.microsoft.com/office/drawing/2014/main" id="{07D23E3E-E4AD-F2AC-4970-9C49DD943EEE}"/>
-              </a:ext>
-            </a:extLst>
-          </p:cNvPr>
-          <p:cNvSpPr>
-            <a:spLocks noGrp="1"/>
-          </p:cNvSpPr>
-          <p:nvPr>
-            <p:ph idx="1"/>
-          </p:nvPr>
-        </p:nvSpPr>
-        <p:spPr/>
-        <p:txBody>
-          <a:bodyPr/>
-          <a:lstStyle/>
-          <a:p>
-            <a:pPr marL="0" indent="0">
-              <a:buNone/>
-            </a:pPr>
-            <a:r>
-              <a:rPr lang="zh-CN" altLang="en-US" dirty="0"/>
-              <a:t> </a:t>
-            </a:r>
-            <a:endParaRPr lang="en-US" dirty="0"/>
-          </a:p>
-        </p:txBody>
-      </p:sp>
-      <p:sp>
-        <p:nvSpPr>
           <p:cNvPr id="4" name="TextBox 3">
             <a:extLst>
               <a:ext uri="{FF2B5EF4-FFF2-40B4-BE49-F238E27FC236}">
@@ -11439,8 +11542,8 @@
         </p:nvSpPr>
         <p:spPr>
           <a:xfrm>
-            <a:off x="1824753" y="1825625"/>
-            <a:ext cx="6832576" cy="646331"/>
+            <a:off x="1581687" y="2042159"/>
+            <a:ext cx="9028625" cy="830997"/>
           </a:xfrm>
           <a:prstGeom prst="rect">
             <a:avLst/>
@@ -11454,7 +11557,7 @@
           <a:lstStyle/>
           <a:p>
             <a:r>
-              <a:rPr lang="en-GB" sz="1800" dirty="0">
+              <a:rPr lang="en-GB" sz="2400" i="1" dirty="0">
                 <a:effectLst/>
                 <a:latin typeface="SFRM1095"/>
               </a:rPr>
@@ -11463,13 +11566,13 @@
           </a:p>
           <a:p>
             <a:r>
-              <a:rPr lang="en-GB" sz="1800" dirty="0">
+              <a:rPr lang="en-GB" sz="2400" i="1" dirty="0">
                 <a:effectLst/>
                 <a:latin typeface="SFRM1095"/>
               </a:rPr>
               <a:t>William also wants to organise a board games night for his colleagues. </a:t>
             </a:r>
-            <a:endParaRPr lang="en-GB" dirty="0"/>
+            <a:endParaRPr lang="en-GB" sz="2400" i="1" dirty="0"/>
           </a:p>
         </p:txBody>
       </p:sp>
@@ -11487,8 +11590,8 @@
         </p:nvSpPr>
         <p:spPr>
           <a:xfrm>
-            <a:off x="1656522" y="3955127"/>
-            <a:ext cx="6379119" cy="369332"/>
+            <a:off x="1178731" y="3776656"/>
+            <a:ext cx="8422242" cy="461665"/>
           </a:xfrm>
           <a:prstGeom prst="rect">
             <a:avLst/>
@@ -11502,7 +11605,7 @@
           <a:lstStyle/>
           <a:p>
             <a:r>
-              <a:rPr lang="en-US" dirty="0"/>
+              <a:rPr lang="en-US" sz="2400" dirty="0"/>
               <a:t>Store knowledge in segment to provide richer context information</a:t>
             </a:r>
           </a:p>
@@ -11523,8 +11626,8 @@
               <p14:nvPr/>
             </p14:nvContentPartPr>
             <p14:xfrm>
-              <a:off x="6405748" y="1861102"/>
-              <a:ext cx="918720" cy="343080"/>
+              <a:off x="7537124" y="2042159"/>
+              <a:ext cx="1467391" cy="547972"/>
             </p14:xfrm>
           </p:contentPart>
         </mc:Choice>
@@ -11549,8 +11652,8 @@
             </p:blipFill>
             <p:spPr>
               <a:xfrm>
-                <a:off x="6397108" y="1852462"/>
-                <a:ext cx="936360" cy="360720"/>
+                <a:off x="7528124" y="2033158"/>
+                <a:ext cx="1485031" cy="565614"/>
               </a:xfrm>
               <a:prstGeom prst="rect">
                 <a:avLst/>
@@ -11632,7 +11735,7 @@
         <p:spPr>
           <a:xfrm>
             <a:off x="1082631" y="1690688"/>
-            <a:ext cx="10791317" cy="369332"/>
+            <a:ext cx="10791317" cy="461665"/>
           </a:xfrm>
           <a:prstGeom prst="rect">
             <a:avLst/>
@@ -11646,13 +11749,13 @@
           <a:lstStyle/>
           <a:p>
             <a:r>
-              <a:rPr lang="en-GB" dirty="0">
+              <a:rPr lang="en-GB" sz="2400" dirty="0">
                 <a:latin typeface="SFRM1095"/>
               </a:rPr>
               <a:t>New task</a:t>
             </a:r>
             <a:r>
-              <a:rPr lang="en-GB" sz="1800" dirty="0">
+              <a:rPr lang="en-GB" sz="2400" dirty="0">
                 <a:effectLst/>
                 <a:latin typeface="SFRM1095"/>
               </a:rPr>
@@ -11675,8 +11778,8 @@
         </p:nvSpPr>
         <p:spPr>
           <a:xfrm>
-            <a:off x="1082631" y="3360409"/>
-            <a:ext cx="10515601" cy="646331"/>
+            <a:off x="1082631" y="2770030"/>
+            <a:ext cx="10515601" cy="400110"/>
           </a:xfrm>
           <a:prstGeom prst="rect">
             <a:avLst/>
@@ -11690,8 +11793,8 @@
           <a:lstStyle/>
           <a:p>
             <a:r>
-              <a:rPr lang="en-US" dirty="0"/>
-              <a:t>We created the dataset from the old summarization dataset, by concatenating different summary together to produce a new summary that has multiple topics.</a:t>
+              <a:rPr lang="en-US" sz="2000" dirty="0"/>
+              <a:t>We created the dataset by concatenating old summaries together to produce new mixed summary</a:t>
             </a:r>
           </a:p>
         </p:txBody>
@@ -11710,8 +11813,8 @@
         </p:nvSpPr>
         <p:spPr>
           <a:xfrm>
-            <a:off x="1285461" y="4567147"/>
-            <a:ext cx="8865704" cy="1200329"/>
+            <a:off x="1082630" y="3966983"/>
+            <a:ext cx="9564705" cy="1323439"/>
           </a:xfrm>
           <a:prstGeom prst="rect">
             <a:avLst/>
@@ -11725,39 +11828,34 @@
           <a:lstStyle/>
           <a:p>
             <a:r>
-              <a:rPr lang="en-GB" dirty="0">
-                <a:latin typeface="SFRM1095"/>
-              </a:rPr>
+              <a:rPr lang="en-GB" sz="2000" dirty="0"/>
               <a:t>1. </a:t>
             </a:r>
             <a:r>
-              <a:rPr lang="en-GB" sz="1800" dirty="0">
+              <a:rPr lang="en-GB" sz="2000" dirty="0">
                 <a:effectLst/>
-                <a:latin typeface="SFRM1095"/>
               </a:rPr>
               <a:t>"Josh, Emma and Bill will order pizza and Asian food for the evening.",</a:t>
             </a:r>
             <a:br>
-              <a:rPr lang="en-GB" sz="1800" dirty="0">
+              <a:rPr lang="en-GB" sz="2000" dirty="0">
                 <a:effectLst/>
-                <a:latin typeface="SFRM1095"/>
               </a:rPr>
             </a:br>
             <a:r>
-              <a:rPr lang="en-GB" sz="1800" dirty="0">
+              <a:rPr lang="en-GB" sz="2000" dirty="0">
                 <a:effectLst/>
-                <a:latin typeface="SFRM1095"/>
               </a:rPr>
               <a:t>2. "Frankie is going to a concert of Passion, he will buy a cd and get autographs for Dan."  </a:t>
             </a:r>
-            <a:endParaRPr lang="en-GB" dirty="0"/>
-          </a:p>
-          <a:p>
-            <a:endParaRPr lang="en-US" dirty="0"/>
-          </a:p>
-          <a:p>
-            <a:r>
-              <a:rPr lang="en-US" dirty="0"/>
+            <a:endParaRPr lang="en-GB" sz="2000" dirty="0"/>
+          </a:p>
+          <a:p>
+            <a:endParaRPr lang="en-US" sz="2000" dirty="0"/>
+          </a:p>
+          <a:p>
+            <a:r>
+              <a:rPr lang="en-US" sz="2000" dirty="0"/>
               <a:t>Concatenate -&gt; mixed summary </a:t>
             </a:r>
           </a:p>
@@ -11821,83 +11919,6 @@
           </a:p>
         </p:txBody>
       </p:sp>
-      <p:sp>
-        <p:nvSpPr>
-          <p:cNvPr id="4" name="TextBox 3">
-            <a:extLst>
-              <a:ext uri="{FF2B5EF4-FFF2-40B4-BE49-F238E27FC236}">
-                <a16:creationId xmlns:a16="http://schemas.microsoft.com/office/drawing/2014/main" id="{F2C16258-C2D5-3C22-6286-F361B259A908}"/>
-              </a:ext>
-            </a:extLst>
-          </p:cNvPr>
-          <p:cNvSpPr txBox="1"/>
-          <p:nvPr/>
-        </p:nvSpPr>
-        <p:spPr>
-          <a:xfrm>
-            <a:off x="1082631" y="1690688"/>
-            <a:ext cx="10791317" cy="923330"/>
-          </a:xfrm>
-          <a:prstGeom prst="rect">
-            <a:avLst/>
-          </a:prstGeom>
-          <a:noFill/>
-        </p:spPr>
-        <p:txBody>
-          <a:bodyPr wrap="square" rtlCol="0">
-            <a:spAutoFit/>
-          </a:bodyPr>
-          <a:lstStyle/>
-          <a:p>
-            <a:r>
-              <a:rPr lang="en-GB" sz="1800" dirty="0">
-                <a:effectLst/>
-                <a:latin typeface="SFRM1095"/>
-              </a:rPr>
-              <a:t>There is no existing model and dataset for this purpose: text segmentation based on topic. Here we defined this new task.</a:t>
-            </a:r>
-            <a:endParaRPr lang="en-GB" dirty="0"/>
-          </a:p>
-          <a:p>
-            <a:endParaRPr lang="en-US" dirty="0"/>
-          </a:p>
-        </p:txBody>
-      </p:sp>
-      <p:sp>
-        <p:nvSpPr>
-          <p:cNvPr id="9" name="TextBox 8">
-            <a:extLst>
-              <a:ext uri="{FF2B5EF4-FFF2-40B4-BE49-F238E27FC236}">
-                <a16:creationId xmlns:a16="http://schemas.microsoft.com/office/drawing/2014/main" id="{D4AEB900-1D02-19FE-BCA0-9B6411F57EF7}"/>
-              </a:ext>
-            </a:extLst>
-          </p:cNvPr>
-          <p:cNvSpPr txBox="1"/>
-          <p:nvPr/>
-        </p:nvSpPr>
-        <p:spPr>
-          <a:xfrm>
-            <a:off x="1082631" y="3351218"/>
-            <a:ext cx="10515601" cy="646331"/>
-          </a:xfrm>
-          <a:prstGeom prst="rect">
-            <a:avLst/>
-          </a:prstGeom>
-          <a:noFill/>
-        </p:spPr>
-        <p:txBody>
-          <a:bodyPr wrap="square" rtlCol="0">
-            <a:spAutoFit/>
-          </a:bodyPr>
-          <a:lstStyle/>
-          <a:p>
-            <a:r>
-              <a:rPr lang="en-US" dirty="0"/>
-              <a:t>We created the dataset from the old summarization dataset, by concatenating different summary together to produce a new summary that has multiple topics </a:t>
-            </a:r>
-          </a:p>
-        </p:txBody>
-      </p:sp>
       <p:pic>
         <p:nvPicPr>
           <p:cNvPr id="3" name="Picture 2" descr="A table with numbers and percentages&#10;&#10;Description automatically generated with low confidence">
@@ -11920,14 +11941,58 @@
         </p:blipFill>
         <p:spPr>
           <a:xfrm>
-            <a:off x="2363676" y="3997549"/>
-            <a:ext cx="6594794" cy="2779624"/>
+            <a:off x="1697249" y="2589165"/>
+            <a:ext cx="7976944" cy="3362183"/>
           </a:xfrm>
           <a:prstGeom prst="rect">
             <a:avLst/>
           </a:prstGeom>
         </p:spPr>
       </p:pic>
+      <p:sp>
+        <p:nvSpPr>
+          <p:cNvPr id="5" name="TextBox 4">
+            <a:extLst>
+              <a:ext uri="{FF2B5EF4-FFF2-40B4-BE49-F238E27FC236}">
+                <a16:creationId xmlns:a16="http://schemas.microsoft.com/office/drawing/2014/main" id="{8F6881E6-35AE-A689-6F4A-0B62EA33DF50}"/>
+              </a:ext>
+            </a:extLst>
+          </p:cNvPr>
+          <p:cNvSpPr txBox="1"/>
+          <p:nvPr/>
+        </p:nvSpPr>
+        <p:spPr>
+          <a:xfrm>
+            <a:off x="1082631" y="1690688"/>
+            <a:ext cx="10791317" cy="461665"/>
+          </a:xfrm>
+          <a:prstGeom prst="rect">
+            <a:avLst/>
+          </a:prstGeom>
+          <a:noFill/>
+        </p:spPr>
+        <p:txBody>
+          <a:bodyPr wrap="square" rtlCol="0">
+            <a:spAutoFit/>
+          </a:bodyPr>
+          <a:lstStyle/>
+          <a:p>
+            <a:r>
+              <a:rPr lang="en-GB" sz="2400" dirty="0">
+                <a:latin typeface="SFRM1095"/>
+              </a:rPr>
+              <a:t>New task</a:t>
+            </a:r>
+            <a:r>
+              <a:rPr lang="en-GB" sz="2400" dirty="0">
+                <a:effectLst/>
+                <a:latin typeface="SFRM1095"/>
+              </a:rPr>
+              <a:t>: text segmentation based on topic. </a:t>
+            </a:r>
+          </a:p>
+        </p:txBody>
+      </p:sp>
     </p:spTree>
     <p:extLst>
       <p:ext uri="{BB962C8B-B14F-4D97-AF65-F5344CB8AC3E}">
@@ -12001,6 +12066,203 @@
         <p:spPr>
           <a:xfrm>
             <a:off x="838200" y="1690688"/>
+            <a:ext cx="11049000" cy="2308324"/>
+          </a:xfrm>
+          <a:prstGeom prst="rect">
+            <a:avLst/>
+          </a:prstGeom>
+          <a:noFill/>
+        </p:spPr>
+        <p:txBody>
+          <a:bodyPr wrap="square" rtlCol="0">
+            <a:spAutoFit/>
+          </a:bodyPr>
+          <a:lstStyle/>
+          <a:p>
+            <a:r>
+              <a:rPr lang="en-GB" sz="2400" dirty="0">
+                <a:latin typeface="SFRM1095"/>
+              </a:rPr>
+              <a:t>For fine-tuning, we see it as a sequence-to-sequence token-level labelling task, given a text, label each token a class number to indicate which segment the token belongs to. For example:</a:t>
+            </a:r>
+          </a:p>
+          <a:p>
+            <a:endParaRPr lang="en-GB" sz="2400" dirty="0">
+              <a:latin typeface="SFRM1095"/>
+            </a:endParaRPr>
+          </a:p>
+          <a:p>
+            <a:endParaRPr lang="en-GB" sz="2400" dirty="0">
+              <a:latin typeface="SFRM1095"/>
+            </a:endParaRPr>
+          </a:p>
+          <a:p>
+            <a:endParaRPr lang="en-US" sz="2400" dirty="0"/>
+          </a:p>
+        </p:txBody>
+      </p:sp>
+      <p:sp>
+        <p:nvSpPr>
+          <p:cNvPr id="3" name="TextBox 2">
+            <a:extLst>
+              <a:ext uri="{FF2B5EF4-FFF2-40B4-BE49-F238E27FC236}">
+                <a16:creationId xmlns:a16="http://schemas.microsoft.com/office/drawing/2014/main" id="{1B43B037-058B-5A9F-A805-5129B6B8EF28}"/>
+              </a:ext>
+            </a:extLst>
+          </p:cNvPr>
+          <p:cNvSpPr txBox="1"/>
+          <p:nvPr/>
+        </p:nvSpPr>
+        <p:spPr>
+          <a:xfrm>
+            <a:off x="1356945" y="3244649"/>
+            <a:ext cx="9028625" cy="830997"/>
+          </a:xfrm>
+          <a:prstGeom prst="rect">
+            <a:avLst/>
+          </a:prstGeom>
+          <a:noFill/>
+        </p:spPr>
+        <p:txBody>
+          <a:bodyPr wrap="none" rtlCol="0">
+            <a:spAutoFit/>
+          </a:bodyPr>
+          <a:lstStyle/>
+          <a:p>
+            <a:r>
+              <a:rPr lang="en-GB" sz="2400" i="1" dirty="0">
+                <a:effectLst/>
+                <a:latin typeface="SFRM1095"/>
+              </a:rPr>
+              <a:t>William is making spaghetti. Olivia will buy fresh tomatoes for William. </a:t>
+            </a:r>
+          </a:p>
+          <a:p>
+            <a:r>
+              <a:rPr lang="en-GB" sz="2400" i="1" dirty="0">
+                <a:effectLst/>
+                <a:latin typeface="SFRM1095"/>
+              </a:rPr>
+              <a:t>William also wants to organise a board games night for his colleagues. </a:t>
+            </a:r>
+            <a:endParaRPr lang="en-GB" sz="2400" i="1" dirty="0"/>
+          </a:p>
+        </p:txBody>
+      </p:sp>
+      <p:sp>
+        <p:nvSpPr>
+          <p:cNvPr id="6" name="TextBox 5">
+            <a:extLst>
+              <a:ext uri="{FF2B5EF4-FFF2-40B4-BE49-F238E27FC236}">
+                <a16:creationId xmlns:a16="http://schemas.microsoft.com/office/drawing/2014/main" id="{45EB5457-D583-FE77-39D6-2E6A94FE1EFD}"/>
+              </a:ext>
+            </a:extLst>
+          </p:cNvPr>
+          <p:cNvSpPr txBox="1"/>
+          <p:nvPr/>
+        </p:nvSpPr>
+        <p:spPr>
+          <a:xfrm>
+            <a:off x="1356945" y="4459426"/>
+            <a:ext cx="6438703" cy="707886"/>
+          </a:xfrm>
+          <a:prstGeom prst="rect">
+            <a:avLst/>
+          </a:prstGeom>
+          <a:noFill/>
+        </p:spPr>
+        <p:txBody>
+          <a:bodyPr wrap="square" rtlCol="0">
+            <a:spAutoFit/>
+          </a:bodyPr>
+          <a:lstStyle/>
+          <a:p>
+            <a:r>
+              <a:rPr lang="en-US" sz="2000" dirty="0"/>
+              <a:t>‘1’, ‘1’, ‘1’, ‘1’, …, ‘1’,</a:t>
+            </a:r>
+          </a:p>
+          <a:p>
+            <a:r>
+              <a:rPr lang="en-US" sz="2000" dirty="0"/>
+              <a:t> ‘2’, ‘2’, ‘2’, …, ‘2’</a:t>
+            </a:r>
+          </a:p>
+        </p:txBody>
+      </p:sp>
+    </p:spTree>
+    <p:extLst>
+      <p:ext uri="{BB962C8B-B14F-4D97-AF65-F5344CB8AC3E}">
+        <p14:creationId xmlns:p14="http://schemas.microsoft.com/office/powerpoint/2010/main" val="4136094890"/>
+      </p:ext>
+    </p:extLst>
+  </p:cSld>
+  <p:clrMapOvr>
+    <a:masterClrMapping/>
+  </p:clrMapOvr>
+</p:sld>
+</file>
+
+<file path=ppt/slides/slide28.xml><?xml version="1.0" encoding="utf-8"?>
+<p:sld xmlns:a="http://schemas.openxmlformats.org/drawingml/2006/main" xmlns:r="http://schemas.openxmlformats.org/officeDocument/2006/relationships" xmlns:p="http://schemas.openxmlformats.org/presentationml/2006/main" show="0">
+  <p:cSld>
+    <p:spTree>
+      <p:nvGrpSpPr>
+        <p:cNvPr id="1" name=""/>
+        <p:cNvGrpSpPr/>
+        <p:nvPr/>
+      </p:nvGrpSpPr>
+      <p:grpSpPr>
+        <a:xfrm>
+          <a:off x="0" y="0"/>
+          <a:ext cx="0" cy="0"/>
+          <a:chOff x="0" y="0"/>
+          <a:chExt cx="0" cy="0"/>
+        </a:xfrm>
+      </p:grpSpPr>
+      <p:sp>
+        <p:nvSpPr>
+          <p:cNvPr id="2" name="Title 1">
+            <a:extLst>
+              <a:ext uri="{FF2B5EF4-FFF2-40B4-BE49-F238E27FC236}">
+                <a16:creationId xmlns:a16="http://schemas.microsoft.com/office/drawing/2014/main" id="{CDA60978-3D97-8A50-04E9-7FBFE90A664E}"/>
+              </a:ext>
+            </a:extLst>
+          </p:cNvPr>
+          <p:cNvSpPr>
+            <a:spLocks noGrp="1"/>
+          </p:cNvSpPr>
+          <p:nvPr>
+            <p:ph type="title"/>
+          </p:nvPr>
+        </p:nvSpPr>
+        <p:spPr/>
+        <p:txBody>
+          <a:bodyPr/>
+          <a:lstStyle/>
+          <a:p>
+            <a:r>
+              <a:rPr lang="en-US" dirty="0"/>
+              <a:t>Segmentation – Fine-tuning</a:t>
+            </a:r>
+          </a:p>
+        </p:txBody>
+      </p:sp>
+      <p:sp>
+        <p:nvSpPr>
+          <p:cNvPr id="4" name="TextBox 3">
+            <a:extLst>
+              <a:ext uri="{FF2B5EF4-FFF2-40B4-BE49-F238E27FC236}">
+                <a16:creationId xmlns:a16="http://schemas.microsoft.com/office/drawing/2014/main" id="{F2C16258-C2D5-3C22-6286-F361B259A908}"/>
+              </a:ext>
+            </a:extLst>
+          </p:cNvPr>
+          <p:cNvSpPr txBox="1"/>
+          <p:nvPr/>
+        </p:nvSpPr>
+        <p:spPr>
+          <a:xfrm>
+            <a:off x="838200" y="1690688"/>
             <a:ext cx="10515601" cy="1477328"/>
           </a:xfrm>
           <a:prstGeom prst="rect">
@@ -12066,70 +12328,12 @@
           </a:prstGeom>
         </p:spPr>
       </p:pic>
-    </p:spTree>
-    <p:extLst>
-      <p:ext uri="{BB962C8B-B14F-4D97-AF65-F5344CB8AC3E}">
-        <p14:creationId xmlns:p14="http://schemas.microsoft.com/office/powerpoint/2010/main" val="4136094890"/>
-      </p:ext>
-    </p:extLst>
-  </p:cSld>
-  <p:clrMapOvr>
-    <a:masterClrMapping/>
-  </p:clrMapOvr>
-</p:sld>
-</file>
-
-<file path=ppt/slides/slide28.xml><?xml version="1.0" encoding="utf-8"?>
-<p:sld xmlns:a="http://schemas.openxmlformats.org/drawingml/2006/main" xmlns:r="http://schemas.openxmlformats.org/officeDocument/2006/relationships" xmlns:p="http://schemas.openxmlformats.org/presentationml/2006/main">
-  <p:cSld>
-    <p:spTree>
-      <p:nvGrpSpPr>
-        <p:cNvPr id="1" name=""/>
-        <p:cNvGrpSpPr/>
-        <p:nvPr/>
-      </p:nvGrpSpPr>
-      <p:grpSpPr>
-        <a:xfrm>
-          <a:off x="0" y="0"/>
-          <a:ext cx="0" cy="0"/>
-          <a:chOff x="0" y="0"/>
-          <a:chExt cx="0" cy="0"/>
-        </a:xfrm>
-      </p:grpSpPr>
-      <p:sp>
-        <p:nvSpPr>
-          <p:cNvPr id="2" name="Title 1">
-            <a:extLst>
-              <a:ext uri="{FF2B5EF4-FFF2-40B4-BE49-F238E27FC236}">
-                <a16:creationId xmlns:a16="http://schemas.microsoft.com/office/drawing/2014/main" id="{CDA60978-3D97-8A50-04E9-7FBFE90A664E}"/>
-              </a:ext>
-            </a:extLst>
-          </p:cNvPr>
-          <p:cNvSpPr>
-            <a:spLocks noGrp="1"/>
-          </p:cNvSpPr>
-          <p:nvPr>
-            <p:ph type="title"/>
-          </p:nvPr>
-        </p:nvSpPr>
-        <p:spPr/>
-        <p:txBody>
-          <a:bodyPr/>
-          <a:lstStyle/>
-          <a:p>
-            <a:r>
-              <a:rPr lang="en-US" dirty="0"/>
-              <a:t>Segmentation – Shadow Heuristic</a:t>
-            </a:r>
-          </a:p>
-        </p:txBody>
-      </p:sp>
       <p:sp>
         <p:nvSpPr>
           <p:cNvPr id="3" name="TextBox 2">
             <a:extLst>
               <a:ext uri="{FF2B5EF4-FFF2-40B4-BE49-F238E27FC236}">
-                <a16:creationId xmlns:a16="http://schemas.microsoft.com/office/drawing/2014/main" id="{60EA3E6D-B833-73BB-1841-B93419ED1904}"/>
+                <a16:creationId xmlns:a16="http://schemas.microsoft.com/office/drawing/2014/main" id="{1B43B037-058B-5A9F-A805-5129B6B8EF28}"/>
               </a:ext>
             </a:extLst>
           </p:cNvPr>
@@ -12138,8 +12342,8 @@
         </p:nvSpPr>
         <p:spPr>
           <a:xfrm>
-            <a:off x="1179442" y="1821600"/>
-            <a:ext cx="9064487" cy="4524315"/>
+            <a:off x="1511927" y="4493579"/>
+            <a:ext cx="9028625" cy="830997"/>
           </a:xfrm>
           <a:prstGeom prst="rect">
             <a:avLst/>
@@ -12147,140 +12351,35 @@
           <a:noFill/>
         </p:spPr>
         <p:txBody>
-          <a:bodyPr wrap="square">
+          <a:bodyPr wrap="none" rtlCol="0">
             <a:spAutoFit/>
           </a:bodyPr>
           <a:lstStyle/>
           <a:p>
             <a:r>
-              <a:rPr lang="en-GB" dirty="0">
+              <a:rPr lang="en-GB" sz="2400" i="1" dirty="0">
+                <a:effectLst/>
                 <a:latin typeface="SFRM1095"/>
               </a:rPr>
-              <a:t>After we fine-tuned a model on this dataset, we found it is not working as expected in real application. </a:t>
-            </a:r>
-          </a:p>
-          <a:p>
-            <a:endParaRPr lang="en-GB" dirty="0">
-              <a:latin typeface="SFRM1095"/>
-            </a:endParaRPr>
-          </a:p>
-          <a:p>
-            <a:r>
-              <a:rPr lang="en-GB" dirty="0">
+              <a:t>William is making spaghetti. Olivia will buy fresh tomatoes for William. </a:t>
+            </a:r>
+          </a:p>
+          <a:p>
+            <a:r>
+              <a:rPr lang="en-GB" sz="2400" i="1" dirty="0">
+                <a:effectLst/>
                 <a:latin typeface="SFRM1095"/>
               </a:rPr>
-              <a:t>For example:</a:t>
-            </a:r>
-          </a:p>
-          <a:p>
-            <a:endParaRPr lang="en-GB" dirty="0">
-              <a:latin typeface="SFRM1095"/>
-            </a:endParaRPr>
-          </a:p>
-          <a:p>
-            <a:r>
-              <a:rPr lang="en-GB" sz="1800" b="1" u="sng" dirty="0">
-                <a:effectLst/>
-                <a:latin typeface="SFTT1095"/>
-              </a:rPr>
-              <a:t>Amy</a:t>
-            </a:r>
-            <a:r>
-              <a:rPr lang="en-GB" sz="1800" dirty="0">
-                <a:effectLst/>
-                <a:latin typeface="SFTT1095"/>
-              </a:rPr>
-              <a:t> was doing her homework in lab, her friend Alice was there as well. </a:t>
-            </a:r>
-            <a:r>
-              <a:rPr lang="en-GB" sz="1800" b="1" u="sng" dirty="0">
-                <a:effectLst/>
-                <a:latin typeface="SFTT1095"/>
-              </a:rPr>
-              <a:t>James</a:t>
-            </a:r>
-            <a:r>
-              <a:rPr lang="en-GB" sz="1800" dirty="0">
-                <a:effectLst/>
-                <a:latin typeface="SFTT1095"/>
-              </a:rPr>
-              <a:t> is happy that he got a new dishwasher installed.</a:t>
-            </a:r>
-          </a:p>
-          <a:p>
-            <a:endParaRPr lang="en-GB" dirty="0">
-              <a:latin typeface="SFTT1095"/>
-            </a:endParaRPr>
-          </a:p>
-          <a:p>
-            <a:r>
-              <a:rPr lang="en-GB" sz="1800" dirty="0">
-                <a:effectLst/>
-                <a:latin typeface="SFTT1095"/>
-              </a:rPr>
-              <a:t>However:</a:t>
-            </a:r>
-          </a:p>
-          <a:p>
-            <a:endParaRPr lang="en-GB" dirty="0">
-              <a:latin typeface="SFTT1095"/>
-            </a:endParaRPr>
-          </a:p>
-          <a:p>
-            <a:r>
-              <a:rPr lang="en-GB" sz="1800" b="1" u="sng" dirty="0">
-                <a:effectLst/>
-                <a:latin typeface="SFTT1095"/>
-              </a:rPr>
-              <a:t>Amy</a:t>
-            </a:r>
-            <a:r>
-              <a:rPr lang="en-GB" sz="1800" dirty="0">
-                <a:effectLst/>
-                <a:latin typeface="SFTT1095"/>
-              </a:rPr>
-              <a:t> was doing her homework in lab, her friend Alice was there as well. </a:t>
-            </a:r>
-            <a:r>
-              <a:rPr lang="en-GB" sz="1800" b="1" u="sng" dirty="0">
-                <a:effectLst/>
-                <a:latin typeface="SFTT1095"/>
-              </a:rPr>
-              <a:t>Amy</a:t>
-            </a:r>
-            <a:r>
-              <a:rPr lang="en-GB" sz="1800" dirty="0">
-                <a:effectLst/>
-                <a:latin typeface="SFTT1095"/>
-              </a:rPr>
-              <a:t> is happy that she got a new dishwasher installed.</a:t>
-            </a:r>
-            <a:endParaRPr lang="en-GB" dirty="0"/>
-          </a:p>
-          <a:p>
-            <a:endParaRPr lang="en-GB" dirty="0"/>
-          </a:p>
-          <a:p>
-            <a:endParaRPr lang="en-GB" dirty="0">
-              <a:latin typeface="SFRM1095"/>
-            </a:endParaRPr>
-          </a:p>
-          <a:p>
-            <a:endParaRPr lang="en-GB" dirty="0">
-              <a:latin typeface="SFRM1095"/>
-            </a:endParaRPr>
-          </a:p>
-          <a:p>
-            <a:endParaRPr lang="en-GB" dirty="0">
-              <a:latin typeface="SFRM1095"/>
-            </a:endParaRPr>
+              <a:t>William also wants to organise a board games night for his colleagues. </a:t>
+            </a:r>
+            <a:endParaRPr lang="en-GB" sz="2400" i="1" dirty="0"/>
           </a:p>
         </p:txBody>
       </p:sp>
     </p:spTree>
     <p:extLst>
       <p:ext uri="{BB962C8B-B14F-4D97-AF65-F5344CB8AC3E}">
-        <p14:creationId xmlns:p14="http://schemas.microsoft.com/office/powerpoint/2010/main" val="920613161"/>
+        <p14:creationId xmlns:p14="http://schemas.microsoft.com/office/powerpoint/2010/main" val="3570893875"/>
       </p:ext>
     </p:extLst>
   </p:cSld>
@@ -12330,57 +12429,27 @@
           <a:p>
             <a:r>
               <a:rPr lang="en-US" dirty="0"/>
-              <a:t>Segmentation – Augmentation</a:t>
-            </a:r>
-          </a:p>
-        </p:txBody>
-      </p:sp>
-      <p:pic>
-        <p:nvPicPr>
-          <p:cNvPr id="5" name="Picture 4" descr="A picture containing text, font, screenshot, white&#10;&#10;Description automatically generated">
-            <a:extLst>
-              <a:ext uri="{FF2B5EF4-FFF2-40B4-BE49-F238E27FC236}">
-                <a16:creationId xmlns:a16="http://schemas.microsoft.com/office/drawing/2014/main" id="{0B74921B-6FC9-A34F-580C-E9587C6AE786}"/>
-              </a:ext>
-            </a:extLst>
-          </p:cNvPr>
-          <p:cNvPicPr>
-            <a:picLocks noChangeAspect="1"/>
-          </p:cNvPicPr>
+              <a:t>Segmentation – Shadow Heuristic</a:t>
+            </a:r>
+          </a:p>
+        </p:txBody>
+      </p:sp>
+      <p:sp>
+        <p:nvSpPr>
+          <p:cNvPr id="3" name="TextBox 2">
+            <a:extLst>
+              <a:ext uri="{FF2B5EF4-FFF2-40B4-BE49-F238E27FC236}">
+                <a16:creationId xmlns:a16="http://schemas.microsoft.com/office/drawing/2014/main" id="{60EA3E6D-B833-73BB-1841-B93419ED1904}"/>
+              </a:ext>
+            </a:extLst>
+          </p:cNvPr>
+          <p:cNvSpPr txBox="1"/>
           <p:nvPr/>
-        </p:nvPicPr>
-        <p:blipFill>
-          <a:blip r:embed="rId3"/>
-          <a:stretch>
-            <a:fillRect/>
-          </a:stretch>
-        </p:blipFill>
+        </p:nvSpPr>
         <p:spPr>
           <a:xfrm>
-            <a:off x="1301308" y="2954972"/>
-            <a:ext cx="9589383" cy="3048845"/>
-          </a:xfrm>
-          <a:prstGeom prst="rect">
-            <a:avLst/>
-          </a:prstGeom>
-        </p:spPr>
-      </p:pic>
-      <p:sp>
-        <p:nvSpPr>
-          <p:cNvPr id="6" name="TextBox 5">
-            <a:extLst>
-              <a:ext uri="{FF2B5EF4-FFF2-40B4-BE49-F238E27FC236}">
-                <a16:creationId xmlns:a16="http://schemas.microsoft.com/office/drawing/2014/main" id="{5D84C144-5AB3-D7BE-1AA3-DE8E063F1EA0}"/>
-              </a:ext>
-            </a:extLst>
-          </p:cNvPr>
-          <p:cNvSpPr txBox="1"/>
-          <p:nvPr/>
-        </p:nvSpPr>
-        <p:spPr>
-          <a:xfrm>
-            <a:off x="838200" y="1690688"/>
-            <a:ext cx="9047922" cy="646331"/>
+            <a:off x="734372" y="1690688"/>
+            <a:ext cx="11276814" cy="5693866"/>
           </a:xfrm>
           <a:prstGeom prst="rect">
             <a:avLst/>
@@ -12394,19 +12463,134 @@
           <a:lstStyle/>
           <a:p>
             <a:r>
-              <a:rPr lang="en-GB" dirty="0">
+              <a:rPr lang="en-GB" sz="2400" dirty="0">
                 <a:latin typeface="SFRM1095"/>
               </a:rPr>
-              <a:t>To make model rely less on this heuristic, augment our dataset by setting one main person for each segment, for example:</a:t>
-            </a:r>
-            <a:endParaRPr lang="en-GB" dirty="0"/>
+              <a:t>After we fine-tuned a model on this dataset, we found it is not working as expected in real application. </a:t>
+            </a:r>
+          </a:p>
+          <a:p>
+            <a:endParaRPr lang="en-GB" sz="2400" dirty="0">
+              <a:latin typeface="SFRM1095"/>
+            </a:endParaRPr>
+          </a:p>
+          <a:p>
+            <a:r>
+              <a:rPr lang="en-GB" sz="2400" dirty="0">
+                <a:latin typeface="SFRM1095"/>
+              </a:rPr>
+              <a:t>For example:</a:t>
+            </a:r>
+          </a:p>
+          <a:p>
+            <a:endParaRPr lang="en-GB" sz="2400" dirty="0">
+              <a:latin typeface="SFRM1095"/>
+            </a:endParaRPr>
+          </a:p>
+          <a:p>
+            <a:r>
+              <a:rPr lang="en-GB" sz="2400" b="1" u="sng" dirty="0">
+                <a:effectLst/>
+                <a:latin typeface="SFTT1095"/>
+              </a:rPr>
+              <a:t>Amy</a:t>
+            </a:r>
+            <a:r>
+              <a:rPr lang="en-GB" sz="2400" dirty="0">
+                <a:effectLst/>
+                <a:latin typeface="SFTT1095"/>
+              </a:rPr>
+              <a:t> was doing her homework in lab, her friend Alice was there as well. </a:t>
+            </a:r>
+            <a:r>
+              <a:rPr lang="en-GB" sz="2400" b="1" u="sng" dirty="0">
+                <a:effectLst/>
+                <a:latin typeface="SFTT1095"/>
+              </a:rPr>
+              <a:t>James</a:t>
+            </a:r>
+            <a:r>
+              <a:rPr lang="en-GB" sz="2400" dirty="0">
+                <a:effectLst/>
+                <a:latin typeface="SFTT1095"/>
+              </a:rPr>
+              <a:t> is happy that he got a new dishwasher installed.</a:t>
+            </a:r>
+          </a:p>
+          <a:p>
+            <a:endParaRPr lang="en-GB" sz="2400" dirty="0">
+              <a:latin typeface="SFTT1095"/>
+            </a:endParaRPr>
+          </a:p>
+          <a:p>
+            <a:r>
+              <a:rPr lang="en-GB" sz="2400" dirty="0">
+                <a:effectLst/>
+                <a:latin typeface="SFTT1095"/>
+              </a:rPr>
+              <a:t>However:</a:t>
+            </a:r>
+          </a:p>
+          <a:p>
+            <a:endParaRPr lang="en-GB" sz="2400" dirty="0">
+              <a:latin typeface="SFTT1095"/>
+            </a:endParaRPr>
+          </a:p>
+          <a:p>
+            <a:r>
+              <a:rPr lang="en-GB" sz="2400" b="1" u="sng" dirty="0">
+                <a:effectLst/>
+                <a:latin typeface="SFTT1095"/>
+              </a:rPr>
+              <a:t>Amy</a:t>
+            </a:r>
+            <a:r>
+              <a:rPr lang="en-GB" sz="2400" dirty="0">
+                <a:effectLst/>
+                <a:latin typeface="SFTT1095"/>
+              </a:rPr>
+              <a:t> was doing her homework in lab, her friend Alice was there as well. </a:t>
+            </a:r>
+            <a:r>
+              <a:rPr lang="en-GB" sz="2400" b="1" u="sng" dirty="0">
+                <a:effectLst/>
+                <a:latin typeface="SFTT1095"/>
+              </a:rPr>
+              <a:t>Amy</a:t>
+            </a:r>
+            <a:r>
+              <a:rPr lang="en-GB" sz="2400" dirty="0">
+                <a:effectLst/>
+                <a:latin typeface="SFTT1095"/>
+              </a:rPr>
+              <a:t> is happy that she got a new dishwasher installed.</a:t>
+            </a:r>
+            <a:endParaRPr lang="en-GB" sz="2400" dirty="0"/>
+          </a:p>
+          <a:p>
+            <a:endParaRPr lang="en-GB" sz="2000" dirty="0"/>
+          </a:p>
+          <a:p>
+            <a:endParaRPr lang="en-GB" sz="2000" dirty="0">
+              <a:latin typeface="SFRM1095"/>
+            </a:endParaRPr>
+          </a:p>
+          <a:p>
+            <a:endParaRPr lang="en-GB" dirty="0">
+              <a:latin typeface="SFRM1095"/>
+            </a:endParaRPr>
+          </a:p>
+          <a:p>
+            <a:endParaRPr lang="en-GB" dirty="0">
+              <a:latin typeface="SFRM1095"/>
+            </a:endParaRPr>
           </a:p>
         </p:txBody>
       </p:sp>
     </p:spTree>
     <p:extLst>
       <p:ext uri="{BB962C8B-B14F-4D97-AF65-F5344CB8AC3E}">
-        <p14:creationId xmlns:p14="http://schemas.microsoft.com/office/powerpoint/2010/main" val="2550687423"/>
+        <p14:creationId xmlns:p14="http://schemas.microsoft.com/office/powerpoint/2010/main" val="920613161"/>
       </p:ext>
     </p:extLst>
   </p:cSld>
@@ -12533,7 +12717,7 @@
           <p:cNvPr id="2" name="Title 1">
             <a:extLst>
               <a:ext uri="{FF2B5EF4-FFF2-40B4-BE49-F238E27FC236}">
-                <a16:creationId xmlns:a16="http://schemas.microsoft.com/office/drawing/2014/main" id="{A68FE304-36B2-2604-9D3E-82CE826F863C}"/>
+                <a16:creationId xmlns:a16="http://schemas.microsoft.com/office/drawing/2014/main" id="{CDA60978-3D97-8A50-04E9-7FBFE90A664E}"/>
               </a:ext>
             </a:extLst>
           </p:cNvPr>
@@ -12558,10 +12742,10 @@
       </p:sp>
       <p:pic>
         <p:nvPicPr>
-          <p:cNvPr id="7" name="Picture 6" descr="A picture containing text, diagram, line, plot&#10;&#10;Description automatically generated">
-            <a:extLst>
-              <a:ext uri="{FF2B5EF4-FFF2-40B4-BE49-F238E27FC236}">
-                <a16:creationId xmlns:a16="http://schemas.microsoft.com/office/drawing/2014/main" id="{5BD12251-CB43-C09C-01CE-3BB455913953}"/>
+          <p:cNvPr id="5" name="Picture 4" descr="A picture containing text, font, screenshot, white&#10;&#10;Description automatically generated">
+            <a:extLst>
+              <a:ext uri="{FF2B5EF4-FFF2-40B4-BE49-F238E27FC236}">
+                <a16:creationId xmlns:a16="http://schemas.microsoft.com/office/drawing/2014/main" id="{0B74921B-6FC9-A34F-580C-E9587C6AE786}"/>
               </a:ext>
             </a:extLst>
           </p:cNvPr>
@@ -12578,60 +12762,30 @@
         </p:blipFill>
         <p:spPr>
           <a:xfrm>
-            <a:off x="6096000" y="2540268"/>
-            <a:ext cx="5514838" cy="3698443"/>
+            <a:off x="1301308" y="2954972"/>
+            <a:ext cx="9589383" cy="3048845"/>
           </a:xfrm>
           <a:prstGeom prst="rect">
             <a:avLst/>
           </a:prstGeom>
         </p:spPr>
       </p:pic>
-      <p:pic>
-        <p:nvPicPr>
-          <p:cNvPr id="9" name="Picture 8" descr="A picture containing text, diagram, line, plot&#10;&#10;Description automatically generated">
-            <a:extLst>
-              <a:ext uri="{FF2B5EF4-FFF2-40B4-BE49-F238E27FC236}">
-                <a16:creationId xmlns:a16="http://schemas.microsoft.com/office/drawing/2014/main" id="{85F62D1C-FC23-AB14-4F31-0F1D8E9CAB24}"/>
-              </a:ext>
-            </a:extLst>
-          </p:cNvPr>
-          <p:cNvPicPr>
-            <a:picLocks noChangeAspect="1"/>
-          </p:cNvPicPr>
+      <p:sp>
+        <p:nvSpPr>
+          <p:cNvPr id="6" name="TextBox 5">
+            <a:extLst>
+              <a:ext uri="{FF2B5EF4-FFF2-40B4-BE49-F238E27FC236}">
+                <a16:creationId xmlns:a16="http://schemas.microsoft.com/office/drawing/2014/main" id="{5D84C144-5AB3-D7BE-1AA3-DE8E063F1EA0}"/>
+              </a:ext>
+            </a:extLst>
+          </p:cNvPr>
+          <p:cNvSpPr txBox="1"/>
           <p:nvPr/>
-        </p:nvPicPr>
-        <p:blipFill>
-          <a:blip r:embed="rId4"/>
-          <a:stretch>
-            <a:fillRect/>
-          </a:stretch>
-        </p:blipFill>
+        </p:nvSpPr>
         <p:spPr>
           <a:xfrm>
-            <a:off x="185530" y="2589964"/>
-            <a:ext cx="5514837" cy="3750533"/>
-          </a:xfrm>
-          <a:prstGeom prst="rect">
-            <a:avLst/>
-          </a:prstGeom>
-        </p:spPr>
-      </p:pic>
-      <p:sp>
-        <p:nvSpPr>
-          <p:cNvPr id="10" name="TextBox 9">
-            <a:extLst>
-              <a:ext uri="{FF2B5EF4-FFF2-40B4-BE49-F238E27FC236}">
-                <a16:creationId xmlns:a16="http://schemas.microsoft.com/office/drawing/2014/main" id="{4DCD109E-597C-3510-3610-A147F80D6D42}"/>
-              </a:ext>
-            </a:extLst>
-          </p:cNvPr>
-          <p:cNvSpPr txBox="1"/>
-          <p:nvPr/>
-        </p:nvSpPr>
-        <p:spPr>
-          <a:xfrm>
-            <a:off x="636104" y="1930812"/>
-            <a:ext cx="2144305" cy="369332"/>
+            <a:off x="838200" y="1690688"/>
+            <a:ext cx="9047922" cy="707886"/>
           </a:xfrm>
           <a:prstGeom prst="rect">
             <a:avLst/>
@@ -12639,22 +12793,25 @@
           <a:noFill/>
         </p:spPr>
         <p:txBody>
-          <a:bodyPr wrap="none" rtlCol="0">
+          <a:bodyPr wrap="square">
             <a:spAutoFit/>
           </a:bodyPr>
           <a:lstStyle/>
           <a:p>
             <a:r>
-              <a:rPr lang="en-US" dirty="0"/>
-              <a:t>Token level accuracy</a:t>
-            </a:r>
+              <a:rPr lang="en-GB" sz="2000" dirty="0">
+                <a:latin typeface="SFRM1095"/>
+              </a:rPr>
+              <a:t>To make model rely less on this heuristic, augment our dataset by setting one main person for each segment, for example:</a:t>
+            </a:r>
+            <a:endParaRPr lang="en-GB" sz="2000" dirty="0"/>
           </a:p>
         </p:txBody>
       </p:sp>
     </p:spTree>
     <p:extLst>
       <p:ext uri="{BB962C8B-B14F-4D97-AF65-F5344CB8AC3E}">
-        <p14:creationId xmlns:p14="http://schemas.microsoft.com/office/powerpoint/2010/main" val="2558392261"/>
+        <p14:creationId xmlns:p14="http://schemas.microsoft.com/office/powerpoint/2010/main" val="2550687423"/>
       </p:ext>
     </p:extLst>
   </p:cSld>
@@ -12711,10 +12868,10 @@
       </p:sp>
       <p:pic>
         <p:nvPicPr>
-          <p:cNvPr id="4" name="Picture 3" descr="A picture containing text, font, number, screenshot&#10;&#10;Description automatically generated">
-            <a:extLst>
-              <a:ext uri="{FF2B5EF4-FFF2-40B4-BE49-F238E27FC236}">
-                <a16:creationId xmlns:a16="http://schemas.microsoft.com/office/drawing/2014/main" id="{9CDE809A-B1E6-03AF-F931-3837BFFD6983}"/>
+          <p:cNvPr id="7" name="Picture 6" descr="A picture containing text, diagram, line, plot&#10;&#10;Description automatically generated">
+            <a:extLst>
+              <a:ext uri="{FF2B5EF4-FFF2-40B4-BE49-F238E27FC236}">
+                <a16:creationId xmlns:a16="http://schemas.microsoft.com/office/drawing/2014/main" id="{5BD12251-CB43-C09C-01CE-3BB455913953}"/>
               </a:ext>
             </a:extLst>
           </p:cNvPr>
@@ -12731,20 +12888,50 @@
         </p:blipFill>
         <p:spPr>
           <a:xfrm>
-            <a:off x="1146313" y="3109291"/>
-            <a:ext cx="9296398" cy="1515717"/>
+            <a:off x="6096000" y="2540268"/>
+            <a:ext cx="5514838" cy="3698443"/>
           </a:xfrm>
           <a:prstGeom prst="rect">
             <a:avLst/>
           </a:prstGeom>
         </p:spPr>
       </p:pic>
-      <p:sp>
-        <p:nvSpPr>
-          <p:cNvPr id="5" name="TextBox 4">
-            <a:extLst>
-              <a:ext uri="{FF2B5EF4-FFF2-40B4-BE49-F238E27FC236}">
-                <a16:creationId xmlns:a16="http://schemas.microsoft.com/office/drawing/2014/main" id="{4A4D4D71-8B0C-E73F-60A5-36A5A0E4943D}"/>
+      <p:pic>
+        <p:nvPicPr>
+          <p:cNvPr id="9" name="Picture 8" descr="A picture containing text, diagram, line, plot&#10;&#10;Description automatically generated">
+            <a:extLst>
+              <a:ext uri="{FF2B5EF4-FFF2-40B4-BE49-F238E27FC236}">
+                <a16:creationId xmlns:a16="http://schemas.microsoft.com/office/drawing/2014/main" id="{85F62D1C-FC23-AB14-4F31-0F1D8E9CAB24}"/>
+              </a:ext>
+            </a:extLst>
+          </p:cNvPr>
+          <p:cNvPicPr>
+            <a:picLocks noChangeAspect="1"/>
+          </p:cNvPicPr>
+          <p:nvPr/>
+        </p:nvPicPr>
+        <p:blipFill>
+          <a:blip r:embed="rId4"/>
+          <a:stretch>
+            <a:fillRect/>
+          </a:stretch>
+        </p:blipFill>
+        <p:spPr>
+          <a:xfrm>
+            <a:off x="185530" y="2589964"/>
+            <a:ext cx="5514837" cy="3750533"/>
+          </a:xfrm>
+          <a:prstGeom prst="rect">
+            <a:avLst/>
+          </a:prstGeom>
+        </p:spPr>
+      </p:pic>
+      <p:sp>
+        <p:nvSpPr>
+          <p:cNvPr id="10" name="TextBox 9">
+            <a:extLst>
+              <a:ext uri="{FF2B5EF4-FFF2-40B4-BE49-F238E27FC236}">
+                <a16:creationId xmlns:a16="http://schemas.microsoft.com/office/drawing/2014/main" id="{4DCD109E-597C-3510-3610-A147F80D6D42}"/>
               </a:ext>
             </a:extLst>
           </p:cNvPr>
@@ -12753,8 +12940,8 @@
         </p:nvSpPr>
         <p:spPr>
           <a:xfrm>
-            <a:off x="1272209" y="2030657"/>
-            <a:ext cx="7647478" cy="369332"/>
+            <a:off x="636104" y="1930812"/>
+            <a:ext cx="2144305" cy="369332"/>
           </a:xfrm>
           <a:prstGeom prst="rect">
             <a:avLst/>
@@ -12769,7 +12956,7 @@
           <a:p>
             <a:r>
               <a:rPr lang="en-US" dirty="0"/>
-              <a:t>Comparison between original model and augmented model on the new dataset</a:t>
+              <a:t>Token level accuracy</a:t>
             </a:r>
           </a:p>
         </p:txBody>
@@ -12777,7 +12964,7 @@
     </p:spTree>
     <p:extLst>
       <p:ext uri="{BB962C8B-B14F-4D97-AF65-F5344CB8AC3E}">
-        <p14:creationId xmlns:p14="http://schemas.microsoft.com/office/powerpoint/2010/main" val="647281530"/>
+        <p14:creationId xmlns:p14="http://schemas.microsoft.com/office/powerpoint/2010/main" val="2558392261"/>
       </p:ext>
     </p:extLst>
   </p:cSld>
@@ -12809,7 +12996,7 @@
           <p:cNvPr id="2" name="Title 1">
             <a:extLst>
               <a:ext uri="{FF2B5EF4-FFF2-40B4-BE49-F238E27FC236}">
-                <a16:creationId xmlns:a16="http://schemas.microsoft.com/office/drawing/2014/main" id="{DF3DF96E-C3F7-FC3B-B2DB-0F63D14CF922}"/>
+                <a16:creationId xmlns:a16="http://schemas.microsoft.com/office/drawing/2014/main" id="{A68FE304-36B2-2604-9D3E-82CE826F863C}"/>
               </a:ext>
             </a:extLst>
           </p:cNvPr>
@@ -12820,54 +13007,87 @@
             <p:ph type="title"/>
           </p:nvPr>
         </p:nvSpPr>
+        <p:spPr/>
+        <p:txBody>
+          <a:bodyPr/>
+          <a:lstStyle/>
+          <a:p>
+            <a:r>
+              <a:rPr lang="en-US" dirty="0"/>
+              <a:t>Segmentation – Augmentation</a:t>
+            </a:r>
+          </a:p>
+        </p:txBody>
+      </p:sp>
+      <p:pic>
+        <p:nvPicPr>
+          <p:cNvPr id="4" name="Picture 3" descr="A picture containing text, font, number, screenshot&#10;&#10;Description automatically generated">
+            <a:extLst>
+              <a:ext uri="{FF2B5EF4-FFF2-40B4-BE49-F238E27FC236}">
+                <a16:creationId xmlns:a16="http://schemas.microsoft.com/office/drawing/2014/main" id="{9CDE809A-B1E6-03AF-F931-3837BFFD6983}"/>
+              </a:ext>
+            </a:extLst>
+          </p:cNvPr>
+          <p:cNvPicPr>
+            <a:picLocks noChangeAspect="1"/>
+          </p:cNvPicPr>
+          <p:nvPr/>
+        </p:nvPicPr>
+        <p:blipFill>
+          <a:blip r:embed="rId3"/>
+          <a:stretch>
+            <a:fillRect/>
+          </a:stretch>
+        </p:blipFill>
         <p:spPr>
           <a:xfrm>
-            <a:off x="189593" y="1736726"/>
-            <a:ext cx="12002407" cy="2852737"/>
+            <a:off x="1146313" y="3109291"/>
+            <a:ext cx="9296398" cy="1515717"/>
           </a:xfrm>
+          <a:prstGeom prst="rect">
+            <a:avLst/>
+          </a:prstGeom>
         </p:spPr>
-        <p:txBody>
-          <a:bodyPr>
-            <a:normAutofit/>
+      </p:pic>
+      <p:sp>
+        <p:nvSpPr>
+          <p:cNvPr id="5" name="TextBox 4">
+            <a:extLst>
+              <a:ext uri="{FF2B5EF4-FFF2-40B4-BE49-F238E27FC236}">
+                <a16:creationId xmlns:a16="http://schemas.microsoft.com/office/drawing/2014/main" id="{4A4D4D71-8B0C-E73F-60A5-36A5A0E4943D}"/>
+              </a:ext>
+            </a:extLst>
+          </p:cNvPr>
+          <p:cNvSpPr txBox="1"/>
+          <p:nvPr/>
+        </p:nvSpPr>
+        <p:spPr>
+          <a:xfrm>
+            <a:off x="1272209" y="2030657"/>
+            <a:ext cx="10102894" cy="461665"/>
+          </a:xfrm>
+          <a:prstGeom prst="rect">
+            <a:avLst/>
+          </a:prstGeom>
+          <a:noFill/>
+        </p:spPr>
+        <p:txBody>
+          <a:bodyPr wrap="none" rtlCol="0">
+            <a:spAutoFit/>
           </a:bodyPr>
           <a:lstStyle/>
           <a:p>
             <a:r>
-              <a:rPr lang="en-US" sz="5400" dirty="0"/>
-              <a:t>Knowledge Extraction – Sentiment Analysis</a:t>
-            </a:r>
-          </a:p>
-        </p:txBody>
-      </p:sp>
-      <p:sp>
-        <p:nvSpPr>
-          <p:cNvPr id="3" name="Text Placeholder 2">
-            <a:extLst>
-              <a:ext uri="{FF2B5EF4-FFF2-40B4-BE49-F238E27FC236}">
-                <a16:creationId xmlns:a16="http://schemas.microsoft.com/office/drawing/2014/main" id="{1B0493C5-2EF7-B7CA-6B63-5ECC0D6C692E}"/>
-              </a:ext>
-            </a:extLst>
-          </p:cNvPr>
-          <p:cNvSpPr>
-            <a:spLocks noGrp="1"/>
-          </p:cNvSpPr>
-          <p:nvPr>
-            <p:ph type="body" idx="1"/>
-          </p:nvPr>
-        </p:nvSpPr>
-        <p:spPr/>
-        <p:txBody>
-          <a:bodyPr/>
-          <a:lstStyle/>
-          <a:p>
-            <a:endParaRPr lang="en-US" dirty="0"/>
+              <a:rPr lang="en-US" sz="2400" dirty="0"/>
+              <a:t>Comparison between original model and augmented model on the new dataset</a:t>
+            </a:r>
           </a:p>
         </p:txBody>
       </p:sp>
     </p:spTree>
     <p:extLst>
       <p:ext uri="{BB962C8B-B14F-4D97-AF65-F5344CB8AC3E}">
-        <p14:creationId xmlns:p14="http://schemas.microsoft.com/office/powerpoint/2010/main" val="3908027174"/>
+        <p14:creationId xmlns:p14="http://schemas.microsoft.com/office/powerpoint/2010/main" val="647281530"/>
       </p:ext>
     </p:extLst>
   </p:cSld>
@@ -12899,7 +13119,7 @@
           <p:cNvPr id="2" name="Title 1">
             <a:extLst>
               <a:ext uri="{FF2B5EF4-FFF2-40B4-BE49-F238E27FC236}">
-                <a16:creationId xmlns:a16="http://schemas.microsoft.com/office/drawing/2014/main" id="{FBFE601A-D877-7F5C-EDD3-C796C1F13F9B}"/>
+                <a16:creationId xmlns:a16="http://schemas.microsoft.com/office/drawing/2014/main" id="{DF3DF96E-C3F7-FC3B-B2DB-0F63D14CF922}"/>
               </a:ext>
             </a:extLst>
           </p:cNvPr>
@@ -12908,87 +13128,47 @@
           </p:cNvSpPr>
           <p:nvPr>
             <p:ph type="title"/>
-          </p:nvPr>
-        </p:nvSpPr>
-        <p:spPr/>
-        <p:txBody>
-          <a:bodyPr/>
-          <a:lstStyle/>
-          <a:p>
-            <a:r>
-              <a:rPr lang="en-US" dirty="0"/>
-              <a:t>Emotion Intensity – Motivation</a:t>
-            </a:r>
-          </a:p>
-        </p:txBody>
-      </p:sp>
-      <p:sp>
-        <p:nvSpPr>
-          <p:cNvPr id="3" name="Content Placeholder 2">
-            <a:extLst>
-              <a:ext uri="{FF2B5EF4-FFF2-40B4-BE49-F238E27FC236}">
-                <a16:creationId xmlns:a16="http://schemas.microsoft.com/office/drawing/2014/main" id="{40E2BEB7-4CE2-E0F2-5329-34F5FFBF9643}"/>
-              </a:ext>
-            </a:extLst>
-          </p:cNvPr>
-          <p:cNvSpPr>
-            <a:spLocks noGrp="1"/>
-          </p:cNvSpPr>
-          <p:nvPr>
-            <p:ph idx="1"/>
           </p:nvPr>
         </p:nvSpPr>
         <p:spPr>
           <a:xfrm>
-            <a:off x="838200" y="1825625"/>
-            <a:ext cx="11033502" cy="4351338"/>
+            <a:off x="189593" y="1736726"/>
+            <a:ext cx="12002407" cy="2852737"/>
           </a:xfrm>
         </p:spPr>
         <p:txBody>
-          <a:bodyPr/>
-          <a:lstStyle/>
-          <a:p>
-            <a:pPr marL="0" indent="0">
-              <a:buNone/>
-            </a:pPr>
-            <a:r>
-              <a:rPr lang="en-GB" sz="1800" dirty="0">
-                <a:latin typeface="SFTT1095"/>
-              </a:rPr>
-              <a:t>The stronger the emotion a user has about an event, that event might be more important/helpful to know to generate response.</a:t>
-            </a:r>
-            <a:endParaRPr lang="en-GB" sz="1800" dirty="0">
-              <a:effectLst/>
-              <a:latin typeface="SFTT1095"/>
-            </a:endParaRPr>
-          </a:p>
-          <a:p>
-            <a:pPr marL="0" indent="0">
-              <a:buNone/>
-            </a:pPr>
-            <a:endParaRPr lang="en-GB" sz="1800" dirty="0">
-              <a:latin typeface="SFTT1095"/>
-            </a:endParaRPr>
-          </a:p>
-          <a:p>
-            <a:pPr marL="0" indent="0">
-              <a:buNone/>
-            </a:pPr>
-            <a:r>
-              <a:rPr lang="en-GB" sz="1800" dirty="0">
-                <a:latin typeface="SFTT1095"/>
-              </a:rPr>
-              <a:t>We assigned each knowledge segment an emotion intensity value to indicate this importance of the knowledge.</a:t>
-            </a:r>
-          </a:p>
-          <a:p>
-            <a:pPr marL="0" indent="0">
-              <a:buNone/>
-            </a:pPr>
-            <a:endParaRPr lang="en-GB" sz="1800" dirty="0">
-              <a:latin typeface="SFTT1095"/>
-            </a:endParaRPr>
-          </a:p>
+          <a:bodyPr>
+            <a:normAutofit/>
+          </a:bodyPr>
+          <a:lstStyle/>
+          <a:p>
+            <a:r>
+              <a:rPr lang="en-US" sz="5400" dirty="0"/>
+              <a:t>Knowledge Extraction – Sentiment Analysis</a:t>
+            </a:r>
+          </a:p>
+        </p:txBody>
+      </p:sp>
+      <p:sp>
+        <p:nvSpPr>
+          <p:cNvPr id="3" name="Text Placeholder 2">
+            <a:extLst>
+              <a:ext uri="{FF2B5EF4-FFF2-40B4-BE49-F238E27FC236}">
+                <a16:creationId xmlns:a16="http://schemas.microsoft.com/office/drawing/2014/main" id="{1B0493C5-2EF7-B7CA-6B63-5ECC0D6C692E}"/>
+              </a:ext>
+            </a:extLst>
+          </p:cNvPr>
+          <p:cNvSpPr>
+            <a:spLocks noGrp="1"/>
+          </p:cNvSpPr>
+          <p:nvPr>
+            <p:ph type="body" idx="1"/>
+          </p:nvPr>
+        </p:nvSpPr>
+        <p:spPr/>
+        <p:txBody>
+          <a:bodyPr/>
+          <a:lstStyle/>
           <a:p>
             <a:endParaRPr lang="en-US" dirty="0"/>
           </a:p>
@@ -12997,7 +13177,7 @@
     </p:spTree>
     <p:extLst>
       <p:ext uri="{BB962C8B-B14F-4D97-AF65-F5344CB8AC3E}">
-        <p14:creationId xmlns:p14="http://schemas.microsoft.com/office/powerpoint/2010/main" val="1153354526"/>
+        <p14:creationId xmlns:p14="http://schemas.microsoft.com/office/powerpoint/2010/main" val="3908027174"/>
       </p:ext>
     </p:extLst>
   </p:cSld>
@@ -13047,7 +13227,7 @@
           <a:p>
             <a:r>
               <a:rPr lang="en-US" dirty="0"/>
-              <a:t>Emotion Intensity – Methods</a:t>
+              <a:t>Emotion Intensity – Motivation</a:t>
             </a:r>
           </a:p>
         </p:txBody>
@@ -13070,73 +13250,45 @@
         </p:nvSpPr>
         <p:spPr>
           <a:xfrm>
-            <a:off x="1427135" y="1903116"/>
-            <a:ext cx="10515600" cy="4351338"/>
+            <a:off x="838200" y="1825625"/>
+            <a:ext cx="11033502" cy="4351338"/>
           </a:xfrm>
         </p:spPr>
         <p:txBody>
-          <a:bodyPr/>
-          <a:lstStyle/>
-          <a:p>
-            <a:pPr marL="0" indent="0">
-              <a:buNone/>
-            </a:pPr>
-            <a:endParaRPr lang="en-GB" sz="1800" dirty="0">
-              <a:latin typeface="SFTT1095"/>
-            </a:endParaRPr>
-          </a:p>
-          <a:p>
-            <a:pPr marL="0" indent="0">
-              <a:buNone/>
-            </a:pPr>
-            <a:r>
-              <a:rPr lang="en-GB" sz="1800" dirty="0">
-                <a:latin typeface="SFTT1095"/>
-              </a:rPr>
-              <a:t>Sentiment analysis on</a:t>
-            </a:r>
-          </a:p>
-          <a:p>
-            <a:r>
-              <a:rPr lang="en-GB" sz="1800" dirty="0">
-                <a:latin typeface="SFTT1095"/>
-              </a:rPr>
-              <a:t>user’s utterances </a:t>
-            </a:r>
-          </a:p>
-          <a:p>
-            <a:r>
-              <a:rPr lang="en-GB" sz="1800" dirty="0">
-                <a:latin typeface="SFTT1095"/>
-              </a:rPr>
-              <a:t>knowledge expression itself </a:t>
-            </a:r>
-          </a:p>
-          <a:p>
-            <a:pPr marL="0" indent="0">
-              <a:buNone/>
-            </a:pPr>
-            <a:r>
-              <a:rPr lang="en-GB" sz="1800" dirty="0">
-                <a:latin typeface="SFTT1095"/>
-              </a:rPr>
-              <a:t>to get an ‘emotion intensity’ value.</a:t>
-            </a:r>
-          </a:p>
-          <a:p>
-            <a:pPr marL="0" indent="0">
-              <a:buNone/>
-            </a:pPr>
-            <a:endParaRPr lang="en-GB" sz="1800" dirty="0">
-              <a:latin typeface="SFTT1095"/>
-            </a:endParaRPr>
+          <a:bodyPr>
+            <a:normAutofit/>
+          </a:bodyPr>
+          <a:lstStyle/>
+          <a:p>
+            <a:r>
+              <a:rPr lang="en-GB" sz="2400" dirty="0"/>
+              <a:t>The stronger the emotion a user has about an event, the more important the knowledge is</a:t>
+            </a:r>
+          </a:p>
+          <a:p>
+            <a:endParaRPr lang="en-GB" sz="2400" dirty="0"/>
+          </a:p>
+          <a:p>
+            <a:r>
+              <a:rPr lang="en-GB" sz="2400" dirty="0"/>
+              <a:t>‘emotion intensity’ to indicate the important of a knowledge segment</a:t>
+            </a:r>
+          </a:p>
+          <a:p>
+            <a:endParaRPr lang="en-GB" sz="2400" dirty="0"/>
+          </a:p>
+          <a:p>
+            <a:endParaRPr lang="en-GB" sz="2400" dirty="0"/>
+          </a:p>
+          <a:p>
+            <a:endParaRPr lang="en-US" sz="2400" dirty="0"/>
           </a:p>
         </p:txBody>
       </p:sp>
     </p:spTree>
     <p:extLst>
       <p:ext uri="{BB962C8B-B14F-4D97-AF65-F5344CB8AC3E}">
-        <p14:creationId xmlns:p14="http://schemas.microsoft.com/office/powerpoint/2010/main" val="3957052229"/>
+        <p14:creationId xmlns:p14="http://schemas.microsoft.com/office/powerpoint/2010/main" val="1153354526"/>
       </p:ext>
     </p:extLst>
   </p:cSld>
@@ -13168,6 +13320,123 @@
           <p:cNvPr id="2" name="Title 1">
             <a:extLst>
               <a:ext uri="{FF2B5EF4-FFF2-40B4-BE49-F238E27FC236}">
+                <a16:creationId xmlns:a16="http://schemas.microsoft.com/office/drawing/2014/main" id="{FBFE601A-D877-7F5C-EDD3-C796C1F13F9B}"/>
+              </a:ext>
+            </a:extLst>
+          </p:cNvPr>
+          <p:cNvSpPr>
+            <a:spLocks noGrp="1"/>
+          </p:cNvSpPr>
+          <p:nvPr>
+            <p:ph type="title"/>
+          </p:nvPr>
+        </p:nvSpPr>
+        <p:spPr/>
+        <p:txBody>
+          <a:bodyPr/>
+          <a:lstStyle/>
+          <a:p>
+            <a:r>
+              <a:rPr lang="en-US" dirty="0"/>
+              <a:t>Emotion Intensity – Methods</a:t>
+            </a:r>
+          </a:p>
+        </p:txBody>
+      </p:sp>
+      <p:sp>
+        <p:nvSpPr>
+          <p:cNvPr id="3" name="Content Placeholder 2">
+            <a:extLst>
+              <a:ext uri="{FF2B5EF4-FFF2-40B4-BE49-F238E27FC236}">
+                <a16:creationId xmlns:a16="http://schemas.microsoft.com/office/drawing/2014/main" id="{40E2BEB7-4CE2-E0F2-5329-34F5FFBF9643}"/>
+              </a:ext>
+            </a:extLst>
+          </p:cNvPr>
+          <p:cNvSpPr>
+            <a:spLocks noGrp="1"/>
+          </p:cNvSpPr>
+          <p:nvPr>
+            <p:ph idx="1"/>
+          </p:nvPr>
+        </p:nvSpPr>
+        <p:spPr>
+          <a:xfrm>
+            <a:off x="977684" y="1552576"/>
+            <a:ext cx="10515600" cy="4351338"/>
+          </a:xfrm>
+        </p:spPr>
+        <p:txBody>
+          <a:bodyPr/>
+          <a:lstStyle/>
+          <a:p>
+            <a:pPr marL="0" indent="0">
+              <a:buNone/>
+            </a:pPr>
+            <a:endParaRPr lang="en-GB" sz="1800" dirty="0">
+              <a:latin typeface="SFTT1095"/>
+            </a:endParaRPr>
+          </a:p>
+          <a:p>
+            <a:pPr marL="0" indent="0">
+              <a:buNone/>
+            </a:pPr>
+            <a:r>
+              <a:rPr lang="en-GB" sz="2400" dirty="0"/>
+              <a:t>Sentiment analysis on</a:t>
+            </a:r>
+          </a:p>
+          <a:p>
+            <a:r>
+              <a:rPr lang="en-GB" sz="2400" dirty="0"/>
+              <a:t>user’s utterances </a:t>
+            </a:r>
+          </a:p>
+          <a:p>
+            <a:r>
+              <a:rPr lang="en-GB" sz="2400" dirty="0"/>
+              <a:t>knowledge expression itself</a:t>
+            </a:r>
+            <a:endParaRPr lang="en-GB" sz="1800" dirty="0">
+              <a:latin typeface="SFTT1095"/>
+            </a:endParaRPr>
+          </a:p>
+        </p:txBody>
+      </p:sp>
+    </p:spTree>
+    <p:extLst>
+      <p:ext uri="{BB962C8B-B14F-4D97-AF65-F5344CB8AC3E}">
+        <p14:creationId xmlns:p14="http://schemas.microsoft.com/office/powerpoint/2010/main" val="3957052229"/>
+      </p:ext>
+    </p:extLst>
+  </p:cSld>
+  <p:clrMapOvr>
+    <a:masterClrMapping/>
+  </p:clrMapOvr>
+</p:sld>
+</file>
+
+<file path=ppt/slides/slide36.xml><?xml version="1.0" encoding="utf-8"?>
+<p:sld xmlns:a="http://schemas.openxmlformats.org/drawingml/2006/main" xmlns:r="http://schemas.openxmlformats.org/officeDocument/2006/relationships" xmlns:p="http://schemas.openxmlformats.org/presentationml/2006/main" show="0">
+  <p:cSld>
+    <p:spTree>
+      <p:nvGrpSpPr>
+        <p:cNvPr id="1" name=""/>
+        <p:cNvGrpSpPr/>
+        <p:nvPr/>
+      </p:nvGrpSpPr>
+      <p:grpSpPr>
+        <a:xfrm>
+          <a:off x="0" y="0"/>
+          <a:ext cx="0" cy="0"/>
+          <a:chOff x="0" y="0"/>
+          <a:chExt cx="0" cy="0"/>
+        </a:xfrm>
+      </p:grpSpPr>
+      <p:sp>
+        <p:nvSpPr>
+          <p:cNvPr id="2" name="Title 1">
+            <a:extLst>
+              <a:ext uri="{FF2B5EF4-FFF2-40B4-BE49-F238E27FC236}">
                 <a16:creationId xmlns:a16="http://schemas.microsoft.com/office/drawing/2014/main" id="{433D2041-8446-4955-B5AB-07D8C1039322}"/>
               </a:ext>
             </a:extLst>
@@ -13265,7 +13534,7 @@
 </p:sld>
 </file>
 
-<file path=ppt/slides/slide36.xml><?xml version="1.0" encoding="utf-8"?>
+<file path=ppt/slides/slide37.xml><?xml version="1.0" encoding="utf-8"?>
 <p:sld xmlns:a="http://schemas.openxmlformats.org/drawingml/2006/main" xmlns:r="http://schemas.openxmlformats.org/officeDocument/2006/relationships" xmlns:p="http://schemas.openxmlformats.org/presentationml/2006/main">
   <p:cSld>
     <p:spTree>
@@ -13355,7 +13624,7 @@
 </p:sld>
 </file>
 
-<file path=ppt/slides/slide37.xml><?xml version="1.0" encoding="utf-8"?>
+<file path=ppt/slides/slide38.xml><?xml version="1.0" encoding="utf-8"?>
 <p:sld xmlns:a="http://schemas.openxmlformats.org/drawingml/2006/main" xmlns:r="http://schemas.openxmlformats.org/officeDocument/2006/relationships" xmlns:p="http://schemas.openxmlformats.org/presentationml/2006/main" show="0">
   <p:cSld>
     <p:spTree>
@@ -13506,7 +13775,7 @@
 </p:sld>
 </file>
 
-<file path=ppt/slides/slide38.xml><?xml version="1.0" encoding="utf-8"?>
+<file path=ppt/slides/slide39.xml><?xml version="1.0" encoding="utf-8"?>
 <p:sld xmlns:a="http://schemas.openxmlformats.org/drawingml/2006/main" xmlns:r="http://schemas.openxmlformats.org/officeDocument/2006/relationships" xmlns:p="http://schemas.openxmlformats.org/presentationml/2006/main">
   <p:cSld>
     <p:spTree>
@@ -13566,7 +13835,7 @@
         <p:spPr>
           <a:xfrm>
             <a:off x="5672318" y="2495226"/>
-            <a:ext cx="5455465" cy="646331"/>
+            <a:ext cx="5455465" cy="707886"/>
           </a:xfrm>
           <a:prstGeom prst="rect">
             <a:avLst/>
@@ -13580,7 +13849,7 @@
           <a:lstStyle/>
           <a:p>
             <a:r>
-              <a:rPr lang="en-US" dirty="0"/>
+              <a:rPr lang="en-US" sz="2000" dirty="0"/>
               <a:t>We assign a retention value to each knowledge based on the forgetting curve </a:t>
             </a:r>
           </a:p>
@@ -13631,7 +13900,7 @@
         <p:spPr>
           <a:xfrm>
             <a:off x="5672318" y="3716444"/>
-            <a:ext cx="5455465" cy="646331"/>
+            <a:ext cx="5455465" cy="707886"/>
           </a:xfrm>
           <a:prstGeom prst="rect">
             <a:avLst/>
@@ -13645,7 +13914,7 @@
           <a:lstStyle/>
           <a:p>
             <a:r>
-              <a:rPr lang="en-US" dirty="0"/>
+              <a:rPr lang="en-US" sz="2000" dirty="0"/>
               <a:t>The higher the retention value, the more likely a knowledge will be retrieved from the memory.</a:t>
             </a:r>
           </a:p>
@@ -13664,7 +13933,131 @@
 </p:sld>
 </file>
 
-<file path=ppt/slides/slide39.xml><?xml version="1.0" encoding="utf-8"?>
+<file path=ppt/slides/slide4.xml><?xml version="1.0" encoding="utf-8"?>
+<p:sld xmlns:a="http://schemas.openxmlformats.org/drawingml/2006/main" xmlns:r="http://schemas.openxmlformats.org/officeDocument/2006/relationships" xmlns:p="http://schemas.openxmlformats.org/presentationml/2006/main">
+  <p:cSld>
+    <p:spTree>
+      <p:nvGrpSpPr>
+        <p:cNvPr id="1" name=""/>
+        <p:cNvGrpSpPr/>
+        <p:nvPr/>
+      </p:nvGrpSpPr>
+      <p:grpSpPr>
+        <a:xfrm>
+          <a:off x="0" y="0"/>
+          <a:ext cx="0" cy="0"/>
+          <a:chOff x="0" y="0"/>
+          <a:chExt cx="0" cy="0"/>
+        </a:xfrm>
+      </p:grpSpPr>
+      <p:sp>
+        <p:nvSpPr>
+          <p:cNvPr id="2" name="Title 1">
+            <a:extLst>
+              <a:ext uri="{FF2B5EF4-FFF2-40B4-BE49-F238E27FC236}">
+                <a16:creationId xmlns:a16="http://schemas.microsoft.com/office/drawing/2014/main" id="{52D67428-2F68-71EB-9344-DDC86E1BA862}"/>
+              </a:ext>
+            </a:extLst>
+          </p:cNvPr>
+          <p:cNvSpPr>
+            <a:spLocks noGrp="1"/>
+          </p:cNvSpPr>
+          <p:nvPr>
+            <p:ph type="title"/>
+          </p:nvPr>
+        </p:nvSpPr>
+        <p:spPr/>
+        <p:txBody>
+          <a:bodyPr/>
+          <a:lstStyle/>
+          <a:p>
+            <a:r>
+              <a:rPr lang="en-US" dirty="0"/>
+              <a:t>Chatbot Overview</a:t>
+            </a:r>
+          </a:p>
+        </p:txBody>
+      </p:sp>
+      <p:sp>
+        <p:nvSpPr>
+          <p:cNvPr id="3" name="Content Placeholder 2">
+            <a:extLst>
+              <a:ext uri="{FF2B5EF4-FFF2-40B4-BE49-F238E27FC236}">
+                <a16:creationId xmlns:a16="http://schemas.microsoft.com/office/drawing/2014/main" id="{2A4E8B88-D53F-8279-472D-5063C2F6847B}"/>
+              </a:ext>
+            </a:extLst>
+          </p:cNvPr>
+          <p:cNvSpPr>
+            <a:spLocks noGrp="1"/>
+          </p:cNvSpPr>
+          <p:nvPr>
+            <p:ph idx="1"/>
+          </p:nvPr>
+        </p:nvSpPr>
+        <p:spPr/>
+        <p:txBody>
+          <a:bodyPr>
+            <a:normAutofit/>
+          </a:bodyPr>
+          <a:lstStyle/>
+          <a:p>
+            <a:pPr marL="0" indent="0">
+              <a:buNone/>
+            </a:pPr>
+            <a:r>
+              <a:rPr lang="en-US" dirty="0"/>
+              <a:t>Supportive Memory System</a:t>
+            </a:r>
+          </a:p>
+          <a:p>
+            <a:r>
+              <a:rPr lang="en-US" dirty="0"/>
+              <a:t>Knowledge extraction</a:t>
+            </a:r>
+          </a:p>
+          <a:p>
+            <a:r>
+              <a:rPr lang="en-US" dirty="0"/>
+              <a:t>Knowledge storage and retrieval</a:t>
+            </a:r>
+          </a:p>
+          <a:p>
+            <a:r>
+              <a:rPr lang="en-US" dirty="0"/>
+              <a:t>Knowledge weakening and enhancement mechanism</a:t>
+            </a:r>
+          </a:p>
+          <a:p>
+            <a:pPr marL="0" indent="0">
+              <a:buNone/>
+            </a:pPr>
+            <a:endParaRPr lang="en-US" dirty="0"/>
+          </a:p>
+          <a:p>
+            <a:pPr marL="0" indent="0">
+              <a:buNone/>
+            </a:pPr>
+            <a:r>
+              <a:rPr lang="en-US" dirty="0"/>
+              <a:t>Response Generation (gpt-3.5-turbo)</a:t>
+            </a:r>
+          </a:p>
+        </p:txBody>
+      </p:sp>
+    </p:spTree>
+    <p:extLst>
+      <p:ext uri="{BB962C8B-B14F-4D97-AF65-F5344CB8AC3E}">
+        <p14:creationId xmlns:p14="http://schemas.microsoft.com/office/powerpoint/2010/main" val="3109824078"/>
+      </p:ext>
+    </p:extLst>
+  </p:cSld>
+  <p:clrMapOvr>
+    <a:masterClrMapping/>
+  </p:clrMapOvr>
+</p:sld>
+</file>
+
+<file path=ppt/slides/slide40.xml><?xml version="1.0" encoding="utf-8"?>
 <p:sld xmlns:a="http://schemas.openxmlformats.org/drawingml/2006/main" xmlns:r="http://schemas.openxmlformats.org/officeDocument/2006/relationships" xmlns:p="http://schemas.openxmlformats.org/presentationml/2006/main">
   <p:cSld>
     <p:spTree>
@@ -13979,7 +14372,7 @@
         </p:nvSpPr>
         <p:spPr>
           <a:xfrm>
-            <a:off x="7054577" y="4570123"/>
+            <a:off x="7054577" y="4417285"/>
             <a:ext cx="3759747" cy="1200329"/>
           </a:xfrm>
           <a:prstGeom prst="rect">
@@ -14033,7 +14426,7 @@
         <p:spPr>
           <a:xfrm>
             <a:off x="5879024" y="5981881"/>
-            <a:ext cx="4763099" cy="369332"/>
+            <a:ext cx="6182975" cy="461665"/>
           </a:xfrm>
           <a:prstGeom prst="rect">
             <a:avLst/>
@@ -14047,7 +14440,7 @@
           <a:lstStyle/>
           <a:p>
             <a:r>
-              <a:rPr lang="en-US" dirty="0"/>
+              <a:rPr lang="en-US" sz="2400" dirty="0"/>
               <a:t>The stronger the emotion, the slower the decay.</a:t>
             </a:r>
           </a:p>
@@ -14066,7 +14459,176 @@
 </p:sld>
 </file>
 
-<file path=ppt/slides/slide4.xml><?xml version="1.0" encoding="utf-8"?>
+<file path=ppt/slides/slide41.xml><?xml version="1.0" encoding="utf-8"?>
+<p:sld xmlns:a="http://schemas.openxmlformats.org/drawingml/2006/main" xmlns:r="http://schemas.openxmlformats.org/officeDocument/2006/relationships" xmlns:p="http://schemas.openxmlformats.org/presentationml/2006/main" show="0">
+  <p:cSld>
+    <p:spTree>
+      <p:nvGrpSpPr>
+        <p:cNvPr id="1" name=""/>
+        <p:cNvGrpSpPr/>
+        <p:nvPr/>
+      </p:nvGrpSpPr>
+      <p:grpSpPr>
+        <a:xfrm>
+          <a:off x="0" y="0"/>
+          <a:ext cx="0" cy="0"/>
+          <a:chOff x="0" y="0"/>
+          <a:chExt cx="0" cy="0"/>
+        </a:xfrm>
+      </p:grpSpPr>
+      <p:sp>
+        <p:nvSpPr>
+          <p:cNvPr id="2" name="Title 1">
+            <a:extLst>
+              <a:ext uri="{FF2B5EF4-FFF2-40B4-BE49-F238E27FC236}">
+                <a16:creationId xmlns:a16="http://schemas.microsoft.com/office/drawing/2014/main" id="{D4BE7F8D-C57A-C6CF-1BE8-69EEADFED4EF}"/>
+              </a:ext>
+            </a:extLst>
+          </p:cNvPr>
+          <p:cNvSpPr>
+            <a:spLocks noGrp="1"/>
+          </p:cNvSpPr>
+          <p:nvPr>
+            <p:ph type="title"/>
+          </p:nvPr>
+        </p:nvSpPr>
+        <p:spPr/>
+        <p:txBody>
+          <a:bodyPr/>
+          <a:lstStyle/>
+          <a:p>
+            <a:r>
+              <a:rPr lang="en-US" dirty="0"/>
+              <a:t>Forgetting curve – Implications</a:t>
+            </a:r>
+          </a:p>
+        </p:txBody>
+      </p:sp>
+      <p:sp>
+        <p:nvSpPr>
+          <p:cNvPr id="4" name="TextBox 3">
+            <a:extLst>
+              <a:ext uri="{FF2B5EF4-FFF2-40B4-BE49-F238E27FC236}">
+                <a16:creationId xmlns:a16="http://schemas.microsoft.com/office/drawing/2014/main" id="{AA22DCFC-83FB-D3F8-8D32-12C051B45905}"/>
+              </a:ext>
+            </a:extLst>
+          </p:cNvPr>
+          <p:cNvSpPr txBox="1"/>
+          <p:nvPr/>
+        </p:nvSpPr>
+        <p:spPr>
+          <a:xfrm>
+            <a:off x="1147969" y="1720840"/>
+            <a:ext cx="10320777" cy="4524315"/>
+          </a:xfrm>
+          <a:prstGeom prst="rect">
+            <a:avLst/>
+          </a:prstGeom>
+          <a:noFill/>
+        </p:spPr>
+        <p:txBody>
+          <a:bodyPr wrap="square" rtlCol="0">
+            <a:spAutoFit/>
+          </a:bodyPr>
+          <a:lstStyle/>
+          <a:p>
+            <a:endParaRPr lang="en-US" dirty="0"/>
+          </a:p>
+          <a:p>
+            <a:r>
+              <a:rPr lang="en-US" dirty="0"/>
+              <a:t>The knowledge is weakened as time elapsed.</a:t>
+            </a:r>
+          </a:p>
+          <a:p>
+            <a:endParaRPr lang="en-US" dirty="0"/>
+          </a:p>
+          <a:p>
+            <a:r>
+              <a:rPr lang="en-US" dirty="0"/>
+              <a:t>The knowledge is enhanced if it is revisited or re-learnt.</a:t>
+            </a:r>
+          </a:p>
+          <a:p>
+            <a:endParaRPr lang="en-US" dirty="0"/>
+          </a:p>
+          <a:p>
+            <a:endParaRPr lang="en-US" dirty="0"/>
+          </a:p>
+          <a:p>
+            <a:pPr marL="285750" indent="-285750">
+              <a:buFont typeface="Arial" panose="020B0604020202020204" pitchFamily="34" charset="0"/>
+              <a:buChar char="•"/>
+            </a:pPr>
+            <a:r>
+              <a:rPr lang="en-US" dirty="0"/>
+              <a:t>The knowledge that has been revisited or relearnt is more likely to be fetched</a:t>
+            </a:r>
+          </a:p>
+          <a:p>
+            <a:pPr marL="285750" indent="-285750">
+              <a:buFont typeface="Arial" panose="020B0604020202020204" pitchFamily="34" charset="0"/>
+              <a:buChar char="•"/>
+            </a:pPr>
+            <a:r>
+              <a:rPr lang="en-US" dirty="0"/>
+              <a:t>The knowledge with stronger emotion has a slower decay retention, it is more likely to be retrieved.</a:t>
+            </a:r>
+          </a:p>
+          <a:p>
+            <a:pPr marL="285750" indent="-285750">
+              <a:buFont typeface="Arial" panose="020B0604020202020204" pitchFamily="34" charset="0"/>
+              <a:buChar char="•"/>
+            </a:pPr>
+            <a:r>
+              <a:rPr lang="en-US" dirty="0"/>
+              <a:t>The knowledge hasn’t been mentioned for a long time is less likely to be retrieved</a:t>
+            </a:r>
+          </a:p>
+          <a:p>
+            <a:endParaRPr lang="en-US" dirty="0"/>
+          </a:p>
+          <a:p>
+            <a:pPr marL="285750" indent="-285750">
+              <a:buFont typeface="Arial" panose="020B0604020202020204" pitchFamily="34" charset="0"/>
+              <a:buChar char="•"/>
+            </a:pPr>
+            <a:endParaRPr lang="en-US" dirty="0"/>
+          </a:p>
+          <a:p>
+            <a:r>
+              <a:rPr lang="en-US" dirty="0"/>
+              <a:t>A sensible fit to the context of providing emotional support</a:t>
+            </a:r>
+          </a:p>
+          <a:p>
+            <a:endParaRPr lang="en-US" dirty="0"/>
+          </a:p>
+          <a:p>
+            <a:r>
+              <a:rPr lang="en-US" dirty="0"/>
+              <a:t>So that for retrieval, we not only consider similarity to current context but also consider how important a knowledge might be for the users</a:t>
+            </a:r>
+          </a:p>
+          <a:p>
+            <a:endParaRPr lang="en-US" dirty="0"/>
+          </a:p>
+        </p:txBody>
+      </p:sp>
+    </p:spTree>
+    <p:extLst>
+      <p:ext uri="{BB962C8B-B14F-4D97-AF65-F5344CB8AC3E}">
+        <p14:creationId xmlns:p14="http://schemas.microsoft.com/office/powerpoint/2010/main" val="1787440801"/>
+      </p:ext>
+    </p:extLst>
+  </p:cSld>
+  <p:clrMapOvr>
+    <a:masterClrMapping/>
+  </p:clrMapOvr>
+</p:sld>
+</file>
+
+<file path=ppt/slides/slide42.xml><?xml version="1.0" encoding="utf-8"?>
 <p:sld xmlns:a="http://schemas.openxmlformats.org/drawingml/2006/main" xmlns:r="http://schemas.openxmlformats.org/officeDocument/2006/relationships" xmlns:p="http://schemas.openxmlformats.org/presentationml/2006/main">
   <p:cSld>
     <p:spTree>
@@ -14088,7 +14650,7 @@
           <p:cNvPr id="2" name="Title 1">
             <a:extLst>
               <a:ext uri="{FF2B5EF4-FFF2-40B4-BE49-F238E27FC236}">
-                <a16:creationId xmlns:a16="http://schemas.microsoft.com/office/drawing/2014/main" id="{52D67428-2F68-71EB-9344-DDC86E1BA862}"/>
+                <a16:creationId xmlns:a16="http://schemas.microsoft.com/office/drawing/2014/main" id="{D4BE7F8D-C57A-C6CF-1BE8-69EEADFED4EF}"/>
               </a:ext>
             </a:extLst>
           </p:cNvPr>
@@ -14106,81 +14668,135 @@
           <a:p>
             <a:r>
               <a:rPr lang="en-US" dirty="0"/>
-              <a:t>Chatbot Overview</a:t>
-            </a:r>
-          </a:p>
-        </p:txBody>
-      </p:sp>
-      <p:sp>
-        <p:nvSpPr>
-          <p:cNvPr id="3" name="Content Placeholder 2">
-            <a:extLst>
-              <a:ext uri="{FF2B5EF4-FFF2-40B4-BE49-F238E27FC236}">
-                <a16:creationId xmlns:a16="http://schemas.microsoft.com/office/drawing/2014/main" id="{2A4E8B88-D53F-8279-472D-5063C2F6847B}"/>
-              </a:ext>
-            </a:extLst>
-          </p:cNvPr>
-          <p:cNvSpPr>
-            <a:spLocks noGrp="1"/>
-          </p:cNvSpPr>
-          <p:nvPr>
-            <p:ph idx="1"/>
-          </p:nvPr>
-        </p:nvSpPr>
-        <p:spPr/>
-        <p:txBody>
-          <a:bodyPr>
-            <a:normAutofit/>
+              <a:t>Forgetting curve – Implications</a:t>
+            </a:r>
+          </a:p>
+        </p:txBody>
+      </p:sp>
+      <p:sp>
+        <p:nvSpPr>
+          <p:cNvPr id="4" name="TextBox 3">
+            <a:extLst>
+              <a:ext uri="{FF2B5EF4-FFF2-40B4-BE49-F238E27FC236}">
+                <a16:creationId xmlns:a16="http://schemas.microsoft.com/office/drawing/2014/main" id="{AA22DCFC-83FB-D3F8-8D32-12C051B45905}"/>
+              </a:ext>
+            </a:extLst>
+          </p:cNvPr>
+          <p:cNvSpPr txBox="1"/>
+          <p:nvPr/>
+        </p:nvSpPr>
+        <p:spPr>
+          <a:xfrm>
+            <a:off x="491875" y="1690688"/>
+            <a:ext cx="11700125" cy="4893647"/>
+          </a:xfrm>
+          <a:prstGeom prst="rect">
+            <a:avLst/>
+          </a:prstGeom>
+          <a:noFill/>
+        </p:spPr>
+        <p:txBody>
+          <a:bodyPr wrap="square" rtlCol="0">
+            <a:spAutoFit/>
           </a:bodyPr>
           <a:lstStyle/>
           <a:p>
-            <a:pPr marL="0" indent="0">
-              <a:buNone/>
+            <a:r>
+              <a:rPr lang="en-US" sz="2400" dirty="0"/>
+              <a:t>Implementations:</a:t>
+            </a:r>
+          </a:p>
+          <a:p>
+            <a:pPr marL="285750" indent="-285750">
+              <a:buFont typeface="Arial" panose="020B0604020202020204" pitchFamily="34" charset="0"/>
+              <a:buChar char="•"/>
             </a:pPr>
             <a:r>
-              <a:rPr lang="en-US" dirty="0"/>
-              <a:t>Supportive Memory System</a:t>
-            </a:r>
-          </a:p>
-          <a:p>
-            <a:r>
-              <a:rPr lang="en-US" dirty="0"/>
-              <a:t>Knowledge extraction</a:t>
-            </a:r>
-          </a:p>
-          <a:p>
-            <a:r>
-              <a:rPr lang="en-US" dirty="0"/>
-              <a:t>Knowledge storage and retrieval</a:t>
-            </a:r>
-          </a:p>
-          <a:p>
-            <a:r>
-              <a:rPr lang="en-US" dirty="0"/>
-              <a:t>Knowledge weakening and enhancement mechanism</a:t>
-            </a:r>
-          </a:p>
-          <a:p>
-            <a:pPr marL="0" indent="0">
-              <a:buNone/>
+              <a:rPr lang="en-US" sz="2400" dirty="0"/>
+              <a:t>The knowledge is weakened as time elapsed.</a:t>
+            </a:r>
+          </a:p>
+          <a:p>
+            <a:pPr marL="285750" indent="-285750">
+              <a:buFont typeface="Arial" panose="020B0604020202020204" pitchFamily="34" charset="0"/>
+              <a:buChar char="•"/>
             </a:pPr>
-            <a:endParaRPr lang="en-US" dirty="0"/>
-          </a:p>
-          <a:p>
-            <a:pPr marL="0" indent="0">
-              <a:buNone/>
+            <a:endParaRPr lang="en-US" sz="2400" dirty="0"/>
+          </a:p>
+          <a:p>
+            <a:pPr marL="285750" indent="-285750">
+              <a:buFont typeface="Arial" panose="020B0604020202020204" pitchFamily="34" charset="0"/>
+              <a:buChar char="•"/>
             </a:pPr>
             <a:r>
-              <a:rPr lang="en-US" dirty="0"/>
-              <a:t>Response Generation (gpt-3.5-turbo)</a:t>
-            </a:r>
+              <a:rPr lang="en-US" sz="2400" dirty="0"/>
+              <a:t>The knowledge is enhanced if it is revisited or re-learnt.</a:t>
+            </a:r>
+          </a:p>
+          <a:p>
+            <a:endParaRPr lang="en-US" sz="2400" dirty="0"/>
+          </a:p>
+          <a:p>
+            <a:pPr marL="285750" indent="-285750">
+              <a:buFont typeface="Arial" panose="020B0604020202020204" pitchFamily="34" charset="0"/>
+              <a:buChar char="•"/>
+            </a:pPr>
+            <a:endParaRPr lang="en-US" sz="2400" dirty="0"/>
+          </a:p>
+          <a:p>
+            <a:r>
+              <a:rPr lang="en-US" sz="2400" dirty="0"/>
+              <a:t>A sensible fit to the context of providing emotional support:</a:t>
+            </a:r>
+          </a:p>
+          <a:p>
+            <a:pPr marL="285750" indent="-285750">
+              <a:buFont typeface="Arial" panose="020B0604020202020204" pitchFamily="34" charset="0"/>
+              <a:buChar char="•"/>
+            </a:pPr>
+            <a:r>
+              <a:rPr lang="en-US" sz="2400" dirty="0"/>
+              <a:t>Frequent mentioned</a:t>
+            </a:r>
+          </a:p>
+          <a:p>
+            <a:pPr marL="285750" indent="-285750">
+              <a:buFont typeface="Arial" panose="020B0604020202020204" pitchFamily="34" charset="0"/>
+              <a:buChar char="•"/>
+            </a:pPr>
+            <a:r>
+              <a:rPr lang="en-US" sz="2400" dirty="0"/>
+              <a:t>Recent</a:t>
+            </a:r>
+          </a:p>
+          <a:p>
+            <a:pPr marL="285750" indent="-285750">
+              <a:buFont typeface="Arial" panose="020B0604020202020204" pitchFamily="34" charset="0"/>
+              <a:buChar char="•"/>
+            </a:pPr>
+            <a:r>
+              <a:rPr lang="en-US" sz="2400" dirty="0"/>
+              <a:t>Emotionally intense</a:t>
+            </a:r>
+          </a:p>
+          <a:p>
+            <a:endParaRPr lang="en-US" sz="2400" dirty="0"/>
+          </a:p>
+          <a:p>
+            <a:r>
+              <a:rPr lang="en-US" sz="2400" dirty="0"/>
+              <a:t>So that for retrieval, we not only consider similarity, but also how importance of a knowledge</a:t>
+            </a:r>
+          </a:p>
+          <a:p>
+            <a:endParaRPr lang="en-US" sz="2400" dirty="0"/>
           </a:p>
         </p:txBody>
       </p:sp>
     </p:spTree>
     <p:extLst>
       <p:ext uri="{BB962C8B-B14F-4D97-AF65-F5344CB8AC3E}">
-        <p14:creationId xmlns:p14="http://schemas.microsoft.com/office/powerpoint/2010/main" val="3109824078"/>
+        <p14:creationId xmlns:p14="http://schemas.microsoft.com/office/powerpoint/2010/main" val="3124656243"/>
       </p:ext>
     </p:extLst>
   </p:cSld>
@@ -14190,7 +14806,7 @@
 </p:sld>
 </file>
 
-<file path=ppt/slides/slide40.xml><?xml version="1.0" encoding="utf-8"?>
+<file path=ppt/slides/slide43.xml><?xml version="1.0" encoding="utf-8"?>
 <p:sld xmlns:a="http://schemas.openxmlformats.org/drawingml/2006/main" xmlns:r="http://schemas.openxmlformats.org/officeDocument/2006/relationships" xmlns:p="http://schemas.openxmlformats.org/presentationml/2006/main" show="0">
   <p:cSld>
     <p:spTree>
@@ -14223,133 +14839,96 @@
             <p:ph type="title"/>
           </p:nvPr>
         </p:nvSpPr>
-        <p:spPr/>
-        <p:txBody>
-          <a:bodyPr/>
-          <a:lstStyle/>
-          <a:p>
-            <a:r>
-              <a:rPr lang="en-US" dirty="0"/>
-              <a:t>Forgetting curve – Implications</a:t>
-            </a:r>
-          </a:p>
-        </p:txBody>
-      </p:sp>
-      <p:sp>
-        <p:nvSpPr>
-          <p:cNvPr id="4" name="TextBox 3">
-            <a:extLst>
-              <a:ext uri="{FF2B5EF4-FFF2-40B4-BE49-F238E27FC236}">
-                <a16:creationId xmlns:a16="http://schemas.microsoft.com/office/drawing/2014/main" id="{AA22DCFC-83FB-D3F8-8D32-12C051B45905}"/>
-              </a:ext>
-            </a:extLst>
-          </p:cNvPr>
-          <p:cNvSpPr txBox="1"/>
-          <p:nvPr/>
-        </p:nvSpPr>
         <p:spPr>
           <a:xfrm>
-            <a:off x="1147969" y="1720840"/>
-            <a:ext cx="10320777" cy="4524315"/>
+            <a:off x="838200" y="504481"/>
+            <a:ext cx="10515600" cy="787814"/>
           </a:xfrm>
-          <a:prstGeom prst="rect">
-            <a:avLst/>
-          </a:prstGeom>
-          <a:noFill/>
         </p:spPr>
         <p:txBody>
-          <a:bodyPr wrap="square" rtlCol="0">
-            <a:spAutoFit/>
-          </a:bodyPr>
-          <a:lstStyle/>
-          <a:p>
-            <a:endParaRPr lang="en-US" dirty="0"/>
-          </a:p>
-          <a:p>
-            <a:r>
-              <a:rPr lang="en-US" dirty="0"/>
-              <a:t>The knowledge is weakened as time elapsed.</a:t>
-            </a:r>
-          </a:p>
-          <a:p>
-            <a:endParaRPr lang="en-US" dirty="0"/>
-          </a:p>
-          <a:p>
-            <a:r>
-              <a:rPr lang="en-US" dirty="0"/>
-              <a:t>The knowledge is enhanced if it is revisited or re-learnt.</a:t>
-            </a:r>
-          </a:p>
-          <a:p>
-            <a:endParaRPr lang="en-US" dirty="0"/>
-          </a:p>
-          <a:p>
-            <a:endParaRPr lang="en-US" dirty="0"/>
-          </a:p>
-          <a:p>
-            <a:pPr marL="285750" indent="-285750">
-              <a:buFont typeface="Arial" panose="020B0604020202020204" pitchFamily="34" charset="0"/>
-              <a:buChar char="•"/>
+          <a:bodyPr/>
+          <a:lstStyle/>
+          <a:p>
+            <a:r>
+              <a:rPr lang="en-US" dirty="0"/>
+              <a:t>Mechanism Implementation</a:t>
+            </a:r>
+          </a:p>
+        </p:txBody>
+      </p:sp>
+      <p:sp>
+        <p:nvSpPr>
+          <p:cNvPr id="3" name="Content Placeholder 2">
+            <a:extLst>
+              <a:ext uri="{FF2B5EF4-FFF2-40B4-BE49-F238E27FC236}">
+                <a16:creationId xmlns:a16="http://schemas.microsoft.com/office/drawing/2014/main" id="{0304BA81-015A-1B6C-0BCB-3DE57540359B}"/>
+              </a:ext>
+            </a:extLst>
+          </p:cNvPr>
+          <p:cNvSpPr>
+            <a:spLocks noGrp="1"/>
+          </p:cNvSpPr>
+          <p:nvPr>
+            <p:ph idx="1"/>
+          </p:nvPr>
+        </p:nvSpPr>
+        <p:spPr>
+          <a:xfrm>
+            <a:off x="658586" y="2005240"/>
+            <a:ext cx="11353800" cy="3448740"/>
+          </a:xfrm>
+        </p:spPr>
+        <p:txBody>
+          <a:bodyPr/>
+          <a:lstStyle/>
+          <a:p>
+            <a:pPr marL="0" indent="0">
+              <a:buNone/>
             </a:pPr>
             <a:r>
               <a:rPr lang="en-US" dirty="0"/>
-              <a:t>The knowledge that has been revisited or relearnt is more likely to be fetched</a:t>
-            </a:r>
-          </a:p>
-          <a:p>
-            <a:pPr marL="285750" indent="-285750">
-              <a:buFont typeface="Arial" panose="020B0604020202020204" pitchFamily="34" charset="0"/>
-              <a:buChar char="•"/>
-            </a:pPr>
-            <a:r>
-              <a:rPr lang="en-US" dirty="0"/>
-              <a:t>The knowledge with stronger emotion has a slower decay retention, it is more likely to be retrieved.</a:t>
-            </a:r>
-          </a:p>
-          <a:p>
-            <a:pPr marL="285750" indent="-285750">
-              <a:buFont typeface="Arial" panose="020B0604020202020204" pitchFamily="34" charset="0"/>
-              <a:buChar char="•"/>
-            </a:pPr>
-            <a:r>
-              <a:rPr lang="en-US" dirty="0"/>
-              <a:t>The knowledge hasn’t been mentioned for a long time is less likely to be retrieved</a:t>
-            </a:r>
-          </a:p>
-          <a:p>
-            <a:endParaRPr lang="en-US" dirty="0"/>
-          </a:p>
-          <a:p>
-            <a:pPr marL="285750" indent="-285750">
-              <a:buFont typeface="Arial" panose="020B0604020202020204" pitchFamily="34" charset="0"/>
-              <a:buChar char="•"/>
+              <a:t>Weakening, as time elapsed</a:t>
+            </a:r>
+          </a:p>
+          <a:p>
+            <a:pPr marL="0" indent="0">
+              <a:buNone/>
             </a:pPr>
             <a:endParaRPr lang="en-US" dirty="0"/>
           </a:p>
           <a:p>
-            <a:r>
-              <a:rPr lang="en-US" dirty="0"/>
-              <a:t>A sensible fit to the context of providing emotional support</a:t>
-            </a:r>
-          </a:p>
-          <a:p>
-            <a:endParaRPr lang="en-US" dirty="0"/>
-          </a:p>
-          <a:p>
-            <a:r>
-              <a:rPr lang="en-US" dirty="0"/>
-              <a:t>So that for retrieval, we not only consider similarity to current context but also consider how important a knowledge might be for the users</a:t>
-            </a:r>
-          </a:p>
-          <a:p>
-            <a:endParaRPr lang="en-US" dirty="0"/>
+            <a:pPr marL="0" indent="0">
+              <a:buNone/>
+            </a:pPr>
+            <a:r>
+              <a:rPr lang="en-US" dirty="0"/>
+              <a:t>Enhancement: </a:t>
+            </a:r>
+          </a:p>
+          <a:p>
+            <a:pPr marL="0" indent="0">
+              <a:buNone/>
+            </a:pPr>
+            <a:r>
+              <a:rPr lang="en-US" dirty="0"/>
+              <a:t>Revisit: when the same knowledge is retrieved several times</a:t>
+            </a:r>
+          </a:p>
+          <a:p>
+            <a:pPr marL="0" indent="0">
+              <a:buNone/>
+            </a:pPr>
+            <a:r>
+              <a:rPr lang="en-US" dirty="0"/>
+              <a:t>Relearn: while we are storing to database, we found there are repetition. </a:t>
+            </a:r>
           </a:p>
         </p:txBody>
       </p:sp>
     </p:spTree>
     <p:extLst>
       <p:ext uri="{BB962C8B-B14F-4D97-AF65-F5344CB8AC3E}">
-        <p14:creationId xmlns:p14="http://schemas.microsoft.com/office/powerpoint/2010/main" val="1787440801"/>
+        <p14:creationId xmlns:p14="http://schemas.microsoft.com/office/powerpoint/2010/main" val="2783874228"/>
       </p:ext>
     </p:extLst>
   </p:cSld>
@@ -14359,7 +14938,7 @@
 </p:sld>
 </file>
 
-<file path=ppt/slides/slide41.xml><?xml version="1.0" encoding="utf-8"?>
+<file path=ppt/slides/slide44.xml><?xml version="1.0" encoding="utf-8"?>
 <p:sld xmlns:a="http://schemas.openxmlformats.org/drawingml/2006/main" xmlns:r="http://schemas.openxmlformats.org/officeDocument/2006/relationships" xmlns:p="http://schemas.openxmlformats.org/presentationml/2006/main">
   <p:cSld>
     <p:spTree>
@@ -14381,7 +14960,7 @@
           <p:cNvPr id="2" name="Title 1">
             <a:extLst>
               <a:ext uri="{FF2B5EF4-FFF2-40B4-BE49-F238E27FC236}">
-                <a16:creationId xmlns:a16="http://schemas.microsoft.com/office/drawing/2014/main" id="{D4BE7F8D-C57A-C6CF-1BE8-69EEADFED4EF}"/>
+                <a16:creationId xmlns:a16="http://schemas.microsoft.com/office/drawing/2014/main" id="{DB8F568C-0288-BA9A-7B51-CF520150717E}"/>
               </a:ext>
             </a:extLst>
           </p:cNvPr>
@@ -14391,134 +14970,44 @@
           <p:nvPr>
             <p:ph type="title"/>
           </p:nvPr>
-        </p:nvSpPr>
-        <p:spPr/>
-        <p:txBody>
-          <a:bodyPr/>
-          <a:lstStyle/>
-          <a:p>
-            <a:r>
-              <a:rPr lang="en-US" dirty="0"/>
-              <a:t>Forgetting curve – Implications</a:t>
-            </a:r>
-          </a:p>
-        </p:txBody>
-      </p:sp>
-      <p:sp>
-        <p:nvSpPr>
-          <p:cNvPr id="4" name="TextBox 3">
-            <a:extLst>
-              <a:ext uri="{FF2B5EF4-FFF2-40B4-BE49-F238E27FC236}">
-                <a16:creationId xmlns:a16="http://schemas.microsoft.com/office/drawing/2014/main" id="{AA22DCFC-83FB-D3F8-8D32-12C051B45905}"/>
-              </a:ext>
-            </a:extLst>
-          </p:cNvPr>
-          <p:cNvSpPr txBox="1"/>
-          <p:nvPr/>
         </p:nvSpPr>
         <p:spPr>
           <a:xfrm>
-            <a:off x="1147969" y="2092799"/>
-            <a:ext cx="10320777" cy="3693319"/>
+            <a:off x="831849" y="1709738"/>
+            <a:ext cx="11643180" cy="2852737"/>
           </a:xfrm>
-          <a:prstGeom prst="rect">
-            <a:avLst/>
-          </a:prstGeom>
-          <a:noFill/>
         </p:spPr>
         <p:txBody>
-          <a:bodyPr wrap="square" rtlCol="0">
-            <a:spAutoFit/>
-          </a:bodyPr>
-          <a:lstStyle/>
-          <a:p>
-            <a:r>
-              <a:rPr lang="en-US" dirty="0"/>
-              <a:t>Implementations:</a:t>
-            </a:r>
-          </a:p>
-          <a:p>
-            <a:pPr marL="285750" indent="-285750">
-              <a:buFont typeface="Arial" panose="020B0604020202020204" pitchFamily="34" charset="0"/>
-              <a:buChar char="•"/>
-            </a:pPr>
-            <a:r>
-              <a:rPr lang="en-US" dirty="0"/>
-              <a:t>The knowledge is weakened as time elapsed.</a:t>
-            </a:r>
-          </a:p>
-          <a:p>
-            <a:pPr marL="285750" indent="-285750">
-              <a:buFont typeface="Arial" panose="020B0604020202020204" pitchFamily="34" charset="0"/>
-              <a:buChar char="•"/>
-            </a:pPr>
-            <a:endParaRPr lang="en-US" dirty="0"/>
-          </a:p>
-          <a:p>
-            <a:pPr marL="285750" indent="-285750">
-              <a:buFont typeface="Arial" panose="020B0604020202020204" pitchFamily="34" charset="0"/>
-              <a:buChar char="•"/>
-            </a:pPr>
-            <a:r>
-              <a:rPr lang="en-US" dirty="0"/>
-              <a:t>The knowledge is enhanced if it is revisited or re-learnt.</a:t>
-            </a:r>
-          </a:p>
-          <a:p>
-            <a:endParaRPr lang="en-US" dirty="0"/>
-          </a:p>
-          <a:p>
-            <a:pPr marL="285750" indent="-285750">
-              <a:buFont typeface="Arial" panose="020B0604020202020204" pitchFamily="34" charset="0"/>
-              <a:buChar char="•"/>
-            </a:pPr>
-            <a:endParaRPr lang="en-US" dirty="0"/>
-          </a:p>
-          <a:p>
-            <a:r>
-              <a:rPr lang="en-US" dirty="0"/>
-              <a:t>A sensible fit to the context of providing emotional support:</a:t>
-            </a:r>
-          </a:p>
-          <a:p>
-            <a:pPr marL="285750" indent="-285750">
-              <a:buFont typeface="Arial" panose="020B0604020202020204" pitchFamily="34" charset="0"/>
-              <a:buChar char="•"/>
-            </a:pPr>
-            <a:r>
-              <a:rPr lang="en-US" dirty="0"/>
-              <a:t>Frequent mentioned</a:t>
-            </a:r>
-          </a:p>
-          <a:p>
-            <a:pPr marL="285750" indent="-285750">
-              <a:buFont typeface="Arial" panose="020B0604020202020204" pitchFamily="34" charset="0"/>
-              <a:buChar char="•"/>
-            </a:pPr>
-            <a:r>
-              <a:rPr lang="en-US" dirty="0"/>
-              <a:t>Recent</a:t>
-            </a:r>
-          </a:p>
-          <a:p>
-            <a:pPr marL="285750" indent="-285750">
-              <a:buFont typeface="Arial" panose="020B0604020202020204" pitchFamily="34" charset="0"/>
-              <a:buChar char="•"/>
-            </a:pPr>
-            <a:r>
-              <a:rPr lang="en-US" dirty="0"/>
-              <a:t>Emotionally intense</a:t>
-            </a:r>
-          </a:p>
-          <a:p>
-            <a:endParaRPr lang="en-US" dirty="0"/>
-          </a:p>
-          <a:p>
-            <a:r>
-              <a:rPr lang="en-US" dirty="0"/>
-              <a:t>So that for retrieval, we not only consider similarity, but also how importance of a knowledge</a:t>
-            </a:r>
-          </a:p>
+          <a:bodyPr/>
+          <a:lstStyle/>
+          <a:p>
+            <a:r>
+              <a:rPr lang="en-US" dirty="0"/>
+              <a:t>Additional enhancement</a:t>
+            </a:r>
+          </a:p>
+        </p:txBody>
+      </p:sp>
+      <p:sp>
+        <p:nvSpPr>
+          <p:cNvPr id="3" name="Text Placeholder 2">
+            <a:extLst>
+              <a:ext uri="{FF2B5EF4-FFF2-40B4-BE49-F238E27FC236}">
+                <a16:creationId xmlns:a16="http://schemas.microsoft.com/office/drawing/2014/main" id="{40253F3F-EA1F-ED9F-F85E-263ED6E2F314}"/>
+              </a:ext>
+            </a:extLst>
+          </p:cNvPr>
+          <p:cNvSpPr>
+            <a:spLocks noGrp="1"/>
+          </p:cNvSpPr>
+          <p:nvPr>
+            <p:ph type="body" idx="1"/>
+          </p:nvPr>
+        </p:nvSpPr>
+        <p:spPr/>
+        <p:txBody>
+          <a:bodyPr/>
+          <a:lstStyle/>
           <a:p>
             <a:endParaRPr lang="en-US" dirty="0"/>
           </a:p>
@@ -14527,7 +15016,7 @@
     </p:spTree>
     <p:extLst>
       <p:ext uri="{BB962C8B-B14F-4D97-AF65-F5344CB8AC3E}">
-        <p14:creationId xmlns:p14="http://schemas.microsoft.com/office/powerpoint/2010/main" val="3124656243"/>
+        <p14:creationId xmlns:p14="http://schemas.microsoft.com/office/powerpoint/2010/main" val="3861312406"/>
       </p:ext>
     </p:extLst>
   </p:cSld>
@@ -14537,7 +15026,7 @@
 </p:sld>
 </file>
 
-<file path=ppt/slides/slide42.xml><?xml version="1.0" encoding="utf-8"?>
+<file path=ppt/slides/slide45.xml><?xml version="1.0" encoding="utf-8"?>
 <p:sld xmlns:a="http://schemas.openxmlformats.org/drawingml/2006/main" xmlns:r="http://schemas.openxmlformats.org/officeDocument/2006/relationships" xmlns:p="http://schemas.openxmlformats.org/presentationml/2006/main" show="0">
   <p:cSld>
     <p:spTree>
@@ -14582,226 +15071,6 @@
           <a:p>
             <a:r>
               <a:rPr lang="en-US" dirty="0"/>
-              <a:t>Mechanism Implementation</a:t>
-            </a:r>
-          </a:p>
-        </p:txBody>
-      </p:sp>
-      <p:sp>
-        <p:nvSpPr>
-          <p:cNvPr id="3" name="Content Placeholder 2">
-            <a:extLst>
-              <a:ext uri="{FF2B5EF4-FFF2-40B4-BE49-F238E27FC236}">
-                <a16:creationId xmlns:a16="http://schemas.microsoft.com/office/drawing/2014/main" id="{0304BA81-015A-1B6C-0BCB-3DE57540359B}"/>
-              </a:ext>
-            </a:extLst>
-          </p:cNvPr>
-          <p:cNvSpPr>
-            <a:spLocks noGrp="1"/>
-          </p:cNvSpPr>
-          <p:nvPr>
-            <p:ph idx="1"/>
-          </p:nvPr>
-        </p:nvSpPr>
-        <p:spPr>
-          <a:xfrm>
-            <a:off x="658586" y="2005240"/>
-            <a:ext cx="11353800" cy="3448740"/>
-          </a:xfrm>
-        </p:spPr>
-        <p:txBody>
-          <a:bodyPr/>
-          <a:lstStyle/>
-          <a:p>
-            <a:pPr marL="0" indent="0">
-              <a:buNone/>
-            </a:pPr>
-            <a:r>
-              <a:rPr lang="en-US" dirty="0"/>
-              <a:t>Weakening, as time elapsed</a:t>
-            </a:r>
-          </a:p>
-          <a:p>
-            <a:pPr marL="0" indent="0">
-              <a:buNone/>
-            </a:pPr>
-            <a:endParaRPr lang="en-US" dirty="0"/>
-          </a:p>
-          <a:p>
-            <a:pPr marL="0" indent="0">
-              <a:buNone/>
-            </a:pPr>
-            <a:r>
-              <a:rPr lang="en-US" dirty="0"/>
-              <a:t>Enhancement: </a:t>
-            </a:r>
-          </a:p>
-          <a:p>
-            <a:pPr marL="0" indent="0">
-              <a:buNone/>
-            </a:pPr>
-            <a:r>
-              <a:rPr lang="en-US" dirty="0"/>
-              <a:t>Revisit: when the same knowledge is retrieved several times</a:t>
-            </a:r>
-          </a:p>
-          <a:p>
-            <a:pPr marL="0" indent="0">
-              <a:buNone/>
-            </a:pPr>
-            <a:r>
-              <a:rPr lang="en-US" dirty="0"/>
-              <a:t>Relearn: while we are storing to database, we found there are repetition. </a:t>
-            </a:r>
-          </a:p>
-        </p:txBody>
-      </p:sp>
-    </p:spTree>
-    <p:extLst>
-      <p:ext uri="{BB962C8B-B14F-4D97-AF65-F5344CB8AC3E}">
-        <p14:creationId xmlns:p14="http://schemas.microsoft.com/office/powerpoint/2010/main" val="2783874228"/>
-      </p:ext>
-    </p:extLst>
-  </p:cSld>
-  <p:clrMapOvr>
-    <a:masterClrMapping/>
-  </p:clrMapOvr>
-</p:sld>
-</file>
-
-<file path=ppt/slides/slide43.xml><?xml version="1.0" encoding="utf-8"?>
-<p:sld xmlns:a="http://schemas.openxmlformats.org/drawingml/2006/main" xmlns:r="http://schemas.openxmlformats.org/officeDocument/2006/relationships" xmlns:p="http://schemas.openxmlformats.org/presentationml/2006/main">
-  <p:cSld>
-    <p:spTree>
-      <p:nvGrpSpPr>
-        <p:cNvPr id="1" name=""/>
-        <p:cNvGrpSpPr/>
-        <p:nvPr/>
-      </p:nvGrpSpPr>
-      <p:grpSpPr>
-        <a:xfrm>
-          <a:off x="0" y="0"/>
-          <a:ext cx="0" cy="0"/>
-          <a:chOff x="0" y="0"/>
-          <a:chExt cx="0" cy="0"/>
-        </a:xfrm>
-      </p:grpSpPr>
-      <p:sp>
-        <p:nvSpPr>
-          <p:cNvPr id="2" name="Title 1">
-            <a:extLst>
-              <a:ext uri="{FF2B5EF4-FFF2-40B4-BE49-F238E27FC236}">
-                <a16:creationId xmlns:a16="http://schemas.microsoft.com/office/drawing/2014/main" id="{DB8F568C-0288-BA9A-7B51-CF520150717E}"/>
-              </a:ext>
-            </a:extLst>
-          </p:cNvPr>
-          <p:cNvSpPr>
-            <a:spLocks noGrp="1"/>
-          </p:cNvSpPr>
-          <p:nvPr>
-            <p:ph type="title"/>
-          </p:nvPr>
-        </p:nvSpPr>
-        <p:spPr>
-          <a:xfrm>
-            <a:off x="831849" y="1709738"/>
-            <a:ext cx="11643180" cy="2852737"/>
-          </a:xfrm>
-        </p:spPr>
-        <p:txBody>
-          <a:bodyPr/>
-          <a:lstStyle/>
-          <a:p>
-            <a:r>
-              <a:rPr lang="en-US" dirty="0"/>
-              <a:t>Engineering Implementation Details</a:t>
-            </a:r>
-          </a:p>
-        </p:txBody>
-      </p:sp>
-      <p:sp>
-        <p:nvSpPr>
-          <p:cNvPr id="3" name="Text Placeholder 2">
-            <a:extLst>
-              <a:ext uri="{FF2B5EF4-FFF2-40B4-BE49-F238E27FC236}">
-                <a16:creationId xmlns:a16="http://schemas.microsoft.com/office/drawing/2014/main" id="{40253F3F-EA1F-ED9F-F85E-263ED6E2F314}"/>
-              </a:ext>
-            </a:extLst>
-          </p:cNvPr>
-          <p:cNvSpPr>
-            <a:spLocks noGrp="1"/>
-          </p:cNvSpPr>
-          <p:nvPr>
-            <p:ph type="body" idx="1"/>
-          </p:nvPr>
-        </p:nvSpPr>
-        <p:spPr/>
-        <p:txBody>
-          <a:bodyPr/>
-          <a:lstStyle/>
-          <a:p>
-            <a:endParaRPr lang="en-US" dirty="0"/>
-          </a:p>
-        </p:txBody>
-      </p:sp>
-    </p:spTree>
-    <p:extLst>
-      <p:ext uri="{BB962C8B-B14F-4D97-AF65-F5344CB8AC3E}">
-        <p14:creationId xmlns:p14="http://schemas.microsoft.com/office/powerpoint/2010/main" val="3861312406"/>
-      </p:ext>
-    </p:extLst>
-  </p:cSld>
-  <p:clrMapOvr>
-    <a:masterClrMapping/>
-  </p:clrMapOvr>
-</p:sld>
-</file>
-
-<file path=ppt/slides/slide44.xml><?xml version="1.0" encoding="utf-8"?>
-<p:sld xmlns:a="http://schemas.openxmlformats.org/drawingml/2006/main" xmlns:r="http://schemas.openxmlformats.org/officeDocument/2006/relationships" xmlns:p="http://schemas.openxmlformats.org/presentationml/2006/main" show="0">
-  <p:cSld>
-    <p:spTree>
-      <p:nvGrpSpPr>
-        <p:cNvPr id="1" name=""/>
-        <p:cNvGrpSpPr/>
-        <p:nvPr/>
-      </p:nvGrpSpPr>
-      <p:grpSpPr>
-        <a:xfrm>
-          <a:off x="0" y="0"/>
-          <a:ext cx="0" cy="0"/>
-          <a:chOff x="0" y="0"/>
-          <a:chExt cx="0" cy="0"/>
-        </a:xfrm>
-      </p:grpSpPr>
-      <p:sp>
-        <p:nvSpPr>
-          <p:cNvPr id="2" name="Title 1">
-            <a:extLst>
-              <a:ext uri="{FF2B5EF4-FFF2-40B4-BE49-F238E27FC236}">
-                <a16:creationId xmlns:a16="http://schemas.microsoft.com/office/drawing/2014/main" id="{D4BE7F8D-C57A-C6CF-1BE8-69EEADFED4EF}"/>
-              </a:ext>
-            </a:extLst>
-          </p:cNvPr>
-          <p:cNvSpPr>
-            <a:spLocks noGrp="1"/>
-          </p:cNvSpPr>
-          <p:nvPr>
-            <p:ph type="title"/>
-          </p:nvPr>
-        </p:nvSpPr>
-        <p:spPr>
-          <a:xfrm>
-            <a:off x="838200" y="504481"/>
-            <a:ext cx="10515600" cy="787814"/>
-          </a:xfrm>
-        </p:spPr>
-        <p:txBody>
-          <a:bodyPr/>
-          <a:lstStyle/>
-          <a:p>
-            <a:r>
-              <a:rPr lang="en-US" dirty="0"/>
               <a:t>Knowledge storage</a:t>
             </a:r>
           </a:p>
@@ -14934,7 +15203,7 @@
 </p:sld>
 </file>
 
-<file path=ppt/slides/slide45.xml><?xml version="1.0" encoding="utf-8"?>
+<file path=ppt/slides/slide46.xml><?xml version="1.0" encoding="utf-8"?>
 <p:sld xmlns:a="http://schemas.openxmlformats.org/drawingml/2006/main" xmlns:r="http://schemas.openxmlformats.org/officeDocument/2006/relationships" xmlns:p="http://schemas.openxmlformats.org/presentationml/2006/main" show="0">
   <p:cSld>
     <p:spTree>
@@ -15139,156 +15408,6 @@
 </p:sld>
 </file>
 
-<file path=ppt/slides/slide46.xml><?xml version="1.0" encoding="utf-8"?>
-<p:sld xmlns:a="http://schemas.openxmlformats.org/drawingml/2006/main" xmlns:r="http://schemas.openxmlformats.org/officeDocument/2006/relationships" xmlns:p="http://schemas.openxmlformats.org/presentationml/2006/main">
-  <p:cSld>
-    <p:spTree>
-      <p:nvGrpSpPr>
-        <p:cNvPr id="1" name=""/>
-        <p:cNvGrpSpPr/>
-        <p:nvPr/>
-      </p:nvGrpSpPr>
-      <p:grpSpPr>
-        <a:xfrm>
-          <a:off x="0" y="0"/>
-          <a:ext cx="0" cy="0"/>
-          <a:chOff x="0" y="0"/>
-          <a:chExt cx="0" cy="0"/>
-        </a:xfrm>
-      </p:grpSpPr>
-      <p:sp>
-        <p:nvSpPr>
-          <p:cNvPr id="2" name="Title 1">
-            <a:extLst>
-              <a:ext uri="{FF2B5EF4-FFF2-40B4-BE49-F238E27FC236}">
-                <a16:creationId xmlns:a16="http://schemas.microsoft.com/office/drawing/2014/main" id="{D4BE7F8D-C57A-C6CF-1BE8-69EEADFED4EF}"/>
-              </a:ext>
-            </a:extLst>
-          </p:cNvPr>
-          <p:cNvSpPr>
-            <a:spLocks noGrp="1"/>
-          </p:cNvSpPr>
-          <p:nvPr>
-            <p:ph type="title"/>
-          </p:nvPr>
-        </p:nvSpPr>
-        <p:spPr>
-          <a:xfrm>
-            <a:off x="838200" y="504481"/>
-            <a:ext cx="10515600" cy="787814"/>
-          </a:xfrm>
-        </p:spPr>
-        <p:txBody>
-          <a:bodyPr/>
-          <a:lstStyle/>
-          <a:p>
-            <a:r>
-              <a:rPr lang="en-US" dirty="0"/>
-              <a:t>Enhancement</a:t>
-            </a:r>
-          </a:p>
-        </p:txBody>
-      </p:sp>
-      <p:sp>
-        <p:nvSpPr>
-          <p:cNvPr id="3" name="Content Placeholder 2">
-            <a:extLst>
-              <a:ext uri="{FF2B5EF4-FFF2-40B4-BE49-F238E27FC236}">
-                <a16:creationId xmlns:a16="http://schemas.microsoft.com/office/drawing/2014/main" id="{0304BA81-015A-1B6C-0BCB-3DE57540359B}"/>
-              </a:ext>
-            </a:extLst>
-          </p:cNvPr>
-          <p:cNvSpPr>
-            <a:spLocks noGrp="1"/>
-          </p:cNvSpPr>
-          <p:nvPr>
-            <p:ph idx="1"/>
-          </p:nvPr>
-        </p:nvSpPr>
-        <p:spPr>
-          <a:xfrm>
-            <a:off x="571500" y="1923596"/>
-            <a:ext cx="11620500" cy="4248603"/>
-          </a:xfrm>
-        </p:spPr>
-        <p:txBody>
-          <a:bodyPr/>
-          <a:lstStyle/>
-          <a:p>
-            <a:pPr marL="0" indent="0">
-              <a:buNone/>
-            </a:pPr>
-            <a:r>
-              <a:rPr lang="en-US" dirty="0"/>
-              <a:t>We applied Name Entity Recognition to enhance support for interpersonal relationship issue.</a:t>
-            </a:r>
-          </a:p>
-          <a:p>
-            <a:pPr marL="0" indent="0">
-              <a:buNone/>
-            </a:pPr>
-            <a:endParaRPr lang="en-US" dirty="0"/>
-          </a:p>
-          <a:p>
-            <a:pPr marL="0" indent="0">
-              <a:buNone/>
-            </a:pPr>
-            <a:r>
-              <a:rPr lang="en-US" dirty="0"/>
-              <a:t>Search: “Amy: I am going out to a restaurant with Alice next Monday”</a:t>
-            </a:r>
-          </a:p>
-          <a:p>
-            <a:pPr marL="0" indent="0">
-              <a:buNone/>
-            </a:pPr>
-            <a:endParaRPr lang="en-US" dirty="0"/>
-          </a:p>
-          <a:p>
-            <a:pPr marL="0" indent="0">
-              <a:buNone/>
-            </a:pPr>
-            <a:r>
-              <a:rPr lang="en-US" dirty="0"/>
-              <a:t>Semantic search: “Amy went to a new restaurant for the fishes” (2023-05-01)</a:t>
-            </a:r>
-          </a:p>
-          <a:p>
-            <a:pPr marL="0" indent="0">
-              <a:buNone/>
-            </a:pPr>
-            <a:endParaRPr lang="en-US" dirty="0"/>
-          </a:p>
-          <a:p>
-            <a:pPr marL="0" indent="0">
-              <a:buNone/>
-            </a:pPr>
-            <a:r>
-              <a:rPr lang="en-US" dirty="0"/>
-              <a:t>Additional search: “Amy had a fight with Alice yesterday” (2023-04-30)</a:t>
-            </a:r>
-          </a:p>
-          <a:p>
-            <a:pPr marL="0" indent="0">
-              <a:buNone/>
-            </a:pPr>
-            <a:endParaRPr lang="en-US" dirty="0"/>
-          </a:p>
-        </p:txBody>
-      </p:sp>
-    </p:spTree>
-    <p:extLst>
-      <p:ext uri="{BB962C8B-B14F-4D97-AF65-F5344CB8AC3E}">
-        <p14:creationId xmlns:p14="http://schemas.microsoft.com/office/powerpoint/2010/main" val="1044512164"/>
-      </p:ext>
-    </p:extLst>
-  </p:cSld>
-  <p:clrMapOvr>
-    <a:masterClrMapping/>
-  </p:clrMapOvr>
-</p:sld>
-</file>
-
 <file path=ppt/slides/slide47.xml><?xml version="1.0" encoding="utf-8"?>
 <p:sld xmlns:a="http://schemas.openxmlformats.org/drawingml/2006/main" xmlns:r="http://schemas.openxmlformats.org/officeDocument/2006/relationships" xmlns:p="http://schemas.openxmlformats.org/presentationml/2006/main">
   <p:cSld>
@@ -15311,6 +15430,156 @@
           <p:cNvPr id="2" name="Title 1">
             <a:extLst>
               <a:ext uri="{FF2B5EF4-FFF2-40B4-BE49-F238E27FC236}">
+                <a16:creationId xmlns:a16="http://schemas.microsoft.com/office/drawing/2014/main" id="{D4BE7F8D-C57A-C6CF-1BE8-69EEADFED4EF}"/>
+              </a:ext>
+            </a:extLst>
+          </p:cNvPr>
+          <p:cNvSpPr>
+            <a:spLocks noGrp="1"/>
+          </p:cNvSpPr>
+          <p:nvPr>
+            <p:ph type="title"/>
+          </p:nvPr>
+        </p:nvSpPr>
+        <p:spPr>
+          <a:xfrm>
+            <a:off x="714213" y="524369"/>
+            <a:ext cx="10515600" cy="787814"/>
+          </a:xfrm>
+        </p:spPr>
+        <p:txBody>
+          <a:bodyPr/>
+          <a:lstStyle/>
+          <a:p>
+            <a:r>
+              <a:rPr lang="en-US" dirty="0"/>
+              <a:t>Interpersonal relationship issue</a:t>
+            </a:r>
+          </a:p>
+        </p:txBody>
+      </p:sp>
+      <p:sp>
+        <p:nvSpPr>
+          <p:cNvPr id="3" name="Content Placeholder 2">
+            <a:extLst>
+              <a:ext uri="{FF2B5EF4-FFF2-40B4-BE49-F238E27FC236}">
+                <a16:creationId xmlns:a16="http://schemas.microsoft.com/office/drawing/2014/main" id="{0304BA81-015A-1B6C-0BCB-3DE57540359B}"/>
+              </a:ext>
+            </a:extLst>
+          </p:cNvPr>
+          <p:cNvSpPr>
+            <a:spLocks noGrp="1"/>
+          </p:cNvSpPr>
+          <p:nvPr>
+            <p:ph idx="1"/>
+          </p:nvPr>
+        </p:nvSpPr>
+        <p:spPr>
+          <a:xfrm>
+            <a:off x="295758" y="1691121"/>
+            <a:ext cx="12133881" cy="4248603"/>
+          </a:xfrm>
+        </p:spPr>
+        <p:txBody>
+          <a:bodyPr/>
+          <a:lstStyle/>
+          <a:p>
+            <a:pPr marL="0" indent="0">
+              <a:buNone/>
+            </a:pPr>
+            <a:r>
+              <a:rPr lang="en-US" dirty="0"/>
+              <a:t>We applied Name Entity Recognition</a:t>
+            </a:r>
+          </a:p>
+          <a:p>
+            <a:pPr marL="0" indent="0">
+              <a:buNone/>
+            </a:pPr>
+            <a:endParaRPr lang="en-US" dirty="0"/>
+          </a:p>
+          <a:p>
+            <a:pPr marL="0" indent="0">
+              <a:buNone/>
+            </a:pPr>
+            <a:r>
+              <a:rPr lang="en-US" dirty="0"/>
+              <a:t>Current utterance: “Amy: I am going out to a restaurant with Alice next Monday”</a:t>
+            </a:r>
+          </a:p>
+          <a:p>
+            <a:pPr marL="0" indent="0">
+              <a:buNone/>
+            </a:pPr>
+            <a:endParaRPr lang="en-US" dirty="0"/>
+          </a:p>
+          <a:p>
+            <a:pPr marL="0" indent="0">
+              <a:buNone/>
+            </a:pPr>
+            <a:r>
+              <a:rPr lang="en-US" dirty="0"/>
+              <a:t>Semantic search: “Amy went to a new restaurant for the fishes” (2023-05-01)</a:t>
+            </a:r>
+          </a:p>
+          <a:p>
+            <a:pPr marL="0" indent="0">
+              <a:buNone/>
+            </a:pPr>
+            <a:endParaRPr lang="en-US" dirty="0"/>
+          </a:p>
+          <a:p>
+            <a:pPr marL="0" indent="0">
+              <a:buNone/>
+            </a:pPr>
+            <a:r>
+              <a:rPr lang="en-US" dirty="0"/>
+              <a:t>Additional search: “Amy had a fight with Alice yesterday” (2023-04-30)</a:t>
+            </a:r>
+          </a:p>
+          <a:p>
+            <a:pPr marL="0" indent="0">
+              <a:buNone/>
+            </a:pPr>
+            <a:endParaRPr lang="en-US" dirty="0"/>
+          </a:p>
+        </p:txBody>
+      </p:sp>
+    </p:spTree>
+    <p:extLst>
+      <p:ext uri="{BB962C8B-B14F-4D97-AF65-F5344CB8AC3E}">
+        <p14:creationId xmlns:p14="http://schemas.microsoft.com/office/powerpoint/2010/main" val="1044512164"/>
+      </p:ext>
+    </p:extLst>
+  </p:cSld>
+  <p:clrMapOvr>
+    <a:masterClrMapping/>
+  </p:clrMapOvr>
+</p:sld>
+</file>
+
+<file path=ppt/slides/slide48.xml><?xml version="1.0" encoding="utf-8"?>
+<p:sld xmlns:a="http://schemas.openxmlformats.org/drawingml/2006/main" xmlns:r="http://schemas.openxmlformats.org/officeDocument/2006/relationships" xmlns:p="http://schemas.openxmlformats.org/presentationml/2006/main">
+  <p:cSld>
+    <p:spTree>
+      <p:nvGrpSpPr>
+        <p:cNvPr id="1" name=""/>
+        <p:cNvGrpSpPr/>
+        <p:nvPr/>
+      </p:nvGrpSpPr>
+      <p:grpSpPr>
+        <a:xfrm>
+          <a:off x="0" y="0"/>
+          <a:ext cx="0" cy="0"/>
+          <a:chOff x="0" y="0"/>
+          <a:chExt cx="0" cy="0"/>
+        </a:xfrm>
+      </p:grpSpPr>
+      <p:sp>
+        <p:nvSpPr>
+          <p:cNvPr id="2" name="Title 1">
+            <a:extLst>
+              <a:ext uri="{FF2B5EF4-FFF2-40B4-BE49-F238E27FC236}">
                 <a16:creationId xmlns:a16="http://schemas.microsoft.com/office/drawing/2014/main" id="{DF3DF96E-C3F7-FC3B-B2DB-0F63D14CF922}"/>
               </a:ext>
             </a:extLst>
@@ -15379,7 +15648,7 @@
 </p:sld>
 </file>
 
-<file path=ppt/slides/slide48.xml><?xml version="1.0" encoding="utf-8"?>
+<file path=ppt/slides/slide49.xml><?xml version="1.0" encoding="utf-8"?>
 <p:sld xmlns:a="http://schemas.openxmlformats.org/drawingml/2006/main" xmlns:r="http://schemas.openxmlformats.org/officeDocument/2006/relationships" xmlns:p="http://schemas.openxmlformats.org/presentationml/2006/main" show="0">
   <p:cSld>
     <p:spTree>
@@ -15466,462 +15735,6 @@
     <p:extLst>
       <p:ext uri="{BB962C8B-B14F-4D97-AF65-F5344CB8AC3E}">
         <p14:creationId xmlns:p14="http://schemas.microsoft.com/office/powerpoint/2010/main" val="1848482840"/>
-      </p:ext>
-    </p:extLst>
-  </p:cSld>
-  <p:clrMapOvr>
-    <a:masterClrMapping/>
-  </p:clrMapOvr>
-</p:sld>
-</file>
-
-<file path=ppt/slides/slide49.xml><?xml version="1.0" encoding="utf-8"?>
-<p:sld xmlns:a="http://schemas.openxmlformats.org/drawingml/2006/main" xmlns:r="http://schemas.openxmlformats.org/officeDocument/2006/relationships" xmlns:p="http://schemas.openxmlformats.org/presentationml/2006/main">
-  <p:cSld>
-    <p:spTree>
-      <p:nvGrpSpPr>
-        <p:cNvPr id="1" name=""/>
-        <p:cNvGrpSpPr/>
-        <p:nvPr/>
-      </p:nvGrpSpPr>
-      <p:grpSpPr>
-        <a:xfrm>
-          <a:off x="0" y="0"/>
-          <a:ext cx="0" cy="0"/>
-          <a:chOff x="0" y="0"/>
-          <a:chExt cx="0" cy="0"/>
-        </a:xfrm>
-      </p:grpSpPr>
-      <p:sp>
-        <p:nvSpPr>
-          <p:cNvPr id="5" name="TextBox 4">
-            <a:extLst>
-              <a:ext uri="{FF2B5EF4-FFF2-40B4-BE49-F238E27FC236}">
-                <a16:creationId xmlns:a16="http://schemas.microsoft.com/office/drawing/2014/main" id="{E8AEFE85-01DA-4E57-AEBE-2EEC7EB8B3AB}"/>
-              </a:ext>
-            </a:extLst>
-          </p:cNvPr>
-          <p:cNvSpPr txBox="1"/>
-          <p:nvPr/>
-        </p:nvSpPr>
-        <p:spPr>
-          <a:xfrm>
-            <a:off x="2836817" y="326143"/>
-            <a:ext cx="4023361" cy="646331"/>
-          </a:xfrm>
-          <a:prstGeom prst="rect">
-            <a:avLst/>
-          </a:prstGeom>
-          <a:noFill/>
-        </p:spPr>
-        <p:txBody>
-          <a:bodyPr wrap="square" rtlCol="0">
-            <a:spAutoFit/>
-          </a:bodyPr>
-          <a:lstStyle/>
-          <a:p>
-            <a:pPr algn="ctr"/>
-            <a:r>
-              <a:rPr lang="en-US" dirty="0"/>
-              <a:t>Chatbot A</a:t>
-            </a:r>
-          </a:p>
-          <a:p>
-            <a:pPr algn="ctr"/>
-            <a:r>
-              <a:rPr lang="en-US" dirty="0"/>
-              <a:t> (with memory system)</a:t>
-            </a:r>
-          </a:p>
-        </p:txBody>
-      </p:sp>
-      <p:sp>
-        <p:nvSpPr>
-          <p:cNvPr id="6" name="TextBox 5">
-            <a:extLst>
-              <a:ext uri="{FF2B5EF4-FFF2-40B4-BE49-F238E27FC236}">
-                <a16:creationId xmlns:a16="http://schemas.microsoft.com/office/drawing/2014/main" id="{7FCD92BE-F721-05D4-D6AD-6A782E8569DB}"/>
-              </a:ext>
-            </a:extLst>
-          </p:cNvPr>
-          <p:cNvSpPr txBox="1"/>
-          <p:nvPr/>
-        </p:nvSpPr>
-        <p:spPr>
-          <a:xfrm>
-            <a:off x="7484292" y="326143"/>
-            <a:ext cx="4023361" cy="646331"/>
-          </a:xfrm>
-          <a:prstGeom prst="rect">
-            <a:avLst/>
-          </a:prstGeom>
-          <a:noFill/>
-        </p:spPr>
-        <p:txBody>
-          <a:bodyPr wrap="square" rtlCol="0">
-            <a:spAutoFit/>
-          </a:bodyPr>
-          <a:lstStyle/>
-          <a:p>
-            <a:pPr algn="ctr"/>
-            <a:r>
-              <a:rPr lang="en-US" dirty="0"/>
-              <a:t>Chatbot B</a:t>
-            </a:r>
-          </a:p>
-          <a:p>
-            <a:pPr algn="ctr"/>
-            <a:r>
-              <a:rPr lang="en-US" dirty="0"/>
-              <a:t> (without memory system)</a:t>
-            </a:r>
-          </a:p>
-        </p:txBody>
-      </p:sp>
-      <mc:AlternateContent xmlns:mc="http://schemas.openxmlformats.org/markup-compatibility/2006" xmlns:a14="http://schemas.microsoft.com/office/drawing/2010/main">
-        <mc:Choice Requires="a14">
-          <p:sp>
-            <p:nvSpPr>
-              <p:cNvPr id="7" name="TextBox 6">
-                <a:extLst>
-                  <a:ext uri="{FF2B5EF4-FFF2-40B4-BE49-F238E27FC236}">
-                    <a16:creationId xmlns:a16="http://schemas.microsoft.com/office/drawing/2014/main" id="{B13F4A4B-9F65-DD91-4188-62B45A3A4A2F}"/>
-                  </a:ext>
-                </a:extLst>
-              </p:cNvPr>
-              <p:cNvSpPr txBox="1"/>
-              <p:nvPr/>
-            </p:nvSpPr>
-            <p:spPr>
-              <a:xfrm>
-                <a:off x="8440783" y="1620296"/>
-                <a:ext cx="2807426" cy="646331"/>
-              </a:xfrm>
-              <a:prstGeom prst="rect">
-                <a:avLst/>
-              </a:prstGeom>
-              <a:noFill/>
-            </p:spPr>
-            <p:txBody>
-              <a:bodyPr wrap="square" rtlCol="0">
-                <a:spAutoFit/>
-              </a:bodyPr>
-              <a:lstStyle/>
-              <a:p>
-                <a:pPr algn="ctr"/>
-                <a:r>
-                  <a:rPr lang="en-US" dirty="0"/>
-                  <a:t>All previous turns</a:t>
-                </a:r>
-              </a:p>
-              <a:p>
-                <a:pPr algn="ctr"/>
-                <a:r>
-                  <a:rPr lang="en-US" dirty="0"/>
-                  <a:t>(40</a:t>
-                </a:r>
-                <a:r>
-                  <a:rPr lang="en-US" altLang="zh-CN" dirty="0"/>
-                  <a:t>96</a:t>
-                </a:r>
-                <a:r>
-                  <a:rPr lang="en-US" dirty="0"/>
-                  <a:t> tokens</a:t>
-                </a:r>
-                <a:r>
-                  <a:rPr lang="zh-CN" altLang="en-US" dirty="0"/>
-                  <a:t>*</a:t>
-                </a:r>
-                <a:r>
-                  <a:rPr lang="en-US" dirty="0"/>
-                  <a:t> </a:t>
-                </a:r>
-                <a14:m>
-                  <m:oMath xmlns:m="http://schemas.openxmlformats.org/officeDocument/2006/math">
-                    <m:r>
-                      <a:rPr lang="en-US" i="1" smtClean="0">
-                        <a:latin typeface="Cambria Math" panose="02040503050406030204" pitchFamily="18" charset="0"/>
-                        <a:ea typeface="Cambria Math" panose="02040503050406030204" pitchFamily="18" charset="0"/>
-                      </a:rPr>
-                      <m:t>≈</m:t>
-                    </m:r>
-                  </m:oMath>
-                </a14:m>
-                <a:r>
-                  <a:rPr lang="en-US" dirty="0"/>
-                  <a:t> 64 turns)</a:t>
-                </a:r>
-              </a:p>
-            </p:txBody>
-          </p:sp>
-        </mc:Choice>
-        <mc:Fallback xmlns="">
-          <p:sp>
-            <p:nvSpPr>
-              <p:cNvPr id="7" name="TextBox 6">
-                <a:extLst>
-                  <a:ext uri="{FF2B5EF4-FFF2-40B4-BE49-F238E27FC236}">
-                    <a16:creationId xmlns:a16="http://schemas.microsoft.com/office/drawing/2014/main" id="{B13F4A4B-9F65-DD91-4188-62B45A3A4A2F}"/>
-                  </a:ext>
-                </a:extLst>
-              </p:cNvPr>
-              <p:cNvSpPr txBox="1">
-                <a:spLocks noRot="1" noChangeAspect="1" noMove="1" noResize="1" noEditPoints="1" noAdjustHandles="1" noChangeArrowheads="1" noChangeShapeType="1" noTextEdit="1"/>
-              </p:cNvSpPr>
-              <p:nvPr/>
-            </p:nvSpPr>
-            <p:spPr>
-              <a:xfrm>
-                <a:off x="8440783" y="1620296"/>
-                <a:ext cx="2807426" cy="646331"/>
-              </a:xfrm>
-              <a:prstGeom prst="rect">
-                <a:avLst/>
-              </a:prstGeom>
-              <a:blipFill>
-                <a:blip r:embed="rId3"/>
-                <a:stretch>
-                  <a:fillRect t="-3846" b="-15385"/>
-                </a:stretch>
-              </a:blipFill>
-            </p:spPr>
-            <p:txBody>
-              <a:bodyPr/>
-              <a:lstStyle/>
-              <a:p>
-                <a:r>
-                  <a:rPr lang="en-US">
-                    <a:noFill/>
-                  </a:rPr>
-                  <a:t> </a:t>
-                </a:r>
-              </a:p>
-            </p:txBody>
-          </p:sp>
-        </mc:Fallback>
-      </mc:AlternateContent>
-      <p:sp>
-        <p:nvSpPr>
-          <p:cNvPr id="8" name="TextBox 7">
-            <a:extLst>
-              <a:ext uri="{FF2B5EF4-FFF2-40B4-BE49-F238E27FC236}">
-                <a16:creationId xmlns:a16="http://schemas.microsoft.com/office/drawing/2014/main" id="{6788CDF8-DB9C-882B-F56C-96F151A071A4}"/>
-              </a:ext>
-            </a:extLst>
-          </p:cNvPr>
-          <p:cNvSpPr txBox="1"/>
-          <p:nvPr/>
-        </p:nvSpPr>
-        <p:spPr>
-          <a:xfrm>
-            <a:off x="770709" y="1613207"/>
-            <a:ext cx="1841863" cy="646331"/>
-          </a:xfrm>
-          <a:prstGeom prst="rect">
-            <a:avLst/>
-          </a:prstGeom>
-          <a:noFill/>
-        </p:spPr>
-        <p:txBody>
-          <a:bodyPr wrap="square" rtlCol="0">
-            <a:spAutoFit/>
-          </a:bodyPr>
-          <a:lstStyle/>
-          <a:p>
-            <a:pPr algn="ctr"/>
-            <a:r>
-              <a:rPr lang="en-US" dirty="0"/>
-              <a:t>Conversation </a:t>
-            </a:r>
-          </a:p>
-          <a:p>
-            <a:pPr algn="ctr"/>
-            <a:r>
-              <a:rPr lang="en-US" dirty="0"/>
-              <a:t>context history</a:t>
-            </a:r>
-          </a:p>
-        </p:txBody>
-      </p:sp>
-      <p:sp>
-        <p:nvSpPr>
-          <p:cNvPr id="9" name="TextBox 8">
-            <a:extLst>
-              <a:ext uri="{FF2B5EF4-FFF2-40B4-BE49-F238E27FC236}">
-                <a16:creationId xmlns:a16="http://schemas.microsoft.com/office/drawing/2014/main" id="{8794CE42-91CD-D9A6-4C02-C6051FAC6D99}"/>
-              </a:ext>
-            </a:extLst>
-          </p:cNvPr>
-          <p:cNvSpPr txBox="1"/>
-          <p:nvPr/>
-        </p:nvSpPr>
-        <p:spPr>
-          <a:xfrm>
-            <a:off x="4256316" y="1758796"/>
-            <a:ext cx="1397726" cy="369332"/>
-          </a:xfrm>
-          <a:prstGeom prst="rect">
-            <a:avLst/>
-          </a:prstGeom>
-          <a:noFill/>
-        </p:spPr>
-        <p:txBody>
-          <a:bodyPr wrap="square" rtlCol="0">
-            <a:spAutoFit/>
-          </a:bodyPr>
-          <a:lstStyle/>
-          <a:p>
-            <a:r>
-              <a:rPr lang="en-US" dirty="0"/>
-              <a:t>Past 8 turns</a:t>
-            </a:r>
-          </a:p>
-        </p:txBody>
-      </p:sp>
-      <p:sp>
-        <p:nvSpPr>
-          <p:cNvPr id="10" name="TextBox 9">
-            <a:extLst>
-              <a:ext uri="{FF2B5EF4-FFF2-40B4-BE49-F238E27FC236}">
-                <a16:creationId xmlns:a16="http://schemas.microsoft.com/office/drawing/2014/main" id="{E385F4D8-2412-6BF8-1C9F-4DEF6B8DD627}"/>
-              </a:ext>
-            </a:extLst>
-          </p:cNvPr>
-          <p:cNvSpPr txBox="1"/>
-          <p:nvPr/>
-        </p:nvSpPr>
-        <p:spPr>
-          <a:xfrm>
-            <a:off x="994956" y="3055734"/>
-            <a:ext cx="1841861" cy="369332"/>
-          </a:xfrm>
-          <a:prstGeom prst="rect">
-            <a:avLst/>
-          </a:prstGeom>
-          <a:noFill/>
-        </p:spPr>
-        <p:txBody>
-          <a:bodyPr wrap="square" rtlCol="0">
-            <a:spAutoFit/>
-          </a:bodyPr>
-          <a:lstStyle/>
-          <a:p>
-            <a:r>
-              <a:rPr lang="en-US" dirty="0"/>
-              <a:t>Past Knowledge</a:t>
-            </a:r>
-          </a:p>
-        </p:txBody>
-      </p:sp>
-      <p:sp>
-        <p:nvSpPr>
-          <p:cNvPr id="11" name="TextBox 10">
-            <a:extLst>
-              <a:ext uri="{FF2B5EF4-FFF2-40B4-BE49-F238E27FC236}">
-                <a16:creationId xmlns:a16="http://schemas.microsoft.com/office/drawing/2014/main" id="{09B182DC-F893-9481-546C-8172E06123AC}"/>
-              </a:ext>
-            </a:extLst>
-          </p:cNvPr>
-          <p:cNvSpPr txBox="1"/>
-          <p:nvPr/>
-        </p:nvSpPr>
-        <p:spPr>
-          <a:xfrm>
-            <a:off x="3903619" y="3059668"/>
-            <a:ext cx="2103119" cy="369332"/>
-          </a:xfrm>
-          <a:prstGeom prst="rect">
-            <a:avLst/>
-          </a:prstGeom>
-          <a:noFill/>
-        </p:spPr>
-        <p:txBody>
-          <a:bodyPr wrap="square" rtlCol="0">
-            <a:spAutoFit/>
-          </a:bodyPr>
-          <a:lstStyle/>
-          <a:p>
-            <a:r>
-              <a:rPr lang="en-US" dirty="0"/>
-              <a:t>Knowledge Prompt</a:t>
-            </a:r>
-          </a:p>
-        </p:txBody>
-      </p:sp>
-      <p:sp>
-        <p:nvSpPr>
-          <p:cNvPr id="12" name="TextBox 11">
-            <a:extLst>
-              <a:ext uri="{FF2B5EF4-FFF2-40B4-BE49-F238E27FC236}">
-                <a16:creationId xmlns:a16="http://schemas.microsoft.com/office/drawing/2014/main" id="{84EBF6EF-2067-70D9-3EE7-BF4F26EB3D4D}"/>
-              </a:ext>
-            </a:extLst>
-          </p:cNvPr>
-          <p:cNvSpPr txBox="1"/>
-          <p:nvPr/>
-        </p:nvSpPr>
-        <p:spPr>
-          <a:xfrm>
-            <a:off x="8141426" y="3055734"/>
-            <a:ext cx="3106783" cy="369332"/>
-          </a:xfrm>
-          <a:prstGeom prst="rect">
-            <a:avLst/>
-          </a:prstGeom>
-          <a:noFill/>
-        </p:spPr>
-        <p:txBody>
-          <a:bodyPr wrap="square" rtlCol="0">
-            <a:spAutoFit/>
-          </a:bodyPr>
-          <a:lstStyle/>
-          <a:p>
-            <a:r>
-              <a:rPr lang="en-US" dirty="0"/>
-              <a:t>Infer from conversation history</a:t>
-            </a:r>
-          </a:p>
-        </p:txBody>
-      </p:sp>
-      <p:sp>
-        <p:nvSpPr>
-          <p:cNvPr id="16" name="TextBox 15">
-            <a:extLst>
-              <a:ext uri="{FF2B5EF4-FFF2-40B4-BE49-F238E27FC236}">
-                <a16:creationId xmlns:a16="http://schemas.microsoft.com/office/drawing/2014/main" id="{E7301519-51E8-E849-832F-8984122AC9BE}"/>
-              </a:ext>
-            </a:extLst>
-          </p:cNvPr>
-          <p:cNvSpPr txBox="1"/>
-          <p:nvPr/>
-        </p:nvSpPr>
-        <p:spPr>
-          <a:xfrm>
-            <a:off x="3310360" y="4171940"/>
-            <a:ext cx="4956803" cy="369332"/>
-          </a:xfrm>
-          <a:prstGeom prst="rect">
-            <a:avLst/>
-          </a:prstGeom>
-          <a:noFill/>
-        </p:spPr>
-        <p:txBody>
-          <a:bodyPr wrap="square" rtlCol="0">
-            <a:spAutoFit/>
-          </a:bodyPr>
-          <a:lstStyle/>
-          <a:p>
-            <a:r>
-              <a:rPr lang="en-US" dirty="0"/>
-              <a:t>Cost of Chatbot B is up to 8 times of Chatbot A </a:t>
-            </a:r>
-          </a:p>
-        </p:txBody>
-      </p:sp>
-    </p:spTree>
-    <p:extLst>
-      <p:ext uri="{BB962C8B-B14F-4D97-AF65-F5344CB8AC3E}">
-        <p14:creationId xmlns:p14="http://schemas.microsoft.com/office/powerpoint/2010/main" val="2243324767"/>
       </p:ext>
     </p:extLst>
   </p:cSld>
@@ -16007,6 +15820,462 @@
           <a:chExt cx="0" cy="0"/>
         </a:xfrm>
       </p:grpSpPr>
+      <p:sp>
+        <p:nvSpPr>
+          <p:cNvPr id="5" name="TextBox 4">
+            <a:extLst>
+              <a:ext uri="{FF2B5EF4-FFF2-40B4-BE49-F238E27FC236}">
+                <a16:creationId xmlns:a16="http://schemas.microsoft.com/office/drawing/2014/main" id="{E8AEFE85-01DA-4E57-AEBE-2EEC7EB8B3AB}"/>
+              </a:ext>
+            </a:extLst>
+          </p:cNvPr>
+          <p:cNvSpPr txBox="1"/>
+          <p:nvPr/>
+        </p:nvSpPr>
+        <p:spPr>
+          <a:xfrm>
+            <a:off x="2759325" y="1101059"/>
+            <a:ext cx="4023361" cy="707886"/>
+          </a:xfrm>
+          <a:prstGeom prst="rect">
+            <a:avLst/>
+          </a:prstGeom>
+          <a:noFill/>
+        </p:spPr>
+        <p:txBody>
+          <a:bodyPr wrap="square" rtlCol="0">
+            <a:spAutoFit/>
+          </a:bodyPr>
+          <a:lstStyle/>
+          <a:p>
+            <a:pPr algn="ctr"/>
+            <a:r>
+              <a:rPr lang="en-US" sz="2000" dirty="0"/>
+              <a:t>Chatbot A</a:t>
+            </a:r>
+          </a:p>
+          <a:p>
+            <a:pPr algn="ctr"/>
+            <a:r>
+              <a:rPr lang="en-US" sz="2000" dirty="0"/>
+              <a:t> (with memory system)</a:t>
+            </a:r>
+          </a:p>
+        </p:txBody>
+      </p:sp>
+      <p:sp>
+        <p:nvSpPr>
+          <p:cNvPr id="6" name="TextBox 5">
+            <a:extLst>
+              <a:ext uri="{FF2B5EF4-FFF2-40B4-BE49-F238E27FC236}">
+                <a16:creationId xmlns:a16="http://schemas.microsoft.com/office/drawing/2014/main" id="{7FCD92BE-F721-05D4-D6AD-6A782E8569DB}"/>
+              </a:ext>
+            </a:extLst>
+          </p:cNvPr>
+          <p:cNvSpPr txBox="1"/>
+          <p:nvPr/>
+        </p:nvSpPr>
+        <p:spPr>
+          <a:xfrm>
+            <a:off x="7406800" y="1101059"/>
+            <a:ext cx="4023361" cy="707886"/>
+          </a:xfrm>
+          <a:prstGeom prst="rect">
+            <a:avLst/>
+          </a:prstGeom>
+          <a:noFill/>
+        </p:spPr>
+        <p:txBody>
+          <a:bodyPr wrap="square" rtlCol="0">
+            <a:spAutoFit/>
+          </a:bodyPr>
+          <a:lstStyle/>
+          <a:p>
+            <a:pPr algn="ctr"/>
+            <a:r>
+              <a:rPr lang="en-US" sz="2000" dirty="0"/>
+              <a:t>Chatbot B</a:t>
+            </a:r>
+          </a:p>
+          <a:p>
+            <a:pPr algn="ctr"/>
+            <a:r>
+              <a:rPr lang="en-US" sz="2000" dirty="0"/>
+              <a:t> (without memory system)</a:t>
+            </a:r>
+          </a:p>
+        </p:txBody>
+      </p:sp>
+      <mc:AlternateContent xmlns:mc="http://schemas.openxmlformats.org/markup-compatibility/2006">
+        <mc:Choice xmlns:a14="http://schemas.microsoft.com/office/drawing/2010/main" Requires="a14">
+          <p:sp>
+            <p:nvSpPr>
+              <p:cNvPr id="7" name="TextBox 6">
+                <a:extLst>
+                  <a:ext uri="{FF2B5EF4-FFF2-40B4-BE49-F238E27FC236}">
+                    <a16:creationId xmlns:a16="http://schemas.microsoft.com/office/drawing/2014/main" id="{B13F4A4B-9F65-DD91-4188-62B45A3A4A2F}"/>
+                  </a:ext>
+                </a:extLst>
+              </p:cNvPr>
+              <p:cNvSpPr txBox="1"/>
+              <p:nvPr/>
+            </p:nvSpPr>
+            <p:spPr>
+              <a:xfrm>
+                <a:off x="8363291" y="2395212"/>
+                <a:ext cx="2807426" cy="1015663"/>
+              </a:xfrm>
+              <a:prstGeom prst="rect">
+                <a:avLst/>
+              </a:prstGeom>
+              <a:noFill/>
+            </p:spPr>
+            <p:txBody>
+              <a:bodyPr wrap="square" rtlCol="0">
+                <a:spAutoFit/>
+              </a:bodyPr>
+              <a:lstStyle/>
+              <a:p>
+                <a:pPr algn="ctr"/>
+                <a:r>
+                  <a:rPr lang="en-US" sz="2000" dirty="0"/>
+                  <a:t>All previous turns</a:t>
+                </a:r>
+              </a:p>
+              <a:p>
+                <a:pPr algn="ctr"/>
+                <a:r>
+                  <a:rPr lang="en-US" sz="2000" dirty="0"/>
+                  <a:t>(40</a:t>
+                </a:r>
+                <a:r>
+                  <a:rPr lang="en-US" altLang="zh-CN" sz="2000" dirty="0"/>
+                  <a:t>96</a:t>
+                </a:r>
+                <a:r>
+                  <a:rPr lang="en-US" sz="2000" dirty="0"/>
+                  <a:t> tokens</a:t>
+                </a:r>
+                <a:r>
+                  <a:rPr lang="zh-CN" altLang="en-US" sz="2000" dirty="0"/>
+                  <a:t>*</a:t>
+                </a:r>
+                <a:r>
+                  <a:rPr lang="en-US" sz="2000" dirty="0"/>
+                  <a:t> </a:t>
+                </a:r>
+                <a14:m>
+                  <m:oMath xmlns:m="http://schemas.openxmlformats.org/officeDocument/2006/math">
+                    <m:r>
+                      <a:rPr lang="en-US" sz="2000" i="1" smtClean="0">
+                        <a:latin typeface="Cambria Math" panose="02040503050406030204" pitchFamily="18" charset="0"/>
+                        <a:ea typeface="Cambria Math" panose="02040503050406030204" pitchFamily="18" charset="0"/>
+                      </a:rPr>
+                      <m:t>≈</m:t>
+                    </m:r>
+                  </m:oMath>
+                </a14:m>
+                <a:r>
+                  <a:rPr lang="en-US" sz="2000" dirty="0"/>
+                  <a:t> 64 turns)</a:t>
+                </a:r>
+              </a:p>
+            </p:txBody>
+          </p:sp>
+        </mc:Choice>
+        <mc:Fallback>
+          <p:sp>
+            <p:nvSpPr>
+              <p:cNvPr id="7" name="TextBox 6">
+                <a:extLst>
+                  <a:ext uri="{FF2B5EF4-FFF2-40B4-BE49-F238E27FC236}">
+                    <a16:creationId xmlns:a16="http://schemas.microsoft.com/office/drawing/2014/main" id="{B13F4A4B-9F65-DD91-4188-62B45A3A4A2F}"/>
+                  </a:ext>
+                </a:extLst>
+              </p:cNvPr>
+              <p:cNvSpPr txBox="1">
+                <a:spLocks noRot="1" noChangeAspect="1" noMove="1" noResize="1" noEditPoints="1" noAdjustHandles="1" noChangeArrowheads="1" noChangeShapeType="1" noTextEdit="1"/>
+              </p:cNvSpPr>
+              <p:nvPr/>
+            </p:nvSpPr>
+            <p:spPr>
+              <a:xfrm>
+                <a:off x="8363291" y="2395212"/>
+                <a:ext cx="2807426" cy="1015663"/>
+              </a:xfrm>
+              <a:prstGeom prst="rect">
+                <a:avLst/>
+              </a:prstGeom>
+              <a:blipFill>
+                <a:blip r:embed="rId3"/>
+                <a:stretch>
+                  <a:fillRect t="-3704" b="-9877"/>
+                </a:stretch>
+              </a:blipFill>
+            </p:spPr>
+            <p:txBody>
+              <a:bodyPr/>
+              <a:lstStyle/>
+              <a:p>
+                <a:r>
+                  <a:rPr lang="en-US">
+                    <a:noFill/>
+                  </a:rPr>
+                  <a:t> </a:t>
+                </a:r>
+              </a:p>
+            </p:txBody>
+          </p:sp>
+        </mc:Fallback>
+      </mc:AlternateContent>
+      <p:sp>
+        <p:nvSpPr>
+          <p:cNvPr id="8" name="TextBox 7">
+            <a:extLst>
+              <a:ext uri="{FF2B5EF4-FFF2-40B4-BE49-F238E27FC236}">
+                <a16:creationId xmlns:a16="http://schemas.microsoft.com/office/drawing/2014/main" id="{6788CDF8-DB9C-882B-F56C-96F151A071A4}"/>
+              </a:ext>
+            </a:extLst>
+          </p:cNvPr>
+          <p:cNvSpPr txBox="1"/>
+          <p:nvPr/>
+        </p:nvSpPr>
+        <p:spPr>
+          <a:xfrm>
+            <a:off x="693217" y="2388123"/>
+            <a:ext cx="1841863" cy="707886"/>
+          </a:xfrm>
+          <a:prstGeom prst="rect">
+            <a:avLst/>
+          </a:prstGeom>
+          <a:noFill/>
+        </p:spPr>
+        <p:txBody>
+          <a:bodyPr wrap="square" rtlCol="0">
+            <a:spAutoFit/>
+          </a:bodyPr>
+          <a:lstStyle/>
+          <a:p>
+            <a:pPr algn="ctr"/>
+            <a:r>
+              <a:rPr lang="en-US" sz="2000" dirty="0"/>
+              <a:t>Conversation </a:t>
+            </a:r>
+          </a:p>
+          <a:p>
+            <a:pPr algn="ctr"/>
+            <a:r>
+              <a:rPr lang="en-US" sz="2000" dirty="0"/>
+              <a:t>context history</a:t>
+            </a:r>
+          </a:p>
+        </p:txBody>
+      </p:sp>
+      <p:sp>
+        <p:nvSpPr>
+          <p:cNvPr id="9" name="TextBox 8">
+            <a:extLst>
+              <a:ext uri="{FF2B5EF4-FFF2-40B4-BE49-F238E27FC236}">
+                <a16:creationId xmlns:a16="http://schemas.microsoft.com/office/drawing/2014/main" id="{8794CE42-91CD-D9A6-4C02-C6051FAC6D99}"/>
+              </a:ext>
+            </a:extLst>
+          </p:cNvPr>
+          <p:cNvSpPr txBox="1"/>
+          <p:nvPr/>
+        </p:nvSpPr>
+        <p:spPr>
+          <a:xfrm>
+            <a:off x="4178824" y="2533712"/>
+            <a:ext cx="1617542" cy="400110"/>
+          </a:xfrm>
+          <a:prstGeom prst="rect">
+            <a:avLst/>
+          </a:prstGeom>
+          <a:noFill/>
+        </p:spPr>
+        <p:txBody>
+          <a:bodyPr wrap="square" rtlCol="0">
+            <a:spAutoFit/>
+          </a:bodyPr>
+          <a:lstStyle/>
+          <a:p>
+            <a:r>
+              <a:rPr lang="en-US" sz="2000" dirty="0"/>
+              <a:t>Past 8 turns</a:t>
+            </a:r>
+          </a:p>
+        </p:txBody>
+      </p:sp>
+      <p:sp>
+        <p:nvSpPr>
+          <p:cNvPr id="10" name="TextBox 9">
+            <a:extLst>
+              <a:ext uri="{FF2B5EF4-FFF2-40B4-BE49-F238E27FC236}">
+                <a16:creationId xmlns:a16="http://schemas.microsoft.com/office/drawing/2014/main" id="{E385F4D8-2412-6BF8-1C9F-4DEF6B8DD627}"/>
+              </a:ext>
+            </a:extLst>
+          </p:cNvPr>
+          <p:cNvSpPr txBox="1"/>
+          <p:nvPr/>
+        </p:nvSpPr>
+        <p:spPr>
+          <a:xfrm>
+            <a:off x="917464" y="3830650"/>
+            <a:ext cx="1841861" cy="400110"/>
+          </a:xfrm>
+          <a:prstGeom prst="rect">
+            <a:avLst/>
+          </a:prstGeom>
+          <a:noFill/>
+        </p:spPr>
+        <p:txBody>
+          <a:bodyPr wrap="square" rtlCol="0">
+            <a:spAutoFit/>
+          </a:bodyPr>
+          <a:lstStyle/>
+          <a:p>
+            <a:r>
+              <a:rPr lang="en-US" sz="2000" dirty="0"/>
+              <a:t>Past Knowledge</a:t>
+            </a:r>
+          </a:p>
+        </p:txBody>
+      </p:sp>
+      <p:sp>
+        <p:nvSpPr>
+          <p:cNvPr id="11" name="TextBox 10">
+            <a:extLst>
+              <a:ext uri="{FF2B5EF4-FFF2-40B4-BE49-F238E27FC236}">
+                <a16:creationId xmlns:a16="http://schemas.microsoft.com/office/drawing/2014/main" id="{09B182DC-F893-9481-546C-8172E06123AC}"/>
+              </a:ext>
+            </a:extLst>
+          </p:cNvPr>
+          <p:cNvSpPr txBox="1"/>
+          <p:nvPr/>
+        </p:nvSpPr>
+        <p:spPr>
+          <a:xfrm>
+            <a:off x="3826127" y="3834584"/>
+            <a:ext cx="2419690" cy="400110"/>
+          </a:xfrm>
+          <a:prstGeom prst="rect">
+            <a:avLst/>
+          </a:prstGeom>
+          <a:noFill/>
+        </p:spPr>
+        <p:txBody>
+          <a:bodyPr wrap="square" rtlCol="0">
+            <a:spAutoFit/>
+          </a:bodyPr>
+          <a:lstStyle/>
+          <a:p>
+            <a:r>
+              <a:rPr lang="en-US" sz="2000" dirty="0"/>
+              <a:t>Knowledge Prompt</a:t>
+            </a:r>
+          </a:p>
+        </p:txBody>
+      </p:sp>
+      <p:sp>
+        <p:nvSpPr>
+          <p:cNvPr id="12" name="TextBox 11">
+            <a:extLst>
+              <a:ext uri="{FF2B5EF4-FFF2-40B4-BE49-F238E27FC236}">
+                <a16:creationId xmlns:a16="http://schemas.microsoft.com/office/drawing/2014/main" id="{84EBF6EF-2067-70D9-3EE7-BF4F26EB3D4D}"/>
+              </a:ext>
+            </a:extLst>
+          </p:cNvPr>
+          <p:cNvSpPr txBox="1"/>
+          <p:nvPr/>
+        </p:nvSpPr>
+        <p:spPr>
+          <a:xfrm>
+            <a:off x="8063934" y="3830650"/>
+            <a:ext cx="3637286" cy="400110"/>
+          </a:xfrm>
+          <a:prstGeom prst="rect">
+            <a:avLst/>
+          </a:prstGeom>
+          <a:noFill/>
+        </p:spPr>
+        <p:txBody>
+          <a:bodyPr wrap="square" rtlCol="0">
+            <a:spAutoFit/>
+          </a:bodyPr>
+          <a:lstStyle/>
+          <a:p>
+            <a:r>
+              <a:rPr lang="en-US" sz="2000" dirty="0"/>
+              <a:t>Infer from conversation history</a:t>
+            </a:r>
+          </a:p>
+        </p:txBody>
+      </p:sp>
+      <p:sp>
+        <p:nvSpPr>
+          <p:cNvPr id="16" name="TextBox 15">
+            <a:extLst>
+              <a:ext uri="{FF2B5EF4-FFF2-40B4-BE49-F238E27FC236}">
+                <a16:creationId xmlns:a16="http://schemas.microsoft.com/office/drawing/2014/main" id="{E7301519-51E8-E849-832F-8984122AC9BE}"/>
+              </a:ext>
+            </a:extLst>
+          </p:cNvPr>
+          <p:cNvSpPr txBox="1"/>
+          <p:nvPr/>
+        </p:nvSpPr>
+        <p:spPr>
+          <a:xfrm>
+            <a:off x="3232868" y="4946856"/>
+            <a:ext cx="5306698" cy="400110"/>
+          </a:xfrm>
+          <a:prstGeom prst="rect">
+            <a:avLst/>
+          </a:prstGeom>
+          <a:noFill/>
+        </p:spPr>
+        <p:txBody>
+          <a:bodyPr wrap="square" rtlCol="0">
+            <a:spAutoFit/>
+          </a:bodyPr>
+          <a:lstStyle/>
+          <a:p>
+            <a:r>
+              <a:rPr lang="en-US" sz="2000" dirty="0"/>
+              <a:t>Cost of Chatbot B is up to 8 times of Chatbot A </a:t>
+            </a:r>
+          </a:p>
+        </p:txBody>
+      </p:sp>
+    </p:spTree>
+    <p:extLst>
+      <p:ext uri="{BB962C8B-B14F-4D97-AF65-F5344CB8AC3E}">
+        <p14:creationId xmlns:p14="http://schemas.microsoft.com/office/powerpoint/2010/main" val="2243324767"/>
+      </p:ext>
+    </p:extLst>
+  </p:cSld>
+  <p:clrMapOvr>
+    <a:masterClrMapping/>
+  </p:clrMapOvr>
+</p:sld>
+</file>
+
+<file path=ppt/slides/slide51.xml><?xml version="1.0" encoding="utf-8"?>
+<p:sld xmlns:a="http://schemas.openxmlformats.org/drawingml/2006/main" xmlns:r="http://schemas.openxmlformats.org/officeDocument/2006/relationships" xmlns:p="http://schemas.openxmlformats.org/presentationml/2006/main" show="0">
+  <p:cSld>
+    <p:spTree>
+      <p:nvGrpSpPr>
+        <p:cNvPr id="1" name=""/>
+        <p:cNvGrpSpPr/>
+        <p:nvPr/>
+      </p:nvGrpSpPr>
+      <p:grpSpPr>
+        <a:xfrm>
+          <a:off x="0" y="0"/>
+          <a:ext cx="0" cy="0"/>
+          <a:chOff x="0" y="0"/>
+          <a:chExt cx="0" cy="0"/>
+        </a:xfrm>
+      </p:grpSpPr>
       <p:pic>
         <p:nvPicPr>
           <p:cNvPr id="4" name="Picture 3" descr="A picture containing text, screenshot, font, number&#10;&#10;Description automatically generated">
@@ -16202,181 +16471,6 @@
 </p:sld>
 </file>
 
-<file path=ppt/slides/slide51.xml><?xml version="1.0" encoding="utf-8"?>
-<p:sld xmlns:a="http://schemas.openxmlformats.org/drawingml/2006/main" xmlns:r="http://schemas.openxmlformats.org/officeDocument/2006/relationships" xmlns:p="http://schemas.openxmlformats.org/presentationml/2006/main">
-  <p:cSld>
-    <p:spTree>
-      <p:nvGrpSpPr>
-        <p:cNvPr id="1" name=""/>
-        <p:cNvGrpSpPr/>
-        <p:nvPr/>
-      </p:nvGrpSpPr>
-      <p:grpSpPr>
-        <a:xfrm>
-          <a:off x="0" y="0"/>
-          <a:ext cx="0" cy="0"/>
-          <a:chOff x="0" y="0"/>
-          <a:chExt cx="0" cy="0"/>
-        </a:xfrm>
-      </p:grpSpPr>
-      <p:sp>
-        <p:nvSpPr>
-          <p:cNvPr id="3" name="Content Placeholder 2">
-            <a:extLst>
-              <a:ext uri="{FF2B5EF4-FFF2-40B4-BE49-F238E27FC236}">
-                <a16:creationId xmlns:a16="http://schemas.microsoft.com/office/drawing/2014/main" id="{48C637AE-443A-0447-08E1-BD898C2F59DB}"/>
-              </a:ext>
-            </a:extLst>
-          </p:cNvPr>
-          <p:cNvSpPr>
-            <a:spLocks noGrp="1"/>
-          </p:cNvSpPr>
-          <p:nvPr>
-            <p:ph idx="1"/>
-          </p:nvPr>
-        </p:nvSpPr>
-        <p:spPr>
-          <a:xfrm>
-            <a:off x="838200" y="691628"/>
-            <a:ext cx="10515600" cy="4351338"/>
-          </a:xfrm>
-        </p:spPr>
-        <p:txBody>
-          <a:bodyPr/>
-          <a:lstStyle/>
-          <a:p>
-            <a:pPr marL="0" indent="0">
-              <a:buNone/>
-            </a:pPr>
-            <a:r>
-              <a:rPr lang="en-US" dirty="0"/>
-              <a:t>The experiment was conducted in two phases:</a:t>
-            </a:r>
-          </a:p>
-          <a:p>
-            <a:r>
-              <a:rPr lang="en-US" dirty="0"/>
-              <a:t>Conversations Generation</a:t>
-            </a:r>
-          </a:p>
-          <a:p>
-            <a:endParaRPr lang="en-US" dirty="0"/>
-          </a:p>
-          <a:p>
-            <a:endParaRPr lang="en-US" dirty="0"/>
-          </a:p>
-          <a:p>
-            <a:endParaRPr lang="en-US" dirty="0"/>
-          </a:p>
-          <a:p>
-            <a:r>
-              <a:rPr lang="en-US" dirty="0"/>
-              <a:t>Conversations Evaluation (A/B Test)</a:t>
-            </a:r>
-          </a:p>
-        </p:txBody>
-      </p:sp>
-      <p:sp>
-        <p:nvSpPr>
-          <p:cNvPr id="4" name="TextBox 3">
-            <a:extLst>
-              <a:ext uri="{FF2B5EF4-FFF2-40B4-BE49-F238E27FC236}">
-                <a16:creationId xmlns:a16="http://schemas.microsoft.com/office/drawing/2014/main" id="{0620E943-DE80-51B3-0CC2-98F1CB342BEA}"/>
-              </a:ext>
-            </a:extLst>
-          </p:cNvPr>
-          <p:cNvSpPr txBox="1"/>
-          <p:nvPr/>
-        </p:nvSpPr>
-        <p:spPr>
-          <a:xfrm>
-            <a:off x="1397725" y="1724298"/>
-            <a:ext cx="10515599" cy="1200329"/>
-          </a:xfrm>
-          <a:prstGeom prst="rect">
-            <a:avLst/>
-          </a:prstGeom>
-          <a:noFill/>
-        </p:spPr>
-        <p:txBody>
-          <a:bodyPr wrap="square" rtlCol="0">
-            <a:spAutoFit/>
-          </a:bodyPr>
-          <a:lstStyle/>
-          <a:p>
-            <a:r>
-              <a:rPr lang="en-US" dirty="0"/>
-              <a:t>Participants engaged with two Chatbots discussed about the same topics, generated a pair of multi-session conversations</a:t>
-            </a:r>
-          </a:p>
-          <a:p>
-            <a:endParaRPr lang="en-US" dirty="0"/>
-          </a:p>
-          <a:p>
-            <a:r>
-              <a:rPr lang="en-US" dirty="0"/>
-              <a:t>11 participants, 11 pairs of conversation transcripts are collected</a:t>
-            </a:r>
-          </a:p>
-        </p:txBody>
-      </p:sp>
-      <p:sp>
-        <p:nvSpPr>
-          <p:cNvPr id="5" name="TextBox 4">
-            <a:extLst>
-              <a:ext uri="{FF2B5EF4-FFF2-40B4-BE49-F238E27FC236}">
-                <a16:creationId xmlns:a16="http://schemas.microsoft.com/office/drawing/2014/main" id="{947001C6-1469-84CC-F8AB-1925C0DBB8E3}"/>
-              </a:ext>
-            </a:extLst>
-          </p:cNvPr>
-          <p:cNvSpPr txBox="1"/>
-          <p:nvPr/>
-        </p:nvSpPr>
-        <p:spPr>
-          <a:xfrm>
-            <a:off x="1384660" y="3849189"/>
-            <a:ext cx="10515599" cy="1200329"/>
-          </a:xfrm>
-          <a:prstGeom prst="rect">
-            <a:avLst/>
-          </a:prstGeom>
-          <a:noFill/>
-        </p:spPr>
-        <p:txBody>
-          <a:bodyPr wrap="square" rtlCol="0">
-            <a:spAutoFit/>
-          </a:bodyPr>
-          <a:lstStyle/>
-          <a:p>
-            <a:r>
-              <a:rPr lang="en-US" dirty="0"/>
-              <a:t>Participants were randomly assigned with one/two pairs of conversations; they were asked to compare the performance of the Chatbots in the two conversations</a:t>
-            </a:r>
-          </a:p>
-          <a:p>
-            <a:endParaRPr lang="en-US" dirty="0"/>
-          </a:p>
-          <a:p>
-            <a:r>
-              <a:rPr lang="en-US" dirty="0"/>
-              <a:t>16 participants, 20 evaluation surveys are collected</a:t>
-            </a:r>
-          </a:p>
-        </p:txBody>
-      </p:sp>
-    </p:spTree>
-    <p:extLst>
-      <p:ext uri="{BB962C8B-B14F-4D97-AF65-F5344CB8AC3E}">
-        <p14:creationId xmlns:p14="http://schemas.microsoft.com/office/powerpoint/2010/main" val="1477945698"/>
-      </p:ext>
-    </p:extLst>
-  </p:cSld>
-  <p:clrMapOvr>
-    <a:masterClrMapping/>
-  </p:clrMapOvr>
-</p:sld>
-</file>
-
 <file path=ppt/slides/slide52.xml><?xml version="1.0" encoding="utf-8"?>
 <p:sld xmlns:a="http://schemas.openxmlformats.org/drawingml/2006/main" xmlns:r="http://schemas.openxmlformats.org/officeDocument/2006/relationships" xmlns:p="http://schemas.openxmlformats.org/presentationml/2006/main">
   <p:cSld>
@@ -16396,56 +16490,23 @@
       </p:grpSpPr>
       <p:sp>
         <p:nvSpPr>
-          <p:cNvPr id="2" name="Title 1">
-            <a:extLst>
-              <a:ext uri="{FF2B5EF4-FFF2-40B4-BE49-F238E27FC236}">
-                <a16:creationId xmlns:a16="http://schemas.microsoft.com/office/drawing/2014/main" id="{F37C8AB1-C48A-895E-41F2-717C1800F34D}"/>
-              </a:ext>
-            </a:extLst>
-          </p:cNvPr>
-          <p:cNvSpPr>
-            <a:spLocks noGrp="1"/>
-          </p:cNvSpPr>
-          <p:nvPr>
-            <p:ph type="title"/>
+          <p:cNvPr id="3" name="Content Placeholder 2">
+            <a:extLst>
+              <a:ext uri="{FF2B5EF4-FFF2-40B4-BE49-F238E27FC236}">
+                <a16:creationId xmlns:a16="http://schemas.microsoft.com/office/drawing/2014/main" id="{48C637AE-443A-0447-08E1-BD898C2F59DB}"/>
+              </a:ext>
+            </a:extLst>
+          </p:cNvPr>
+          <p:cNvSpPr>
+            <a:spLocks noGrp="1"/>
+          </p:cNvSpPr>
+          <p:nvPr>
+            <p:ph idx="1"/>
           </p:nvPr>
         </p:nvSpPr>
         <p:spPr>
           <a:xfrm>
-            <a:off x="838200" y="187824"/>
-            <a:ext cx="10515600" cy="1325563"/>
-          </a:xfrm>
-        </p:spPr>
-        <p:txBody>
-          <a:bodyPr/>
-          <a:lstStyle/>
-          <a:p>
-            <a:r>
-              <a:rPr lang="en-US" dirty="0"/>
-              <a:t>A/B Test	</a:t>
-            </a:r>
-          </a:p>
-        </p:txBody>
-      </p:sp>
-      <p:sp>
-        <p:nvSpPr>
-          <p:cNvPr id="3" name="Content Placeholder 2">
-            <a:extLst>
-              <a:ext uri="{FF2B5EF4-FFF2-40B4-BE49-F238E27FC236}">
-                <a16:creationId xmlns:a16="http://schemas.microsoft.com/office/drawing/2014/main" id="{EEE21B04-3CC2-E201-3078-DE76E34C6A4F}"/>
-              </a:ext>
-            </a:extLst>
-          </p:cNvPr>
-          <p:cNvSpPr>
-            <a:spLocks noGrp="1"/>
-          </p:cNvSpPr>
-          <p:nvPr>
-            <p:ph idx="1"/>
-          </p:nvPr>
-        </p:nvSpPr>
-        <p:spPr>
-          <a:xfrm>
-            <a:off x="6463331" y="334754"/>
+            <a:off x="838200" y="691628"/>
             <a:ext cx="10515600" cy="4351338"/>
           </a:xfrm>
         </p:spPr>
@@ -16453,80 +16514,53 @@
           <a:bodyPr/>
           <a:lstStyle/>
           <a:p>
-            <a:r>
-              <a:rPr lang="en-US" sz="2000" dirty="0"/>
-              <a:t>Active use of past knowledge</a:t>
-            </a:r>
-          </a:p>
-          <a:p>
-            <a:r>
-              <a:rPr lang="en-US" sz="2000" dirty="0"/>
-              <a:t>Knowledgeable about users</a:t>
-            </a:r>
-          </a:p>
-          <a:p>
-            <a:r>
-              <a:rPr lang="en-US" sz="2000" dirty="0"/>
-              <a:t>Accuracy of knowledge</a:t>
-            </a:r>
-          </a:p>
-          <a:p>
-            <a:r>
-              <a:rPr lang="en-US" sz="2000" dirty="0"/>
-              <a:t>Effectiveness in providing emotional support</a:t>
+            <a:pPr marL="0" indent="0">
+              <a:buNone/>
+            </a:pPr>
+            <a:r>
+              <a:rPr lang="en-US" dirty="0"/>
+              <a:t>The experiment was conducted in two phases:</a:t>
+            </a:r>
+          </a:p>
+          <a:p>
+            <a:r>
+              <a:rPr lang="en-US" dirty="0"/>
+              <a:t>Conversations Generation</a:t>
             </a:r>
           </a:p>
           <a:p>
             <a:endParaRPr lang="en-US" dirty="0"/>
           </a:p>
-        </p:txBody>
-      </p:sp>
-      <p:pic>
-        <p:nvPicPr>
-          <p:cNvPr id="5" name="Picture 4" descr="A picture containing text, screenshot, line, diagram&#10;&#10;Description automatically generated">
-            <a:extLst>
-              <a:ext uri="{FF2B5EF4-FFF2-40B4-BE49-F238E27FC236}">
-                <a16:creationId xmlns:a16="http://schemas.microsoft.com/office/drawing/2014/main" id="{68884DB3-0C94-A21E-35A7-A9FC5882DAE4}"/>
-              </a:ext>
-            </a:extLst>
-          </p:cNvPr>
-          <p:cNvPicPr>
-            <a:picLocks noChangeAspect="1"/>
-          </p:cNvPicPr>
+          <a:p>
+            <a:endParaRPr lang="en-US" dirty="0"/>
+          </a:p>
+          <a:p>
+            <a:endParaRPr lang="en-US" dirty="0"/>
+          </a:p>
+          <a:p>
+            <a:r>
+              <a:rPr lang="en-US" dirty="0"/>
+              <a:t>Conversations Evaluation (A/B Test)</a:t>
+            </a:r>
+          </a:p>
+        </p:txBody>
+      </p:sp>
+      <p:sp>
+        <p:nvSpPr>
+          <p:cNvPr id="4" name="TextBox 3">
+            <a:extLst>
+              <a:ext uri="{FF2B5EF4-FFF2-40B4-BE49-F238E27FC236}">
+                <a16:creationId xmlns:a16="http://schemas.microsoft.com/office/drawing/2014/main" id="{0620E943-DE80-51B3-0CC2-98F1CB342BEA}"/>
+              </a:ext>
+            </a:extLst>
+          </p:cNvPr>
+          <p:cNvSpPr txBox="1"/>
           <p:nvPr/>
-        </p:nvPicPr>
-        <p:blipFill>
-          <a:blip r:embed="rId2"/>
-          <a:stretch>
-            <a:fillRect/>
-          </a:stretch>
-        </p:blipFill>
+        </p:nvSpPr>
         <p:spPr>
           <a:xfrm>
-            <a:off x="22747" y="2023899"/>
-            <a:ext cx="7637780" cy="4499347"/>
-          </a:xfrm>
-          <a:prstGeom prst="rect">
-            <a:avLst/>
-          </a:prstGeom>
-        </p:spPr>
-      </p:pic>
-      <p:sp>
-        <p:nvSpPr>
-          <p:cNvPr id="6" name="TextBox 5">
-            <a:extLst>
-              <a:ext uri="{FF2B5EF4-FFF2-40B4-BE49-F238E27FC236}">
-                <a16:creationId xmlns:a16="http://schemas.microsoft.com/office/drawing/2014/main" id="{7636DF98-1751-2183-DBFD-DCE31334883F}"/>
-              </a:ext>
-            </a:extLst>
-          </p:cNvPr>
-          <p:cNvSpPr txBox="1"/>
-          <p:nvPr/>
-        </p:nvSpPr>
-        <p:spPr>
-          <a:xfrm>
-            <a:off x="7660527" y="5524696"/>
-            <a:ext cx="4956803" cy="369332"/>
+            <a:off x="1397725" y="1724298"/>
+            <a:ext cx="10515599" cy="1323439"/>
           </a:xfrm>
           <a:prstGeom prst="rect">
             <a:avLst/>
@@ -16540,8 +16574,61 @@
           <a:lstStyle/>
           <a:p>
             <a:r>
-              <a:rPr lang="en-US" dirty="0"/>
-              <a:t>Cost of Chatbot B is up to 8 times of Chatbot A </a:t>
+              <a:rPr lang="en-US" sz="2000" dirty="0"/>
+              <a:t>Participants engaged with two Chatbots discussed about the same topics, generated a pair of multi-session conversations</a:t>
+            </a:r>
+          </a:p>
+          <a:p>
+            <a:endParaRPr lang="en-US" sz="2000" dirty="0"/>
+          </a:p>
+          <a:p>
+            <a:r>
+              <a:rPr lang="en-US" sz="2000" dirty="0"/>
+              <a:t>11 participants, 11 pairs of conversation transcripts are collected</a:t>
+            </a:r>
+          </a:p>
+        </p:txBody>
+      </p:sp>
+      <p:sp>
+        <p:nvSpPr>
+          <p:cNvPr id="5" name="TextBox 4">
+            <a:extLst>
+              <a:ext uri="{FF2B5EF4-FFF2-40B4-BE49-F238E27FC236}">
+                <a16:creationId xmlns:a16="http://schemas.microsoft.com/office/drawing/2014/main" id="{947001C6-1469-84CC-F8AB-1925C0DBB8E3}"/>
+              </a:ext>
+            </a:extLst>
+          </p:cNvPr>
+          <p:cNvSpPr txBox="1"/>
+          <p:nvPr/>
+        </p:nvSpPr>
+        <p:spPr>
+          <a:xfrm>
+            <a:off x="1384660" y="3849189"/>
+            <a:ext cx="10515599" cy="1323439"/>
+          </a:xfrm>
+          <a:prstGeom prst="rect">
+            <a:avLst/>
+          </a:prstGeom>
+          <a:noFill/>
+        </p:spPr>
+        <p:txBody>
+          <a:bodyPr wrap="square" rtlCol="0">
+            <a:spAutoFit/>
+          </a:bodyPr>
+          <a:lstStyle/>
+          <a:p>
+            <a:r>
+              <a:rPr lang="en-US" sz="2000" dirty="0"/>
+              <a:t>Participants were randomly assigned with one/two pairs of conversations; they were asked to compare the performance of the Chatbots in the two conversations</a:t>
+            </a:r>
+          </a:p>
+          <a:p>
+            <a:endParaRPr lang="en-US" sz="2000" dirty="0"/>
+          </a:p>
+          <a:p>
+            <a:r>
+              <a:rPr lang="en-US" sz="2000" dirty="0"/>
+              <a:t>16 participants, 20 evaluation surveys are collected</a:t>
             </a:r>
           </a:p>
         </p:txBody>
@@ -16549,7 +16636,7 @@
     </p:spTree>
     <p:extLst>
       <p:ext uri="{BB962C8B-B14F-4D97-AF65-F5344CB8AC3E}">
-        <p14:creationId xmlns:p14="http://schemas.microsoft.com/office/powerpoint/2010/main" val="574129257"/>
+        <p14:creationId xmlns:p14="http://schemas.microsoft.com/office/powerpoint/2010/main" val="1477945698"/>
       </p:ext>
     </p:extLst>
   </p:cSld>
@@ -16581,6 +16668,194 @@
           <p:cNvPr id="2" name="Title 1">
             <a:extLst>
               <a:ext uri="{FF2B5EF4-FFF2-40B4-BE49-F238E27FC236}">
+                <a16:creationId xmlns:a16="http://schemas.microsoft.com/office/drawing/2014/main" id="{F37C8AB1-C48A-895E-41F2-717C1800F34D}"/>
+              </a:ext>
+            </a:extLst>
+          </p:cNvPr>
+          <p:cNvSpPr>
+            <a:spLocks noGrp="1"/>
+          </p:cNvSpPr>
+          <p:nvPr>
+            <p:ph type="title"/>
+          </p:nvPr>
+        </p:nvSpPr>
+        <p:spPr>
+          <a:xfrm>
+            <a:off x="838200" y="187824"/>
+            <a:ext cx="10515600" cy="1325563"/>
+          </a:xfrm>
+        </p:spPr>
+        <p:txBody>
+          <a:bodyPr/>
+          <a:lstStyle/>
+          <a:p>
+            <a:r>
+              <a:rPr lang="en-US" dirty="0"/>
+              <a:t>A/B Test	</a:t>
+            </a:r>
+          </a:p>
+        </p:txBody>
+      </p:sp>
+      <p:sp>
+        <p:nvSpPr>
+          <p:cNvPr id="3" name="Content Placeholder 2">
+            <a:extLst>
+              <a:ext uri="{FF2B5EF4-FFF2-40B4-BE49-F238E27FC236}">
+                <a16:creationId xmlns:a16="http://schemas.microsoft.com/office/drawing/2014/main" id="{EEE21B04-3CC2-E201-3078-DE76E34C6A4F}"/>
+              </a:ext>
+            </a:extLst>
+          </p:cNvPr>
+          <p:cNvSpPr>
+            <a:spLocks noGrp="1"/>
+          </p:cNvSpPr>
+          <p:nvPr>
+            <p:ph idx="1"/>
+          </p:nvPr>
+        </p:nvSpPr>
+        <p:spPr>
+          <a:xfrm>
+            <a:off x="6463331" y="334754"/>
+            <a:ext cx="10515600" cy="4351338"/>
+          </a:xfrm>
+        </p:spPr>
+        <p:txBody>
+          <a:bodyPr/>
+          <a:lstStyle/>
+          <a:p>
+            <a:r>
+              <a:rPr lang="en-US" sz="2000" dirty="0"/>
+              <a:t>Active use of past knowledge</a:t>
+            </a:r>
+          </a:p>
+          <a:p>
+            <a:r>
+              <a:rPr lang="en-US" sz="2000" dirty="0"/>
+              <a:t>Knowledgeable about users</a:t>
+            </a:r>
+          </a:p>
+          <a:p>
+            <a:r>
+              <a:rPr lang="en-US" sz="2000" dirty="0"/>
+              <a:t>Accuracy of knowledge</a:t>
+            </a:r>
+          </a:p>
+          <a:p>
+            <a:r>
+              <a:rPr lang="en-US" sz="2000" dirty="0"/>
+              <a:t>Effectiveness in providing emotional support</a:t>
+            </a:r>
+          </a:p>
+          <a:p>
+            <a:endParaRPr lang="en-US" dirty="0"/>
+          </a:p>
+        </p:txBody>
+      </p:sp>
+      <p:pic>
+        <p:nvPicPr>
+          <p:cNvPr id="5" name="Picture 4" descr="A picture containing text, screenshot, line, diagram&#10;&#10;Description automatically generated">
+            <a:extLst>
+              <a:ext uri="{FF2B5EF4-FFF2-40B4-BE49-F238E27FC236}">
+                <a16:creationId xmlns:a16="http://schemas.microsoft.com/office/drawing/2014/main" id="{68884DB3-0C94-A21E-35A7-A9FC5882DAE4}"/>
+              </a:ext>
+            </a:extLst>
+          </p:cNvPr>
+          <p:cNvPicPr>
+            <a:picLocks noChangeAspect="1"/>
+          </p:cNvPicPr>
+          <p:nvPr/>
+        </p:nvPicPr>
+        <p:blipFill>
+          <a:blip r:embed="rId2"/>
+          <a:stretch>
+            <a:fillRect/>
+          </a:stretch>
+        </p:blipFill>
+        <p:spPr>
+          <a:xfrm>
+            <a:off x="22747" y="2023899"/>
+            <a:ext cx="7637780" cy="4499347"/>
+          </a:xfrm>
+          <a:prstGeom prst="rect">
+            <a:avLst/>
+          </a:prstGeom>
+        </p:spPr>
+      </p:pic>
+      <p:sp>
+        <p:nvSpPr>
+          <p:cNvPr id="6" name="TextBox 5">
+            <a:extLst>
+              <a:ext uri="{FF2B5EF4-FFF2-40B4-BE49-F238E27FC236}">
+                <a16:creationId xmlns:a16="http://schemas.microsoft.com/office/drawing/2014/main" id="{7636DF98-1751-2183-DBFD-DCE31334883F}"/>
+              </a:ext>
+            </a:extLst>
+          </p:cNvPr>
+          <p:cNvSpPr txBox="1"/>
+          <p:nvPr/>
+        </p:nvSpPr>
+        <p:spPr>
+          <a:xfrm>
+            <a:off x="7970493" y="5571191"/>
+            <a:ext cx="4956803" cy="707886"/>
+          </a:xfrm>
+          <a:prstGeom prst="rect">
+            <a:avLst/>
+          </a:prstGeom>
+          <a:noFill/>
+        </p:spPr>
+        <p:txBody>
+          <a:bodyPr wrap="square" rtlCol="0">
+            <a:spAutoFit/>
+          </a:bodyPr>
+          <a:lstStyle/>
+          <a:p>
+            <a:r>
+              <a:rPr lang="en-US" sz="2000" dirty="0"/>
+              <a:t>Cost of Chatbot B is up to 8 times of </a:t>
+            </a:r>
+          </a:p>
+          <a:p>
+            <a:r>
+              <a:rPr lang="en-US" sz="2000" dirty="0"/>
+              <a:t>Chatbot A </a:t>
+            </a:r>
+          </a:p>
+        </p:txBody>
+      </p:sp>
+    </p:spTree>
+    <p:extLst>
+      <p:ext uri="{BB962C8B-B14F-4D97-AF65-F5344CB8AC3E}">
+        <p14:creationId xmlns:p14="http://schemas.microsoft.com/office/powerpoint/2010/main" val="574129257"/>
+      </p:ext>
+    </p:extLst>
+  </p:cSld>
+  <p:clrMapOvr>
+    <a:masterClrMapping/>
+  </p:clrMapOvr>
+</p:sld>
+</file>
+
+<file path=ppt/slides/slide54.xml><?xml version="1.0" encoding="utf-8"?>
+<p:sld xmlns:a="http://schemas.openxmlformats.org/drawingml/2006/main" xmlns:r="http://schemas.openxmlformats.org/officeDocument/2006/relationships" xmlns:p="http://schemas.openxmlformats.org/presentationml/2006/main">
+  <p:cSld>
+    <p:spTree>
+      <p:nvGrpSpPr>
+        <p:cNvPr id="1" name=""/>
+        <p:cNvGrpSpPr/>
+        <p:nvPr/>
+      </p:nvGrpSpPr>
+      <p:grpSpPr>
+        <a:xfrm>
+          <a:off x="0" y="0"/>
+          <a:ext cx="0" cy="0"/>
+          <a:chOff x="0" y="0"/>
+          <a:chExt cx="0" cy="0"/>
+        </a:xfrm>
+      </p:grpSpPr>
+      <p:sp>
+        <p:nvSpPr>
+          <p:cNvPr id="2" name="Title 1">
+            <a:extLst>
+              <a:ext uri="{FF2B5EF4-FFF2-40B4-BE49-F238E27FC236}">
                 <a16:creationId xmlns:a16="http://schemas.microsoft.com/office/drawing/2014/main" id="{F6F69D3B-AACE-4506-9EB0-D2AA9BF8CE9F}"/>
               </a:ext>
             </a:extLst>
@@ -16645,7 +16920,7 @@
 </p:sld>
 </file>
 
-<file path=ppt/slides/slide54.xml><?xml version="1.0" encoding="utf-8"?>
+<file path=ppt/slides/slide55.xml><?xml version="1.0" encoding="utf-8"?>
 <p:sld xmlns:a="http://schemas.openxmlformats.org/drawingml/2006/main" xmlns:r="http://schemas.openxmlformats.org/officeDocument/2006/relationships" xmlns:p="http://schemas.openxmlformats.org/presentationml/2006/main">
   <p:cSld>
     <p:spTree>
@@ -16971,10 +17246,10 @@
       </p:sp>
       <p:pic>
         <p:nvPicPr>
-          <p:cNvPr id="5" name="Content Placeholder 4" descr="A picture containing text, screenshot, font, number&#10;&#10;Description automatically generated">
-            <a:extLst>
-              <a:ext uri="{FF2B5EF4-FFF2-40B4-BE49-F238E27FC236}">
-                <a16:creationId xmlns:a16="http://schemas.microsoft.com/office/drawing/2014/main" id="{A2EFB746-8ED8-4C24-0F39-F63616B4C106}"/>
+          <p:cNvPr id="7" name="Content Placeholder 4" descr="A picture containing text, screenshot, font, number&#10;&#10;Description automatically generated">
+            <a:extLst>
+              <a:ext uri="{FF2B5EF4-FFF2-40B4-BE49-F238E27FC236}">
+                <a16:creationId xmlns:a16="http://schemas.microsoft.com/office/drawing/2014/main" id="{E89E2A51-E786-FD6B-F440-66A8913BCB11}"/>
               </a:ext>
             </a:extLst>
           </p:cNvPr>
@@ -16993,7 +17268,7 @@
         </p:blipFill>
         <p:spPr>
           <a:xfrm>
-            <a:off x="2139827" y="1244733"/>
+            <a:off x="3799262" y="1258510"/>
             <a:ext cx="7196730" cy="4938446"/>
           </a:xfrm>
         </p:spPr>
@@ -17085,13 +17360,13 @@
         </p:blipFill>
         <p:spPr>
           <a:xfrm>
-            <a:off x="2139827" y="1244733"/>
+            <a:off x="3799262" y="1258510"/>
             <a:ext cx="7196730" cy="4938446"/>
           </a:xfrm>
         </p:spPr>
       </p:pic>
-      <mc:AlternateContent xmlns:mc="http://schemas.openxmlformats.org/markup-compatibility/2006" xmlns:p14="http://schemas.microsoft.com/office/powerpoint/2010/main">
-        <mc:Choice Requires="p14">
+      <mc:AlternateContent xmlns:mc="http://schemas.openxmlformats.org/markup-compatibility/2006">
+        <mc:Choice xmlns:p14="http://schemas.microsoft.com/office/powerpoint/2010/main" Requires="p14">
           <p:contentPart p14:bwMode="auto" r:id="rId4">
             <p14:nvContentPartPr>
               <p14:cNvPr id="3" name="Ink 2">
@@ -17105,12 +17380,12 @@
               <p14:nvPr/>
             </p14:nvContentPartPr>
             <p14:xfrm>
-              <a:off x="2328360" y="1922181"/>
+              <a:off x="3987795" y="1935958"/>
               <a:ext cx="1164600" cy="798840"/>
             </p14:xfrm>
           </p:contentPart>
         </mc:Choice>
-        <mc:Fallback xmlns="">
+        <mc:Fallback>
           <p:pic>
             <p:nvPicPr>
               <p:cNvPr id="3" name="Ink 2">
@@ -17131,7 +17406,7 @@
             </p:blipFill>
             <p:spPr>
               <a:xfrm>
-                <a:off x="2319720" y="1913181"/>
+                <a:off x="3978795" y="1926958"/>
                 <a:ext cx="1182240" cy="816480"/>
               </a:xfrm>
               <a:prstGeom prst="rect">
@@ -17141,6 +17416,41 @@
           </p:pic>
         </mc:Fallback>
       </mc:AlternateContent>
+      <p:sp>
+        <p:nvSpPr>
+          <p:cNvPr id="4" name="TextBox 3">
+            <a:extLst>
+              <a:ext uri="{FF2B5EF4-FFF2-40B4-BE49-F238E27FC236}">
+                <a16:creationId xmlns:a16="http://schemas.microsoft.com/office/drawing/2014/main" id="{6482B0ED-EF48-3E0D-05D1-268E29ED7AE5}"/>
+              </a:ext>
+            </a:extLst>
+          </p:cNvPr>
+          <p:cNvSpPr txBox="1"/>
+          <p:nvPr/>
+        </p:nvSpPr>
+        <p:spPr>
+          <a:xfrm>
+            <a:off x="755451" y="1935958"/>
+            <a:ext cx="2588161" cy="400110"/>
+          </a:xfrm>
+          <a:prstGeom prst="rect">
+            <a:avLst/>
+          </a:prstGeom>
+          <a:noFill/>
+        </p:spPr>
+        <p:txBody>
+          <a:bodyPr wrap="square" rtlCol="0">
+            <a:spAutoFit/>
+          </a:bodyPr>
+          <a:lstStyle/>
+          <a:p>
+            <a:r>
+              <a:rPr lang="en-US" sz="2000" dirty="0"/>
+              <a:t>The chatbot’s role</a:t>
+            </a:r>
+          </a:p>
+        </p:txBody>
+      </p:sp>
     </p:spTree>
     <p:extLst>
       <p:ext uri="{BB962C8B-B14F-4D97-AF65-F5344CB8AC3E}">
